--- a/ppt/팀플 중간발표.pptx
+++ b/ppt/팀플 중간발표.pptx
@@ -6,12 +6,10 @@
   </p:sldMasterIdLst>
   <p:sldIdLst>
     <p:sldId id="257" r:id="rId2"/>
-    <p:sldId id="259" r:id="rId3"/>
-    <p:sldId id="260" r:id="rId4"/>
-    <p:sldId id="258" r:id="rId5"/>
-    <p:sldId id="262" r:id="rId6"/>
-    <p:sldId id="263" r:id="rId7"/>
-    <p:sldId id="264" r:id="rId8"/>
+    <p:sldId id="258" r:id="rId3"/>
+    <p:sldId id="262" r:id="rId4"/>
+    <p:sldId id="263" r:id="rId5"/>
+    <p:sldId id="264" r:id="rId6"/>
   </p:sldIdLst>
   <p:sldSz cx="12192000" cy="6858000"/>
   <p:notesSz cx="6858000" cy="9144000"/>
@@ -266,7 +264,7 @@
                 </a:solidFill>
               </a:rPr>
               <a:pPr/>
-              <a:t>2020-05-22</a:t>
+              <a:t>2020-06-11</a:t>
             </a:fld>
             <a:endParaRPr lang="ko-KR" altLang="en-US">
               <a:solidFill>
@@ -466,7 +464,7 @@
                 </a:solidFill>
               </a:rPr>
               <a:pPr/>
-              <a:t>2020-05-22</a:t>
+              <a:t>2020-06-11</a:t>
             </a:fld>
             <a:endParaRPr lang="ko-KR" altLang="en-US">
               <a:solidFill>
@@ -676,7 +674,7 @@
                 </a:solidFill>
               </a:rPr>
               <a:pPr/>
-              <a:t>2020-05-22</a:t>
+              <a:t>2020-06-11</a:t>
             </a:fld>
             <a:endParaRPr lang="ko-KR" altLang="en-US">
               <a:solidFill>
@@ -876,7 +874,7 @@
                 </a:solidFill>
               </a:rPr>
               <a:pPr/>
-              <a:t>2020-05-22</a:t>
+              <a:t>2020-06-11</a:t>
             </a:fld>
             <a:endParaRPr lang="ko-KR" altLang="en-US">
               <a:solidFill>
@@ -14342,7 +14340,7 @@
                 </a:solidFill>
               </a:rPr>
               <a:pPr/>
-              <a:t>2020-05-22</a:t>
+              <a:t>2020-06-11</a:t>
             </a:fld>
             <a:endParaRPr lang="ko-KR" altLang="en-US">
               <a:solidFill>
@@ -14603,7 +14601,7 @@
                 </a:solidFill>
               </a:rPr>
               <a:pPr/>
-              <a:t>2020-05-22</a:t>
+              <a:t>2020-06-11</a:t>
             </a:fld>
             <a:endParaRPr lang="ko-KR" altLang="en-US">
               <a:solidFill>
@@ -14999,7 +14997,7 @@
                 </a:solidFill>
               </a:rPr>
               <a:pPr/>
-              <a:t>2020-05-22</a:t>
+              <a:t>2020-06-11</a:t>
             </a:fld>
             <a:endParaRPr lang="ko-KR" altLang="en-US">
               <a:solidFill>
@@ -15148,7 +15146,7 @@
                 </a:solidFill>
               </a:rPr>
               <a:pPr/>
-              <a:t>2020-05-22</a:t>
+              <a:t>2020-06-11</a:t>
             </a:fld>
             <a:endParaRPr lang="ko-KR" altLang="en-US">
               <a:solidFill>
@@ -15275,7 +15273,7 @@
                 </a:solidFill>
               </a:rPr>
               <a:pPr/>
-              <a:t>2020-05-22</a:t>
+              <a:t>2020-06-11</a:t>
             </a:fld>
             <a:endParaRPr lang="ko-KR" altLang="en-US">
               <a:solidFill>
@@ -15582,7 +15580,7 @@
                 </a:solidFill>
               </a:rPr>
               <a:pPr/>
-              <a:t>2020-05-22</a:t>
+              <a:t>2020-06-11</a:t>
             </a:fld>
             <a:endParaRPr lang="ko-KR" altLang="en-US">
               <a:solidFill>
@@ -15866,7 +15864,7 @@
                 </a:solidFill>
               </a:rPr>
               <a:pPr/>
-              <a:t>2020-05-22</a:t>
+              <a:t>2020-06-11</a:t>
             </a:fld>
             <a:endParaRPr lang="ko-KR" altLang="en-US">
               <a:solidFill>
@@ -16109,7 +16107,7 @@
                 </a:solidFill>
               </a:rPr>
               <a:pPr/>
-              <a:t>2020-05-22</a:t>
+              <a:t>2020-06-11</a:t>
             </a:fld>
             <a:endParaRPr lang="ko-KR" altLang="en-US">
               <a:solidFill>
@@ -17691,4805 +17689,6 @@
       </p:grpSpPr>
       <p:sp>
         <p:nvSpPr>
-          <p:cNvPr id="30" name="직사각형 29">
-            <a:extLst>
-              <a:ext uri="{FF2B5EF4-FFF2-40B4-BE49-F238E27FC236}">
-                <a16:creationId xmlns:a16="http://schemas.microsoft.com/office/drawing/2014/main" id="{94273C47-1B54-4662-A155-1F333C48D524}"/>
-              </a:ext>
-            </a:extLst>
-          </p:cNvPr>
-          <p:cNvSpPr/>
-          <p:nvPr/>
-        </p:nvSpPr>
-        <p:spPr>
-          <a:xfrm>
-            <a:off x="1164794" y="550174"/>
-            <a:ext cx="1505541" cy="646331"/>
-          </a:xfrm>
-          <a:prstGeom prst="rect">
-            <a:avLst/>
-          </a:prstGeom>
-          <a:noFill/>
-        </p:spPr>
-        <p:txBody>
-          <a:bodyPr wrap="none" lIns="91440" tIns="45720" rIns="91440" bIns="45720">
-            <a:spAutoFit/>
-          </a:bodyPr>
-          <a:lstStyle/>
-          <a:p>
-            <a:pPr algn="ctr"/>
-            <a:r>
-              <a:rPr lang="en-US" altLang="ko-KR" sz="3600" dirty="0">
-                <a:ln w="0"/>
-                <a:effectLst>
-                  <a:outerShdw blurRad="38100" dist="19050" dir="2700000" algn="tl" rotWithShape="0">
-                    <a:schemeClr val="dk1">
-                      <a:alpha val="40000"/>
-                    </a:schemeClr>
-                  </a:outerShdw>
-                </a:effectLst>
-                <a:latin typeface="Vijaya" panose="02020604020202020204" pitchFamily="18" charset="0"/>
-                <a:cs typeface="Vijaya" panose="02020604020202020204" pitchFamily="18" charset="0"/>
-              </a:rPr>
-              <a:t>Contents</a:t>
-            </a:r>
-            <a:endParaRPr lang="en-US" altLang="ko-KR" sz="3600" b="0" cap="none" spc="0" dirty="0">
-              <a:ln w="0"/>
-              <a:solidFill>
-                <a:schemeClr val="tx1"/>
-              </a:solidFill>
-              <a:effectLst>
-                <a:outerShdw blurRad="38100" dist="19050" dir="2700000" algn="tl" rotWithShape="0">
-                  <a:schemeClr val="dk1">
-                    <a:alpha val="40000"/>
-                  </a:schemeClr>
-                </a:outerShdw>
-              </a:effectLst>
-              <a:latin typeface="Vijaya" panose="02020604020202020204" pitchFamily="18" charset="0"/>
-              <a:cs typeface="Vijaya" panose="02020604020202020204" pitchFamily="18" charset="0"/>
-            </a:endParaRPr>
-          </a:p>
-        </p:txBody>
-      </p:sp>
-      <p:sp>
-        <p:nvSpPr>
-          <p:cNvPr id="31" name="직사각형 30">
-            <a:extLst>
-              <a:ext uri="{FF2B5EF4-FFF2-40B4-BE49-F238E27FC236}">
-                <a16:creationId xmlns:a16="http://schemas.microsoft.com/office/drawing/2014/main" id="{D0488E6F-77FB-49E5-8175-DC820104F074}"/>
-              </a:ext>
-            </a:extLst>
-          </p:cNvPr>
-          <p:cNvSpPr/>
-          <p:nvPr/>
-        </p:nvSpPr>
-        <p:spPr>
-          <a:xfrm>
-            <a:off x="1917563" y="1742012"/>
-            <a:ext cx="2031325" cy="477054"/>
-          </a:xfrm>
-          <a:prstGeom prst="rect">
-            <a:avLst/>
-          </a:prstGeom>
-          <a:noFill/>
-        </p:spPr>
-        <p:txBody>
-          <a:bodyPr wrap="none" lIns="91440" tIns="45720" rIns="91440" bIns="45720">
-            <a:spAutoFit/>
-          </a:bodyPr>
-          <a:lstStyle/>
-          <a:p>
-            <a:pPr algn="ctr"/>
-            <a:r>
-              <a:rPr lang="en-US" altLang="ko-KR" sz="2500" dirty="0">
-                <a:ln w="0"/>
-                <a:effectLst>
-                  <a:outerShdw blurRad="38100" dist="19050" dir="2700000" algn="tl" rotWithShape="0">
-                    <a:schemeClr val="dk1">
-                      <a:alpha val="40000"/>
-                    </a:schemeClr>
-                  </a:outerShdw>
-                </a:effectLst>
-              </a:rPr>
-              <a:t>-</a:t>
-            </a:r>
-            <a:r>
-              <a:rPr lang="ko-KR" altLang="en-US" sz="2500" dirty="0">
-                <a:ln w="0"/>
-                <a:effectLst>
-                  <a:outerShdw blurRad="38100" dist="19050" dir="2700000" algn="tl" rotWithShape="0">
-                    <a:schemeClr val="dk1">
-                      <a:alpha val="40000"/>
-                    </a:schemeClr>
-                  </a:outerShdw>
-                </a:effectLst>
-              </a:rPr>
-              <a:t>활용 데이터</a:t>
-            </a:r>
-            <a:endParaRPr lang="en-US" altLang="ko-KR" sz="2500" b="0" cap="none" spc="0" dirty="0">
-              <a:ln w="0"/>
-              <a:solidFill>
-                <a:schemeClr val="tx1"/>
-              </a:solidFill>
-              <a:effectLst>
-                <a:outerShdw blurRad="38100" dist="19050" dir="2700000" algn="tl" rotWithShape="0">
-                  <a:schemeClr val="dk1">
-                    <a:alpha val="40000"/>
-                  </a:schemeClr>
-                </a:outerShdw>
-              </a:effectLst>
-            </a:endParaRPr>
-          </a:p>
-        </p:txBody>
-      </p:sp>
-      <p:sp>
-        <p:nvSpPr>
-          <p:cNvPr id="37" name="직사각형 36">
-            <a:extLst>
-              <a:ext uri="{FF2B5EF4-FFF2-40B4-BE49-F238E27FC236}">
-                <a16:creationId xmlns:a16="http://schemas.microsoft.com/office/drawing/2014/main" id="{C48C678B-DDAE-49F9-A474-1B6A63A8B739}"/>
-              </a:ext>
-            </a:extLst>
-          </p:cNvPr>
-          <p:cNvSpPr/>
-          <p:nvPr/>
-        </p:nvSpPr>
-        <p:spPr>
-          <a:xfrm>
-            <a:off x="1917563" y="2491820"/>
-            <a:ext cx="3493264" cy="477054"/>
-          </a:xfrm>
-          <a:prstGeom prst="rect">
-            <a:avLst/>
-          </a:prstGeom>
-          <a:noFill/>
-        </p:spPr>
-        <p:txBody>
-          <a:bodyPr wrap="none" lIns="91440" tIns="45720" rIns="91440" bIns="45720">
-            <a:spAutoFit/>
-          </a:bodyPr>
-          <a:lstStyle/>
-          <a:p>
-            <a:r>
-              <a:rPr lang="en-US" altLang="ko-KR" sz="2500" dirty="0">
-                <a:ln w="0"/>
-                <a:effectLst>
-                  <a:outerShdw blurRad="38100" dist="19050" dir="2700000" algn="tl" rotWithShape="0">
-                    <a:schemeClr val="dk1">
-                      <a:alpha val="40000"/>
-                    </a:schemeClr>
-                  </a:outerShdw>
-                </a:effectLst>
-              </a:rPr>
-              <a:t>-App</a:t>
-            </a:r>
-            <a:r>
-              <a:rPr lang="ko-KR" altLang="en-US" sz="2500" dirty="0">
-                <a:ln w="0"/>
-                <a:effectLst>
-                  <a:outerShdw blurRad="38100" dist="19050" dir="2700000" algn="tl" rotWithShape="0">
-                    <a:schemeClr val="dk1">
-                      <a:alpha val="40000"/>
-                    </a:schemeClr>
-                  </a:outerShdw>
-                </a:effectLst>
-              </a:rPr>
-              <a:t>소개 및 구현 기능</a:t>
-            </a:r>
-            <a:endParaRPr lang="en-US" altLang="ko-KR" sz="2500" b="0" cap="none" spc="0" dirty="0">
-              <a:ln w="0"/>
-              <a:solidFill>
-                <a:schemeClr val="tx1"/>
-              </a:solidFill>
-              <a:effectLst>
-                <a:outerShdw blurRad="38100" dist="19050" dir="2700000" algn="tl" rotWithShape="0">
-                  <a:schemeClr val="dk1">
-                    <a:alpha val="40000"/>
-                  </a:schemeClr>
-                </a:outerShdw>
-              </a:effectLst>
-            </a:endParaRPr>
-          </a:p>
-        </p:txBody>
-      </p:sp>
-      <p:sp>
-        <p:nvSpPr>
-          <p:cNvPr id="38" name="직사각형 37">
-            <a:extLst>
-              <a:ext uri="{FF2B5EF4-FFF2-40B4-BE49-F238E27FC236}">
-                <a16:creationId xmlns:a16="http://schemas.microsoft.com/office/drawing/2014/main" id="{CACC4962-030E-4589-95A2-34E79DBD75C5}"/>
-              </a:ext>
-            </a:extLst>
-          </p:cNvPr>
-          <p:cNvSpPr/>
-          <p:nvPr/>
-        </p:nvSpPr>
-        <p:spPr>
-          <a:xfrm>
-            <a:off x="1917564" y="3241628"/>
-            <a:ext cx="1710725" cy="477054"/>
-          </a:xfrm>
-          <a:prstGeom prst="rect">
-            <a:avLst/>
-          </a:prstGeom>
-          <a:noFill/>
-        </p:spPr>
-        <p:txBody>
-          <a:bodyPr wrap="none" lIns="91440" tIns="45720" rIns="91440" bIns="45720">
-            <a:spAutoFit/>
-          </a:bodyPr>
-          <a:lstStyle/>
-          <a:p>
-            <a:r>
-              <a:rPr lang="en-US" altLang="ko-KR" sz="2500" b="0" cap="none" spc="0" dirty="0">
-                <a:ln w="0"/>
-                <a:solidFill>
-                  <a:schemeClr val="tx1"/>
-                </a:solidFill>
-                <a:effectLst>
-                  <a:outerShdw blurRad="38100" dist="19050" dir="2700000" algn="tl" rotWithShape="0">
-                    <a:schemeClr val="dk1">
-                      <a:alpha val="40000"/>
-                    </a:schemeClr>
-                  </a:outerShdw>
-                </a:effectLst>
-              </a:rPr>
-              <a:t>-</a:t>
-            </a:r>
-            <a:r>
-              <a:rPr lang="ko-KR" altLang="en-US" sz="2500" b="0" cap="none" spc="0" dirty="0">
-                <a:ln w="0"/>
-                <a:solidFill>
-                  <a:schemeClr val="tx1"/>
-                </a:solidFill>
-                <a:effectLst>
-                  <a:outerShdw blurRad="38100" dist="19050" dir="2700000" algn="tl" rotWithShape="0">
-                    <a:schemeClr val="dk1">
-                      <a:alpha val="40000"/>
-                    </a:schemeClr>
-                  </a:outerShdw>
-                </a:effectLst>
-              </a:rPr>
-              <a:t>개발 일정</a:t>
-            </a:r>
-            <a:endParaRPr lang="en-US" altLang="ko-KR" sz="2500" b="0" cap="none" spc="0" dirty="0">
-              <a:ln w="0"/>
-              <a:solidFill>
-                <a:schemeClr val="tx1"/>
-              </a:solidFill>
-              <a:effectLst>
-                <a:outerShdw blurRad="38100" dist="19050" dir="2700000" algn="tl" rotWithShape="0">
-                  <a:schemeClr val="dk1">
-                    <a:alpha val="40000"/>
-                  </a:schemeClr>
-                </a:outerShdw>
-              </a:effectLst>
-            </a:endParaRPr>
-          </a:p>
-        </p:txBody>
-      </p:sp>
-      <p:sp>
-        <p:nvSpPr>
-          <p:cNvPr id="40" name="직사각형 39">
-            <a:extLst>
-              <a:ext uri="{FF2B5EF4-FFF2-40B4-BE49-F238E27FC236}">
-                <a16:creationId xmlns:a16="http://schemas.microsoft.com/office/drawing/2014/main" id="{47E73F1C-F185-4110-B750-C023C163462D}"/>
-              </a:ext>
-            </a:extLst>
-          </p:cNvPr>
-          <p:cNvSpPr/>
-          <p:nvPr/>
-        </p:nvSpPr>
-        <p:spPr>
-          <a:xfrm>
-            <a:off x="1917563" y="3934917"/>
-            <a:ext cx="1277914" cy="477054"/>
-          </a:xfrm>
-          <a:prstGeom prst="rect">
-            <a:avLst/>
-          </a:prstGeom>
-          <a:noFill/>
-        </p:spPr>
-        <p:txBody>
-          <a:bodyPr wrap="none" lIns="91440" tIns="45720" rIns="91440" bIns="45720">
-            <a:spAutoFit/>
-          </a:bodyPr>
-          <a:lstStyle/>
-          <a:p>
-            <a:r>
-              <a:rPr lang="en-US" altLang="ko-KR" sz="2500" dirty="0">
-                <a:ln w="0"/>
-                <a:effectLst>
-                  <a:outerShdw blurRad="38100" dist="19050" dir="2700000" algn="tl" rotWithShape="0">
-                    <a:schemeClr val="dk1">
-                      <a:alpha val="40000"/>
-                    </a:schemeClr>
-                  </a:outerShdw>
-                </a:effectLst>
-              </a:rPr>
-              <a:t>-</a:t>
-            </a:r>
-            <a:r>
-              <a:rPr lang="ko-KR" altLang="en-US" sz="2500" dirty="0" err="1">
-                <a:ln w="0"/>
-                <a:effectLst>
-                  <a:outerShdw blurRad="38100" dist="19050" dir="2700000" algn="tl" rotWithShape="0">
-                    <a:schemeClr val="dk1">
-                      <a:alpha val="40000"/>
-                    </a:schemeClr>
-                  </a:outerShdw>
-                </a:effectLst>
-              </a:rPr>
-              <a:t>깃허브</a:t>
-            </a:r>
-            <a:endParaRPr lang="en-US" altLang="ko-KR" sz="2500" b="0" cap="none" spc="0" dirty="0">
-              <a:ln w="0"/>
-              <a:solidFill>
-                <a:schemeClr val="tx1"/>
-              </a:solidFill>
-              <a:effectLst>
-                <a:outerShdw blurRad="38100" dist="19050" dir="2700000" algn="tl" rotWithShape="0">
-                  <a:schemeClr val="dk1">
-                    <a:alpha val="40000"/>
-                  </a:schemeClr>
-                </a:outerShdw>
-              </a:effectLst>
-            </a:endParaRPr>
-          </a:p>
-        </p:txBody>
-      </p:sp>
-    </p:spTree>
-    <p:extLst>
-      <p:ext uri="{BB962C8B-B14F-4D97-AF65-F5344CB8AC3E}">
-        <p14:creationId xmlns:p14="http://schemas.microsoft.com/office/powerpoint/2010/main" val="280186270"/>
-      </p:ext>
-    </p:extLst>
-  </p:cSld>
-  <p:clrMapOvr>
-    <a:masterClrMapping/>
-  </p:clrMapOvr>
-</p:sld>
-</file>
-
-<file path=ppt/slides/slide3.xml><?xml version="1.0" encoding="utf-8"?>
-<p:sld xmlns:a="http://schemas.openxmlformats.org/drawingml/2006/main" xmlns:r="http://schemas.openxmlformats.org/officeDocument/2006/relationships" xmlns:p="http://schemas.openxmlformats.org/presentationml/2006/main">
-  <p:cSld>
-    <p:spTree>
-      <p:nvGrpSpPr>
-        <p:cNvPr id="1" name=""/>
-        <p:cNvGrpSpPr/>
-        <p:nvPr/>
-      </p:nvGrpSpPr>
-      <p:grpSpPr>
-        <a:xfrm>
-          <a:off x="0" y="0"/>
-          <a:ext cx="0" cy="0"/>
-          <a:chOff x="0" y="0"/>
-          <a:chExt cx="0" cy="0"/>
-        </a:xfrm>
-      </p:grpSpPr>
-      <p:sp>
-        <p:nvSpPr>
-          <p:cNvPr id="36" name="한쪽 모서리가 둥근 사각형 35"/>
-          <p:cNvSpPr/>
-          <p:nvPr/>
-        </p:nvSpPr>
-        <p:spPr>
-          <a:xfrm>
-            <a:off x="0" y="0"/>
-            <a:ext cx="3848100" cy="5549900"/>
-          </a:xfrm>
-          <a:prstGeom prst="round1Rect">
-            <a:avLst/>
-          </a:prstGeom>
-          <a:solidFill>
-            <a:srgbClr val="00B0F0"/>
-          </a:solidFill>
-          <a:ln>
-            <a:noFill/>
-          </a:ln>
-        </p:spPr>
-        <p:style>
-          <a:lnRef idx="2">
-            <a:schemeClr val="accent1">
-              <a:shade val="50000"/>
-            </a:schemeClr>
-          </a:lnRef>
-          <a:fillRef idx="1">
-            <a:schemeClr val="accent1"/>
-          </a:fillRef>
-          <a:effectRef idx="0">
-            <a:schemeClr val="accent1"/>
-          </a:effectRef>
-          <a:fontRef idx="minor">
-            <a:schemeClr val="lt1"/>
-          </a:fontRef>
-        </p:style>
-        <p:txBody>
-          <a:bodyPr rtlCol="0" anchor="ctr"/>
-          <a:lstStyle/>
-          <a:p>
-            <a:pPr algn="ctr"/>
-            <a:endParaRPr lang="ko-KR" altLang="en-US">
-              <a:solidFill>
-                <a:prstClr val="white"/>
-              </a:solidFill>
-            </a:endParaRPr>
-          </a:p>
-        </p:txBody>
-      </p:sp>
-      <p:sp>
-        <p:nvSpPr>
-          <p:cNvPr id="5" name="모서리가 둥근 직사각형 4"/>
-          <p:cNvSpPr/>
-          <p:nvPr/>
-        </p:nvSpPr>
-        <p:spPr>
-          <a:xfrm>
-            <a:off x="236537" y="304800"/>
-            <a:ext cx="11669713" cy="6265862"/>
-          </a:xfrm>
-          <a:prstGeom prst="roundRect">
-            <a:avLst>
-              <a:gd name="adj" fmla="val 4810"/>
-            </a:avLst>
-          </a:prstGeom>
-          <a:solidFill>
-            <a:srgbClr val="264259"/>
-          </a:solidFill>
-          <a:ln w="63500">
-            <a:solidFill>
-              <a:schemeClr val="tx2">
-                <a:lumMod val="50000"/>
-              </a:schemeClr>
-            </a:solidFill>
-          </a:ln>
-          <a:effectLst>
-            <a:outerShdw dist="63500" dir="2700000" algn="tl" rotWithShape="0">
-              <a:prstClr val="black">
-                <a:alpha val="40000"/>
-              </a:prstClr>
-            </a:outerShdw>
-          </a:effectLst>
-        </p:spPr>
-        <p:style>
-          <a:lnRef idx="2">
-            <a:schemeClr val="accent1">
-              <a:shade val="50000"/>
-            </a:schemeClr>
-          </a:lnRef>
-          <a:fillRef idx="1">
-            <a:schemeClr val="accent1"/>
-          </a:fillRef>
-          <a:effectRef idx="0">
-            <a:schemeClr val="accent1"/>
-          </a:effectRef>
-          <a:fontRef idx="minor">
-            <a:schemeClr val="lt1"/>
-          </a:fontRef>
-        </p:style>
-        <p:txBody>
-          <a:bodyPr rtlCol="0" anchor="ctr"/>
-          <a:lstStyle/>
-          <a:p>
-            <a:pPr algn="ctr"/>
-            <a:endParaRPr lang="ko-KR" altLang="en-US">
-              <a:solidFill>
-                <a:prstClr val="white"/>
-              </a:solidFill>
-            </a:endParaRPr>
-          </a:p>
-        </p:txBody>
-      </p:sp>
-      <p:sp>
-        <p:nvSpPr>
-          <p:cNvPr id="6" name="양쪽 모서리가 둥근 사각형 5"/>
-          <p:cNvSpPr/>
-          <p:nvPr/>
-        </p:nvSpPr>
-        <p:spPr>
-          <a:xfrm rot="5400000">
-            <a:off x="3271463" y="-2062957"/>
-            <a:ext cx="6192000" cy="11001376"/>
-          </a:xfrm>
-          <a:prstGeom prst="round2SameRect">
-            <a:avLst>
-              <a:gd name="adj1" fmla="val 4506"/>
-              <a:gd name="adj2" fmla="val 0"/>
-            </a:avLst>
-          </a:prstGeom>
-          <a:solidFill>
-            <a:schemeClr val="bg1"/>
-          </a:solidFill>
-          <a:ln w="63500">
-            <a:noFill/>
-          </a:ln>
-        </p:spPr>
-        <p:style>
-          <a:lnRef idx="2">
-            <a:schemeClr val="accent1">
-              <a:shade val="50000"/>
-            </a:schemeClr>
-          </a:lnRef>
-          <a:fillRef idx="1">
-            <a:schemeClr val="accent1"/>
-          </a:fillRef>
-          <a:effectRef idx="0">
-            <a:schemeClr val="accent1"/>
-          </a:effectRef>
-          <a:fontRef idx="minor">
-            <a:schemeClr val="lt1"/>
-          </a:fontRef>
-        </p:style>
-        <p:txBody>
-          <a:bodyPr rtlCol="0" anchor="ctr"/>
-          <a:lstStyle/>
-          <a:p>
-            <a:pPr algn="ctr"/>
-            <a:endParaRPr lang="ko-KR" altLang="en-US">
-              <a:solidFill>
-                <a:prstClr val="white"/>
-              </a:solidFill>
-            </a:endParaRPr>
-          </a:p>
-        </p:txBody>
-      </p:sp>
-      <p:sp>
-        <p:nvSpPr>
-          <p:cNvPr id="19" name="Freeform 9"/>
-          <p:cNvSpPr>
-            <a:spLocks/>
-          </p:cNvSpPr>
-          <p:nvPr/>
-        </p:nvSpPr>
-        <p:spPr bwMode="auto">
-          <a:xfrm>
-            <a:off x="477298" y="2470961"/>
-            <a:ext cx="141676" cy="186968"/>
-          </a:xfrm>
-          <a:custGeom>
-            <a:avLst/>
-            <a:gdLst>
-              <a:gd name="T0" fmla="*/ 1093 w 9310"/>
-              <a:gd name="T1" fmla="*/ 12245 h 12286"/>
-              <a:gd name="T2" fmla="*/ 582 w 9310"/>
-              <a:gd name="T3" fmla="*/ 12007 h 12286"/>
-              <a:gd name="T4" fmla="*/ 279 w 9310"/>
-              <a:gd name="T5" fmla="*/ 11710 h 12286"/>
-              <a:gd name="T6" fmla="*/ 42 w 9310"/>
-              <a:gd name="T7" fmla="*/ 11209 h 12286"/>
-              <a:gd name="T8" fmla="*/ 0 w 9310"/>
-              <a:gd name="T9" fmla="*/ 1919 h 12286"/>
-              <a:gd name="T10" fmla="*/ 117 w 9310"/>
-              <a:gd name="T11" fmla="*/ 1260 h 12286"/>
-              <a:gd name="T12" fmla="*/ 498 w 9310"/>
-              <a:gd name="T13" fmla="*/ 629 h 12286"/>
-              <a:gd name="T14" fmla="*/ 1088 w 9310"/>
-              <a:gd name="T15" fmla="*/ 189 h 12286"/>
-              <a:gd name="T16" fmla="*/ 1821 w 9310"/>
-              <a:gd name="T17" fmla="*/ 1 h 12286"/>
-              <a:gd name="T18" fmla="*/ 7682 w 9310"/>
-              <a:gd name="T19" fmla="*/ 22 h 12286"/>
-              <a:gd name="T20" fmla="*/ 8385 w 9310"/>
-              <a:gd name="T21" fmla="*/ 278 h 12286"/>
-              <a:gd name="T22" fmla="*/ 8929 w 9310"/>
-              <a:gd name="T23" fmla="*/ 772 h 12286"/>
-              <a:gd name="T24" fmla="*/ 9250 w 9310"/>
-              <a:gd name="T25" fmla="*/ 1440 h 12286"/>
-              <a:gd name="T26" fmla="*/ 9310 w 9310"/>
-              <a:gd name="T27" fmla="*/ 8471 h 12286"/>
-              <a:gd name="T28" fmla="*/ 9201 w 9310"/>
-              <a:gd name="T29" fmla="*/ 8777 h 12286"/>
-              <a:gd name="T30" fmla="*/ 8880 w 9310"/>
-              <a:gd name="T31" fmla="*/ 8949 h 12286"/>
-              <a:gd name="T32" fmla="*/ 8601 w 9310"/>
-              <a:gd name="T33" fmla="*/ 8894 h 12286"/>
-              <a:gd name="T34" fmla="*/ 8370 w 9310"/>
-              <a:gd name="T35" fmla="*/ 8615 h 12286"/>
-              <a:gd name="T36" fmla="*/ 8349 w 9310"/>
-              <a:gd name="T37" fmla="*/ 1870 h 12286"/>
-              <a:gd name="T38" fmla="*/ 8255 w 9310"/>
-              <a:gd name="T39" fmla="*/ 1503 h 12286"/>
-              <a:gd name="T40" fmla="*/ 8035 w 9310"/>
-              <a:gd name="T41" fmla="*/ 1209 h 12286"/>
-              <a:gd name="T42" fmla="*/ 7720 w 9310"/>
-              <a:gd name="T43" fmla="*/ 1018 h 12286"/>
-              <a:gd name="T44" fmla="*/ 7390 w 9310"/>
-              <a:gd name="T45" fmla="*/ 960 h 12286"/>
-              <a:gd name="T46" fmla="*/ 1680 w 9310"/>
-              <a:gd name="T47" fmla="*/ 989 h 12286"/>
-              <a:gd name="T48" fmla="*/ 1346 w 9310"/>
-              <a:gd name="T49" fmla="*/ 1150 h 12286"/>
-              <a:gd name="T50" fmla="*/ 1098 w 9310"/>
-              <a:gd name="T51" fmla="*/ 1423 h 12286"/>
-              <a:gd name="T52" fmla="*/ 970 w 9310"/>
-              <a:gd name="T53" fmla="*/ 1774 h 12286"/>
-              <a:gd name="T54" fmla="*/ 962 w 9310"/>
-              <a:gd name="T55" fmla="*/ 10904 h 12286"/>
-              <a:gd name="T56" fmla="*/ 1091 w 9310"/>
-              <a:gd name="T57" fmla="*/ 11185 h 12286"/>
-              <a:gd name="T58" fmla="*/ 1405 w 9310"/>
-              <a:gd name="T59" fmla="*/ 11326 h 12286"/>
-              <a:gd name="T60" fmla="*/ 1677 w 9310"/>
-              <a:gd name="T61" fmla="*/ 11273 h 12286"/>
-              <a:gd name="T62" fmla="*/ 4346 w 9310"/>
-              <a:gd name="T63" fmla="*/ 8559 h 12286"/>
-              <a:gd name="T64" fmla="*/ 4655 w 9310"/>
-              <a:gd name="T65" fmla="*/ 8448 h 12286"/>
-              <a:gd name="T66" fmla="*/ 4964 w 9310"/>
-              <a:gd name="T67" fmla="*/ 8559 h 12286"/>
-              <a:gd name="T68" fmla="*/ 7633 w 9310"/>
-              <a:gd name="T69" fmla="*/ 11273 h 12286"/>
-              <a:gd name="T70" fmla="*/ 7902 w 9310"/>
-              <a:gd name="T71" fmla="*/ 11326 h 12286"/>
-              <a:gd name="T72" fmla="*/ 8215 w 9310"/>
-              <a:gd name="T73" fmla="*/ 11182 h 12286"/>
-              <a:gd name="T74" fmla="*/ 8349 w 9310"/>
-              <a:gd name="T75" fmla="*/ 10897 h 12286"/>
-              <a:gd name="T76" fmla="*/ 8408 w 9310"/>
-              <a:gd name="T77" fmla="*/ 10618 h 12286"/>
-              <a:gd name="T78" fmla="*/ 8687 w 9310"/>
-              <a:gd name="T79" fmla="*/ 10387 h 12286"/>
-              <a:gd name="T80" fmla="*/ 8974 w 9310"/>
-              <a:gd name="T81" fmla="*/ 10387 h 12286"/>
-              <a:gd name="T82" fmla="*/ 9253 w 9310"/>
-              <a:gd name="T83" fmla="*/ 10618 h 12286"/>
-              <a:gd name="T84" fmla="*/ 9309 w 9310"/>
-              <a:gd name="T85" fmla="*/ 10920 h 12286"/>
-              <a:gd name="T86" fmla="*/ 9174 w 9310"/>
-              <a:gd name="T87" fmla="*/ 11466 h 12286"/>
-              <a:gd name="T88" fmla="*/ 8890 w 9310"/>
-              <a:gd name="T89" fmla="*/ 11865 h 12286"/>
-              <a:gd name="T90" fmla="*/ 8474 w 9310"/>
-              <a:gd name="T91" fmla="*/ 12151 h 12286"/>
-              <a:gd name="T92" fmla="*/ 7913 w 9310"/>
-              <a:gd name="T93" fmla="*/ 12286 h 12286"/>
-              <a:gd name="T94" fmla="*/ 7489 w 9310"/>
-              <a:gd name="T95" fmla="*/ 12242 h 12286"/>
-              <a:gd name="T96" fmla="*/ 6997 w 9310"/>
-              <a:gd name="T97" fmla="*/ 12001 h 12286"/>
-              <a:gd name="T98" fmla="*/ 2472 w 9310"/>
-              <a:gd name="T99" fmla="*/ 11859 h 12286"/>
-              <a:gd name="T100" fmla="*/ 2080 w 9310"/>
-              <a:gd name="T101" fmla="*/ 12145 h 12286"/>
-              <a:gd name="T102" fmla="*/ 1545 w 9310"/>
-              <a:gd name="T103" fmla="*/ 12285 h 12286"/>
-            </a:gdLst>
-            <a:ahLst/>
-            <a:cxnLst>
-              <a:cxn ang="0">
-                <a:pos x="T0" y="T1"/>
-              </a:cxn>
-              <a:cxn ang="0">
-                <a:pos x="T2" y="T3"/>
-              </a:cxn>
-              <a:cxn ang="0">
-                <a:pos x="T4" y="T5"/>
-              </a:cxn>
-              <a:cxn ang="0">
-                <a:pos x="T6" y="T7"/>
-              </a:cxn>
-              <a:cxn ang="0">
-                <a:pos x="T8" y="T9"/>
-              </a:cxn>
-              <a:cxn ang="0">
-                <a:pos x="T10" y="T11"/>
-              </a:cxn>
-              <a:cxn ang="0">
-                <a:pos x="T12" y="T13"/>
-              </a:cxn>
-              <a:cxn ang="0">
-                <a:pos x="T14" y="T15"/>
-              </a:cxn>
-              <a:cxn ang="0">
-                <a:pos x="T16" y="T17"/>
-              </a:cxn>
-              <a:cxn ang="0">
-                <a:pos x="T18" y="T19"/>
-              </a:cxn>
-              <a:cxn ang="0">
-                <a:pos x="T20" y="T21"/>
-              </a:cxn>
-              <a:cxn ang="0">
-                <a:pos x="T22" y="T23"/>
-              </a:cxn>
-              <a:cxn ang="0">
-                <a:pos x="T24" y="T25"/>
-              </a:cxn>
-              <a:cxn ang="0">
-                <a:pos x="T26" y="T27"/>
-              </a:cxn>
-              <a:cxn ang="0">
-                <a:pos x="T28" y="T29"/>
-              </a:cxn>
-              <a:cxn ang="0">
-                <a:pos x="T30" y="T31"/>
-              </a:cxn>
-              <a:cxn ang="0">
-                <a:pos x="T32" y="T33"/>
-              </a:cxn>
-              <a:cxn ang="0">
-                <a:pos x="T34" y="T35"/>
-              </a:cxn>
-              <a:cxn ang="0">
-                <a:pos x="T36" y="T37"/>
-              </a:cxn>
-              <a:cxn ang="0">
-                <a:pos x="T38" y="T39"/>
-              </a:cxn>
-              <a:cxn ang="0">
-                <a:pos x="T40" y="T41"/>
-              </a:cxn>
-              <a:cxn ang="0">
-                <a:pos x="T42" y="T43"/>
-              </a:cxn>
-              <a:cxn ang="0">
-                <a:pos x="T44" y="T45"/>
-              </a:cxn>
-              <a:cxn ang="0">
-                <a:pos x="T46" y="T47"/>
-              </a:cxn>
-              <a:cxn ang="0">
-                <a:pos x="T48" y="T49"/>
-              </a:cxn>
-              <a:cxn ang="0">
-                <a:pos x="T50" y="T51"/>
-              </a:cxn>
-              <a:cxn ang="0">
-                <a:pos x="T52" y="T53"/>
-              </a:cxn>
-              <a:cxn ang="0">
-                <a:pos x="T54" y="T55"/>
-              </a:cxn>
-              <a:cxn ang="0">
-                <a:pos x="T56" y="T57"/>
-              </a:cxn>
-              <a:cxn ang="0">
-                <a:pos x="T58" y="T59"/>
-              </a:cxn>
-              <a:cxn ang="0">
-                <a:pos x="T60" y="T61"/>
-              </a:cxn>
-              <a:cxn ang="0">
-                <a:pos x="T62" y="T63"/>
-              </a:cxn>
-              <a:cxn ang="0">
-                <a:pos x="T64" y="T65"/>
-              </a:cxn>
-              <a:cxn ang="0">
-                <a:pos x="T66" y="T67"/>
-              </a:cxn>
-              <a:cxn ang="0">
-                <a:pos x="T68" y="T69"/>
-              </a:cxn>
-              <a:cxn ang="0">
-                <a:pos x="T70" y="T71"/>
-              </a:cxn>
-              <a:cxn ang="0">
-                <a:pos x="T72" y="T73"/>
-              </a:cxn>
-              <a:cxn ang="0">
-                <a:pos x="T74" y="T75"/>
-              </a:cxn>
-              <a:cxn ang="0">
-                <a:pos x="T76" y="T77"/>
-              </a:cxn>
-              <a:cxn ang="0">
-                <a:pos x="T78" y="T79"/>
-              </a:cxn>
-              <a:cxn ang="0">
-                <a:pos x="T80" y="T81"/>
-              </a:cxn>
-              <a:cxn ang="0">
-                <a:pos x="T82" y="T83"/>
-              </a:cxn>
-              <a:cxn ang="0">
-                <a:pos x="T84" y="T85"/>
-              </a:cxn>
-              <a:cxn ang="0">
-                <a:pos x="T86" y="T87"/>
-              </a:cxn>
-              <a:cxn ang="0">
-                <a:pos x="T88" y="T89"/>
-              </a:cxn>
-              <a:cxn ang="0">
-                <a:pos x="T90" y="T91"/>
-              </a:cxn>
-              <a:cxn ang="0">
-                <a:pos x="T92" y="T93"/>
-              </a:cxn>
-              <a:cxn ang="0">
-                <a:pos x="T94" y="T95"/>
-              </a:cxn>
-              <a:cxn ang="0">
-                <a:pos x="T96" y="T97"/>
-              </a:cxn>
-              <a:cxn ang="0">
-                <a:pos x="T98" y="T99"/>
-              </a:cxn>
-              <a:cxn ang="0">
-                <a:pos x="T100" y="T101"/>
-              </a:cxn>
-              <a:cxn ang="0">
-                <a:pos x="T102" y="T103"/>
-              </a:cxn>
-            </a:cxnLst>
-            <a:rect l="0" t="0" r="r" b="b"/>
-            <a:pathLst>
-              <a:path w="9310" h="12286">
-                <a:moveTo>
-                  <a:pt x="1447" y="12286"/>
-                </a:moveTo>
-                <a:lnTo>
-                  <a:pt x="1375" y="12286"/>
-                </a:lnTo>
-                <a:lnTo>
-                  <a:pt x="1232" y="12272"/>
-                </a:lnTo>
-                <a:lnTo>
-                  <a:pt x="1093" y="12245"/>
-                </a:lnTo>
-                <a:lnTo>
-                  <a:pt x="957" y="12203"/>
-                </a:lnTo>
-                <a:lnTo>
-                  <a:pt x="826" y="12150"/>
-                </a:lnTo>
-                <a:lnTo>
-                  <a:pt x="700" y="12085"/>
-                </a:lnTo>
-                <a:lnTo>
-                  <a:pt x="582" y="12007"/>
-                </a:lnTo>
-                <a:lnTo>
-                  <a:pt x="471" y="11918"/>
-                </a:lnTo>
-                <a:lnTo>
-                  <a:pt x="419" y="11869"/>
-                </a:lnTo>
-                <a:lnTo>
-                  <a:pt x="370" y="11818"/>
-                </a:lnTo>
-                <a:lnTo>
-                  <a:pt x="279" y="11710"/>
-                </a:lnTo>
-                <a:lnTo>
-                  <a:pt x="202" y="11595"/>
-                </a:lnTo>
-                <a:lnTo>
-                  <a:pt x="135" y="11471"/>
-                </a:lnTo>
-                <a:lnTo>
-                  <a:pt x="82" y="11343"/>
-                </a:lnTo>
-                <a:lnTo>
-                  <a:pt x="42" y="11209"/>
-                </a:lnTo>
-                <a:lnTo>
-                  <a:pt x="14" y="11070"/>
-                </a:lnTo>
-                <a:lnTo>
-                  <a:pt x="1" y="10927"/>
-                </a:lnTo>
-                <a:lnTo>
-                  <a:pt x="0" y="10855"/>
-                </a:lnTo>
-                <a:lnTo>
-                  <a:pt x="0" y="1919"/>
-                </a:lnTo>
-                <a:lnTo>
-                  <a:pt x="1" y="1821"/>
-                </a:lnTo>
-                <a:lnTo>
-                  <a:pt x="22" y="1627"/>
-                </a:lnTo>
-                <a:lnTo>
-                  <a:pt x="60" y="1440"/>
-                </a:lnTo>
-                <a:lnTo>
-                  <a:pt x="117" y="1260"/>
-                </a:lnTo>
-                <a:lnTo>
-                  <a:pt x="189" y="1089"/>
-                </a:lnTo>
-                <a:lnTo>
-                  <a:pt x="278" y="924"/>
-                </a:lnTo>
-                <a:lnTo>
-                  <a:pt x="382" y="772"/>
-                </a:lnTo>
-                <a:lnTo>
-                  <a:pt x="498" y="629"/>
-                </a:lnTo>
-                <a:lnTo>
-                  <a:pt x="629" y="498"/>
-                </a:lnTo>
-                <a:lnTo>
-                  <a:pt x="772" y="382"/>
-                </a:lnTo>
-                <a:lnTo>
-                  <a:pt x="924" y="278"/>
-                </a:lnTo>
-                <a:lnTo>
-                  <a:pt x="1088" y="189"/>
-                </a:lnTo>
-                <a:lnTo>
-                  <a:pt x="1260" y="117"/>
-                </a:lnTo>
-                <a:lnTo>
-                  <a:pt x="1440" y="60"/>
-                </a:lnTo>
-                <a:lnTo>
-                  <a:pt x="1627" y="22"/>
-                </a:lnTo>
-                <a:lnTo>
-                  <a:pt x="1821" y="1"/>
-                </a:lnTo>
-                <a:lnTo>
-                  <a:pt x="1919" y="0"/>
-                </a:lnTo>
-                <a:lnTo>
-                  <a:pt x="7390" y="0"/>
-                </a:lnTo>
-                <a:lnTo>
-                  <a:pt x="7489" y="1"/>
-                </a:lnTo>
-                <a:lnTo>
-                  <a:pt x="7682" y="22"/>
-                </a:lnTo>
-                <a:lnTo>
-                  <a:pt x="7869" y="60"/>
-                </a:lnTo>
-                <a:lnTo>
-                  <a:pt x="8049" y="117"/>
-                </a:lnTo>
-                <a:lnTo>
-                  <a:pt x="8222" y="189"/>
-                </a:lnTo>
-                <a:lnTo>
-                  <a:pt x="8385" y="278"/>
-                </a:lnTo>
-                <a:lnTo>
-                  <a:pt x="8539" y="382"/>
-                </a:lnTo>
-                <a:lnTo>
-                  <a:pt x="8681" y="498"/>
-                </a:lnTo>
-                <a:lnTo>
-                  <a:pt x="8811" y="629"/>
-                </a:lnTo>
-                <a:lnTo>
-                  <a:pt x="8929" y="772"/>
-                </a:lnTo>
-                <a:lnTo>
-                  <a:pt x="9033" y="924"/>
-                </a:lnTo>
-                <a:lnTo>
-                  <a:pt x="9120" y="1089"/>
-                </a:lnTo>
-                <a:lnTo>
-                  <a:pt x="9194" y="1260"/>
-                </a:lnTo>
-                <a:lnTo>
-                  <a:pt x="9250" y="1440"/>
-                </a:lnTo>
-                <a:lnTo>
-                  <a:pt x="9289" y="1627"/>
-                </a:lnTo>
-                <a:lnTo>
-                  <a:pt x="9308" y="1821"/>
-                </a:lnTo>
-                <a:lnTo>
-                  <a:pt x="9310" y="1919"/>
-                </a:lnTo>
-                <a:lnTo>
-                  <a:pt x="9310" y="8471"/>
-                </a:lnTo>
-                <a:lnTo>
-                  <a:pt x="9308" y="8521"/>
-                </a:lnTo>
-                <a:lnTo>
-                  <a:pt x="9289" y="8615"/>
-                </a:lnTo>
-                <a:lnTo>
-                  <a:pt x="9253" y="8700"/>
-                </a:lnTo>
-                <a:lnTo>
-                  <a:pt x="9201" y="8777"/>
-                </a:lnTo>
-                <a:lnTo>
-                  <a:pt x="9136" y="8842"/>
-                </a:lnTo>
-                <a:lnTo>
-                  <a:pt x="9058" y="8894"/>
-                </a:lnTo>
-                <a:lnTo>
-                  <a:pt x="8974" y="8930"/>
-                </a:lnTo>
-                <a:lnTo>
-                  <a:pt x="8880" y="8949"/>
-                </a:lnTo>
-                <a:lnTo>
-                  <a:pt x="8830" y="8952"/>
-                </a:lnTo>
-                <a:lnTo>
-                  <a:pt x="8781" y="8949"/>
-                </a:lnTo>
-                <a:lnTo>
-                  <a:pt x="8687" y="8930"/>
-                </a:lnTo>
-                <a:lnTo>
-                  <a:pt x="8601" y="8894"/>
-                </a:lnTo>
-                <a:lnTo>
-                  <a:pt x="8524" y="8842"/>
-                </a:lnTo>
-                <a:lnTo>
-                  <a:pt x="8460" y="8777"/>
-                </a:lnTo>
-                <a:lnTo>
-                  <a:pt x="8408" y="8700"/>
-                </a:lnTo>
-                <a:lnTo>
-                  <a:pt x="8370" y="8615"/>
-                </a:lnTo>
-                <a:lnTo>
-                  <a:pt x="8352" y="8521"/>
-                </a:lnTo>
-                <a:lnTo>
-                  <a:pt x="8350" y="8471"/>
-                </a:lnTo>
-                <a:lnTo>
-                  <a:pt x="8350" y="1919"/>
-                </a:lnTo>
-                <a:lnTo>
-                  <a:pt x="8349" y="1870"/>
-                </a:lnTo>
-                <a:lnTo>
-                  <a:pt x="8340" y="1774"/>
-                </a:lnTo>
-                <a:lnTo>
-                  <a:pt x="8320" y="1680"/>
-                </a:lnTo>
-                <a:lnTo>
-                  <a:pt x="8293" y="1590"/>
-                </a:lnTo>
-                <a:lnTo>
-                  <a:pt x="8255" y="1503"/>
-                </a:lnTo>
-                <a:lnTo>
-                  <a:pt x="8211" y="1423"/>
-                </a:lnTo>
-                <a:lnTo>
-                  <a:pt x="8160" y="1346"/>
-                </a:lnTo>
-                <a:lnTo>
-                  <a:pt x="8101" y="1274"/>
-                </a:lnTo>
-                <a:lnTo>
-                  <a:pt x="8035" y="1209"/>
-                </a:lnTo>
-                <a:lnTo>
-                  <a:pt x="7964" y="1150"/>
-                </a:lnTo>
-                <a:lnTo>
-                  <a:pt x="7888" y="1099"/>
-                </a:lnTo>
-                <a:lnTo>
-                  <a:pt x="7806" y="1054"/>
-                </a:lnTo>
-                <a:lnTo>
-                  <a:pt x="7720" y="1018"/>
-                </a:lnTo>
-                <a:lnTo>
-                  <a:pt x="7630" y="989"/>
-                </a:lnTo>
-                <a:lnTo>
-                  <a:pt x="7537" y="970"/>
-                </a:lnTo>
-                <a:lnTo>
-                  <a:pt x="7440" y="960"/>
-                </a:lnTo>
-                <a:lnTo>
-                  <a:pt x="7390" y="960"/>
-                </a:lnTo>
-                <a:lnTo>
-                  <a:pt x="1919" y="960"/>
-                </a:lnTo>
-                <a:lnTo>
-                  <a:pt x="1870" y="960"/>
-                </a:lnTo>
-                <a:lnTo>
-                  <a:pt x="1774" y="970"/>
-                </a:lnTo>
-                <a:lnTo>
-                  <a:pt x="1680" y="989"/>
-                </a:lnTo>
-                <a:lnTo>
-                  <a:pt x="1589" y="1018"/>
-                </a:lnTo>
-                <a:lnTo>
-                  <a:pt x="1503" y="1054"/>
-                </a:lnTo>
-                <a:lnTo>
-                  <a:pt x="1422" y="1099"/>
-                </a:lnTo>
-                <a:lnTo>
-                  <a:pt x="1346" y="1150"/>
-                </a:lnTo>
-                <a:lnTo>
-                  <a:pt x="1274" y="1209"/>
-                </a:lnTo>
-                <a:lnTo>
-                  <a:pt x="1209" y="1274"/>
-                </a:lnTo>
-                <a:lnTo>
-                  <a:pt x="1150" y="1346"/>
-                </a:lnTo>
-                <a:lnTo>
-                  <a:pt x="1098" y="1423"/>
-                </a:lnTo>
-                <a:lnTo>
-                  <a:pt x="1054" y="1503"/>
-                </a:lnTo>
-                <a:lnTo>
-                  <a:pt x="1018" y="1590"/>
-                </a:lnTo>
-                <a:lnTo>
-                  <a:pt x="989" y="1680"/>
-                </a:lnTo>
-                <a:lnTo>
-                  <a:pt x="970" y="1774"/>
-                </a:lnTo>
-                <a:lnTo>
-                  <a:pt x="960" y="1870"/>
-                </a:lnTo>
-                <a:lnTo>
-                  <a:pt x="960" y="1919"/>
-                </a:lnTo>
-                <a:lnTo>
-                  <a:pt x="960" y="10855"/>
-                </a:lnTo>
-                <a:lnTo>
-                  <a:pt x="962" y="10904"/>
-                </a:lnTo>
-                <a:lnTo>
-                  <a:pt x="978" y="10995"/>
-                </a:lnTo>
-                <a:lnTo>
-                  <a:pt x="1011" y="11078"/>
-                </a:lnTo>
-                <a:lnTo>
-                  <a:pt x="1061" y="11152"/>
-                </a:lnTo>
-                <a:lnTo>
-                  <a:pt x="1091" y="11185"/>
-                </a:lnTo>
-                <a:lnTo>
-                  <a:pt x="1129" y="11218"/>
-                </a:lnTo>
-                <a:lnTo>
-                  <a:pt x="1212" y="11271"/>
-                </a:lnTo>
-                <a:lnTo>
-                  <a:pt x="1306" y="11307"/>
-                </a:lnTo>
-                <a:lnTo>
-                  <a:pt x="1405" y="11326"/>
-                </a:lnTo>
-                <a:lnTo>
-                  <a:pt x="1456" y="11327"/>
-                </a:lnTo>
-                <a:lnTo>
-                  <a:pt x="1504" y="11325"/>
-                </a:lnTo>
-                <a:lnTo>
-                  <a:pt x="1595" y="11307"/>
-                </a:lnTo>
-                <a:lnTo>
-                  <a:pt x="1677" y="11273"/>
-                </a:lnTo>
-                <a:lnTo>
-                  <a:pt x="1751" y="11222"/>
-                </a:lnTo>
-                <a:lnTo>
-                  <a:pt x="1784" y="11191"/>
-                </a:lnTo>
-                <a:lnTo>
-                  <a:pt x="4310" y="8592"/>
-                </a:lnTo>
-                <a:lnTo>
-                  <a:pt x="4346" y="8559"/>
-                </a:lnTo>
-                <a:lnTo>
-                  <a:pt x="4426" y="8505"/>
-                </a:lnTo>
-                <a:lnTo>
-                  <a:pt x="4513" y="8468"/>
-                </a:lnTo>
-                <a:lnTo>
-                  <a:pt x="4607" y="8449"/>
-                </a:lnTo>
-                <a:lnTo>
-                  <a:pt x="4655" y="8448"/>
-                </a:lnTo>
-                <a:lnTo>
-                  <a:pt x="4703" y="8449"/>
-                </a:lnTo>
-                <a:lnTo>
-                  <a:pt x="4797" y="8468"/>
-                </a:lnTo>
-                <a:lnTo>
-                  <a:pt x="4885" y="8505"/>
-                </a:lnTo>
-                <a:lnTo>
-                  <a:pt x="4964" y="8559"/>
-                </a:lnTo>
-                <a:lnTo>
-                  <a:pt x="4999" y="8592"/>
-                </a:lnTo>
-                <a:lnTo>
-                  <a:pt x="7527" y="11191"/>
-                </a:lnTo>
-                <a:lnTo>
-                  <a:pt x="7560" y="11222"/>
-                </a:lnTo>
-                <a:lnTo>
-                  <a:pt x="7633" y="11273"/>
-                </a:lnTo>
-                <a:lnTo>
-                  <a:pt x="7714" y="11307"/>
-                </a:lnTo>
-                <a:lnTo>
-                  <a:pt x="7803" y="11325"/>
-                </a:lnTo>
-                <a:lnTo>
-                  <a:pt x="7852" y="11327"/>
-                </a:lnTo>
-                <a:lnTo>
-                  <a:pt x="7902" y="11326"/>
-                </a:lnTo>
-                <a:lnTo>
-                  <a:pt x="8002" y="11306"/>
-                </a:lnTo>
-                <a:lnTo>
-                  <a:pt x="8095" y="11270"/>
-                </a:lnTo>
-                <a:lnTo>
-                  <a:pt x="8179" y="11215"/>
-                </a:lnTo>
-                <a:lnTo>
-                  <a:pt x="8215" y="11182"/>
-                </a:lnTo>
-                <a:lnTo>
-                  <a:pt x="8248" y="11148"/>
-                </a:lnTo>
-                <a:lnTo>
-                  <a:pt x="8298" y="11073"/>
-                </a:lnTo>
-                <a:lnTo>
-                  <a:pt x="8331" y="10989"/>
-                </a:lnTo>
-                <a:lnTo>
-                  <a:pt x="8349" y="10897"/>
-                </a:lnTo>
-                <a:lnTo>
-                  <a:pt x="8350" y="10847"/>
-                </a:lnTo>
-                <a:lnTo>
-                  <a:pt x="8352" y="10798"/>
-                </a:lnTo>
-                <a:lnTo>
-                  <a:pt x="8370" y="10704"/>
-                </a:lnTo>
-                <a:lnTo>
-                  <a:pt x="8408" y="10618"/>
-                </a:lnTo>
-                <a:lnTo>
-                  <a:pt x="8460" y="10541"/>
-                </a:lnTo>
-                <a:lnTo>
-                  <a:pt x="8524" y="10477"/>
-                </a:lnTo>
-                <a:lnTo>
-                  <a:pt x="8601" y="10425"/>
-                </a:lnTo>
-                <a:lnTo>
-                  <a:pt x="8687" y="10387"/>
-                </a:lnTo>
-                <a:lnTo>
-                  <a:pt x="8781" y="10369"/>
-                </a:lnTo>
-                <a:lnTo>
-                  <a:pt x="8830" y="10367"/>
-                </a:lnTo>
-                <a:lnTo>
-                  <a:pt x="8880" y="10369"/>
-                </a:lnTo>
-                <a:lnTo>
-                  <a:pt x="8974" y="10387"/>
-                </a:lnTo>
-                <a:lnTo>
-                  <a:pt x="9058" y="10425"/>
-                </a:lnTo>
-                <a:lnTo>
-                  <a:pt x="9136" y="10477"/>
-                </a:lnTo>
-                <a:lnTo>
-                  <a:pt x="9201" y="10541"/>
-                </a:lnTo>
-                <a:lnTo>
-                  <a:pt x="9253" y="10618"/>
-                </a:lnTo>
-                <a:lnTo>
-                  <a:pt x="9289" y="10704"/>
-                </a:lnTo>
-                <a:lnTo>
-                  <a:pt x="9308" y="10798"/>
-                </a:lnTo>
-                <a:lnTo>
-                  <a:pt x="9310" y="10847"/>
-                </a:lnTo>
-                <a:lnTo>
-                  <a:pt x="9309" y="10920"/>
-                </a:lnTo>
-                <a:lnTo>
-                  <a:pt x="9295" y="11063"/>
-                </a:lnTo>
-                <a:lnTo>
-                  <a:pt x="9267" y="11202"/>
-                </a:lnTo>
-                <a:lnTo>
-                  <a:pt x="9227" y="11336"/>
-                </a:lnTo>
-                <a:lnTo>
-                  <a:pt x="9174" y="11466"/>
-                </a:lnTo>
-                <a:lnTo>
-                  <a:pt x="9107" y="11588"/>
-                </a:lnTo>
-                <a:lnTo>
-                  <a:pt x="9030" y="11705"/>
-                </a:lnTo>
-                <a:lnTo>
-                  <a:pt x="8939" y="11814"/>
-                </a:lnTo>
-                <a:lnTo>
-                  <a:pt x="8890" y="11865"/>
-                </a:lnTo>
-                <a:lnTo>
-                  <a:pt x="8837" y="11915"/>
-                </a:lnTo>
-                <a:lnTo>
-                  <a:pt x="8724" y="12006"/>
-                </a:lnTo>
-                <a:lnTo>
-                  <a:pt x="8602" y="12085"/>
-                </a:lnTo>
-                <a:lnTo>
-                  <a:pt x="8474" y="12151"/>
-                </a:lnTo>
-                <a:lnTo>
-                  <a:pt x="8340" y="12206"/>
-                </a:lnTo>
-                <a:lnTo>
-                  <a:pt x="8200" y="12246"/>
-                </a:lnTo>
-                <a:lnTo>
-                  <a:pt x="8058" y="12273"/>
-                </a:lnTo>
-                <a:lnTo>
-                  <a:pt x="7913" y="12286"/>
-                </a:lnTo>
-                <a:lnTo>
-                  <a:pt x="7841" y="12286"/>
-                </a:lnTo>
-                <a:lnTo>
-                  <a:pt x="7767" y="12285"/>
-                </a:lnTo>
-                <a:lnTo>
-                  <a:pt x="7626" y="12269"/>
-                </a:lnTo>
-                <a:lnTo>
-                  <a:pt x="7489" y="12242"/>
-                </a:lnTo>
-                <a:lnTo>
-                  <a:pt x="7358" y="12200"/>
-                </a:lnTo>
-                <a:lnTo>
-                  <a:pt x="7232" y="12147"/>
-                </a:lnTo>
-                <a:lnTo>
-                  <a:pt x="7111" y="12079"/>
-                </a:lnTo>
-                <a:lnTo>
-                  <a:pt x="6997" y="12001"/>
-                </a:lnTo>
-                <a:lnTo>
-                  <a:pt x="6889" y="11911"/>
-                </a:lnTo>
-                <a:lnTo>
-                  <a:pt x="6839" y="11859"/>
-                </a:lnTo>
-                <a:lnTo>
-                  <a:pt x="4655" y="9615"/>
-                </a:lnTo>
-                <a:lnTo>
-                  <a:pt x="2472" y="11859"/>
-                </a:lnTo>
-                <a:lnTo>
-                  <a:pt x="2422" y="11909"/>
-                </a:lnTo>
-                <a:lnTo>
-                  <a:pt x="2315" y="12000"/>
-                </a:lnTo>
-                <a:lnTo>
-                  <a:pt x="2201" y="12079"/>
-                </a:lnTo>
-                <a:lnTo>
-                  <a:pt x="2080" y="12145"/>
-                </a:lnTo>
-                <a:lnTo>
-                  <a:pt x="1955" y="12199"/>
-                </a:lnTo>
-                <a:lnTo>
-                  <a:pt x="1823" y="12240"/>
-                </a:lnTo>
-                <a:lnTo>
-                  <a:pt x="1686" y="12269"/>
-                </a:lnTo>
-                <a:lnTo>
-                  <a:pt x="1545" y="12285"/>
-                </a:lnTo>
-                <a:lnTo>
-                  <a:pt x="1473" y="12286"/>
-                </a:lnTo>
-                <a:lnTo>
-                  <a:pt x="1460" y="12286"/>
-                </a:lnTo>
-                <a:lnTo>
-                  <a:pt x="1447" y="12286"/>
-                </a:lnTo>
-                <a:close/>
-              </a:path>
-            </a:pathLst>
-          </a:custGeom>
-          <a:solidFill>
-            <a:schemeClr val="bg1"/>
-          </a:solidFill>
-          <a:ln>
-            <a:noFill/>
-          </a:ln>
-        </p:spPr>
-        <p:txBody>
-          <a:bodyPr vert="horz" wrap="square" lIns="91440" tIns="45720" rIns="91440" bIns="45720" numCol="1" anchor="t" anchorCtr="0" compatLnSpc="1">
-            <a:prstTxWarp prst="textNoShape">
-              <a:avLst/>
-            </a:prstTxWarp>
-          </a:bodyPr>
-          <a:lstStyle/>
-          <a:p>
-            <a:endParaRPr lang="ko-KR" altLang="en-US">
-              <a:solidFill>
-                <a:prstClr val="black"/>
-              </a:solidFill>
-            </a:endParaRPr>
-          </a:p>
-        </p:txBody>
-      </p:sp>
-      <p:sp>
-        <p:nvSpPr>
-          <p:cNvPr id="23" name="Freeform 36"/>
-          <p:cNvSpPr>
-            <a:spLocks noEditPoints="1"/>
-          </p:cNvSpPr>
-          <p:nvPr/>
-        </p:nvSpPr>
-        <p:spPr bwMode="auto">
-          <a:xfrm>
-            <a:off x="491434" y="4397002"/>
-            <a:ext cx="113404" cy="190736"/>
-          </a:xfrm>
-          <a:custGeom>
-            <a:avLst/>
-            <a:gdLst>
-              <a:gd name="T0" fmla="*/ 937 w 1926"/>
-              <a:gd name="T1" fmla="*/ 3639 h 4045"/>
-              <a:gd name="T2" fmla="*/ 893 w 1926"/>
-              <a:gd name="T3" fmla="*/ 3665 h 4045"/>
-              <a:gd name="T4" fmla="*/ 863 w 1926"/>
-              <a:gd name="T5" fmla="*/ 3712 h 4045"/>
-              <a:gd name="T6" fmla="*/ 851 w 1926"/>
-              <a:gd name="T7" fmla="*/ 3772 h 4045"/>
-              <a:gd name="T8" fmla="*/ 863 w 1926"/>
-              <a:gd name="T9" fmla="*/ 3832 h 4045"/>
-              <a:gd name="T10" fmla="*/ 893 w 1926"/>
-              <a:gd name="T11" fmla="*/ 3878 h 4045"/>
-              <a:gd name="T12" fmla="*/ 937 w 1926"/>
-              <a:gd name="T13" fmla="*/ 3905 h 4045"/>
-              <a:gd name="T14" fmla="*/ 988 w 1926"/>
-              <a:gd name="T15" fmla="*/ 3905 h 4045"/>
-              <a:gd name="T16" fmla="*/ 1033 w 1926"/>
-              <a:gd name="T17" fmla="*/ 3878 h 4045"/>
-              <a:gd name="T18" fmla="*/ 1064 w 1926"/>
-              <a:gd name="T19" fmla="*/ 3832 h 4045"/>
-              <a:gd name="T20" fmla="*/ 1075 w 1926"/>
-              <a:gd name="T21" fmla="*/ 3772 h 4045"/>
-              <a:gd name="T22" fmla="*/ 1064 w 1926"/>
-              <a:gd name="T23" fmla="*/ 3712 h 4045"/>
-              <a:gd name="T24" fmla="*/ 1033 w 1926"/>
-              <a:gd name="T25" fmla="*/ 3665 h 4045"/>
-              <a:gd name="T26" fmla="*/ 988 w 1926"/>
-              <a:gd name="T27" fmla="*/ 3639 h 4045"/>
-              <a:gd name="T28" fmla="*/ 156 w 1926"/>
-              <a:gd name="T29" fmla="*/ 434 h 4045"/>
-              <a:gd name="T30" fmla="*/ 1770 w 1926"/>
-              <a:gd name="T31" fmla="*/ 3540 h 4045"/>
-              <a:gd name="T32" fmla="*/ 156 w 1926"/>
-              <a:gd name="T33" fmla="*/ 434 h 4045"/>
-              <a:gd name="T34" fmla="*/ 716 w 1926"/>
-              <a:gd name="T35" fmla="*/ 200 h 4045"/>
-              <a:gd name="T36" fmla="*/ 701 w 1926"/>
-              <a:gd name="T37" fmla="*/ 217 h 4045"/>
-              <a:gd name="T38" fmla="*/ 701 w 1926"/>
-              <a:gd name="T39" fmla="*/ 243 h 4045"/>
-              <a:gd name="T40" fmla="*/ 716 w 1926"/>
-              <a:gd name="T41" fmla="*/ 260 h 4045"/>
-              <a:gd name="T42" fmla="*/ 1199 w 1926"/>
-              <a:gd name="T43" fmla="*/ 262 h 4045"/>
-              <a:gd name="T44" fmla="*/ 1218 w 1926"/>
-              <a:gd name="T45" fmla="*/ 254 h 4045"/>
-              <a:gd name="T46" fmla="*/ 1226 w 1926"/>
-              <a:gd name="T47" fmla="*/ 230 h 4045"/>
-              <a:gd name="T48" fmla="*/ 1218 w 1926"/>
-              <a:gd name="T49" fmla="*/ 207 h 4045"/>
-              <a:gd name="T50" fmla="*/ 1199 w 1926"/>
-              <a:gd name="T51" fmla="*/ 197 h 4045"/>
-              <a:gd name="T52" fmla="*/ 224 w 1926"/>
-              <a:gd name="T53" fmla="*/ 0 h 4045"/>
-              <a:gd name="T54" fmla="*/ 1738 w 1926"/>
-              <a:gd name="T55" fmla="*/ 4 h 4045"/>
-              <a:gd name="T56" fmla="*/ 1805 w 1926"/>
-              <a:gd name="T57" fmla="*/ 31 h 4045"/>
-              <a:gd name="T58" fmla="*/ 1860 w 1926"/>
-              <a:gd name="T59" fmla="*/ 81 h 4045"/>
-              <a:gd name="T60" fmla="*/ 1900 w 1926"/>
-              <a:gd name="T61" fmla="*/ 148 h 4045"/>
-              <a:gd name="T62" fmla="*/ 1923 w 1926"/>
-              <a:gd name="T63" fmla="*/ 229 h 4045"/>
-              <a:gd name="T64" fmla="*/ 1926 w 1926"/>
-              <a:gd name="T65" fmla="*/ 3772 h 4045"/>
-              <a:gd name="T66" fmla="*/ 1915 w 1926"/>
-              <a:gd name="T67" fmla="*/ 3857 h 4045"/>
-              <a:gd name="T68" fmla="*/ 1882 w 1926"/>
-              <a:gd name="T69" fmla="*/ 3932 h 4045"/>
-              <a:gd name="T70" fmla="*/ 1834 w 1926"/>
-              <a:gd name="T71" fmla="*/ 3992 h 4045"/>
-              <a:gd name="T72" fmla="*/ 1773 w 1926"/>
-              <a:gd name="T73" fmla="*/ 4032 h 4045"/>
-              <a:gd name="T74" fmla="*/ 1702 w 1926"/>
-              <a:gd name="T75" fmla="*/ 4045 h 4045"/>
-              <a:gd name="T76" fmla="*/ 188 w 1926"/>
-              <a:gd name="T77" fmla="*/ 4041 h 4045"/>
-              <a:gd name="T78" fmla="*/ 122 w 1926"/>
-              <a:gd name="T79" fmla="*/ 4014 h 4045"/>
-              <a:gd name="T80" fmla="*/ 66 w 1926"/>
-              <a:gd name="T81" fmla="*/ 3964 h 4045"/>
-              <a:gd name="T82" fmla="*/ 25 w 1926"/>
-              <a:gd name="T83" fmla="*/ 3897 h 4045"/>
-              <a:gd name="T84" fmla="*/ 3 w 1926"/>
-              <a:gd name="T85" fmla="*/ 3816 h 4045"/>
-              <a:gd name="T86" fmla="*/ 0 w 1926"/>
-              <a:gd name="T87" fmla="*/ 273 h 4045"/>
-              <a:gd name="T88" fmla="*/ 12 w 1926"/>
-              <a:gd name="T89" fmla="*/ 188 h 4045"/>
-              <a:gd name="T90" fmla="*/ 43 w 1926"/>
-              <a:gd name="T91" fmla="*/ 113 h 4045"/>
-              <a:gd name="T92" fmla="*/ 92 w 1926"/>
-              <a:gd name="T93" fmla="*/ 53 h 4045"/>
-              <a:gd name="T94" fmla="*/ 154 w 1926"/>
-              <a:gd name="T95" fmla="*/ 13 h 4045"/>
-              <a:gd name="T96" fmla="*/ 224 w 1926"/>
-              <a:gd name="T97" fmla="*/ 0 h 4045"/>
-            </a:gdLst>
-            <a:ahLst/>
-            <a:cxnLst>
-              <a:cxn ang="0">
-                <a:pos x="T0" y="T1"/>
-              </a:cxn>
-              <a:cxn ang="0">
-                <a:pos x="T2" y="T3"/>
-              </a:cxn>
-              <a:cxn ang="0">
-                <a:pos x="T4" y="T5"/>
-              </a:cxn>
-              <a:cxn ang="0">
-                <a:pos x="T6" y="T7"/>
-              </a:cxn>
-              <a:cxn ang="0">
-                <a:pos x="T8" y="T9"/>
-              </a:cxn>
-              <a:cxn ang="0">
-                <a:pos x="T10" y="T11"/>
-              </a:cxn>
-              <a:cxn ang="0">
-                <a:pos x="T12" y="T13"/>
-              </a:cxn>
-              <a:cxn ang="0">
-                <a:pos x="T14" y="T15"/>
-              </a:cxn>
-              <a:cxn ang="0">
-                <a:pos x="T16" y="T17"/>
-              </a:cxn>
-              <a:cxn ang="0">
-                <a:pos x="T18" y="T19"/>
-              </a:cxn>
-              <a:cxn ang="0">
-                <a:pos x="T20" y="T21"/>
-              </a:cxn>
-              <a:cxn ang="0">
-                <a:pos x="T22" y="T23"/>
-              </a:cxn>
-              <a:cxn ang="0">
-                <a:pos x="T24" y="T25"/>
-              </a:cxn>
-              <a:cxn ang="0">
-                <a:pos x="T26" y="T27"/>
-              </a:cxn>
-              <a:cxn ang="0">
-                <a:pos x="T28" y="T29"/>
-              </a:cxn>
-              <a:cxn ang="0">
-                <a:pos x="T30" y="T31"/>
-              </a:cxn>
-              <a:cxn ang="0">
-                <a:pos x="T32" y="T33"/>
-              </a:cxn>
-              <a:cxn ang="0">
-                <a:pos x="T34" y="T35"/>
-              </a:cxn>
-              <a:cxn ang="0">
-                <a:pos x="T36" y="T37"/>
-              </a:cxn>
-              <a:cxn ang="0">
-                <a:pos x="T38" y="T39"/>
-              </a:cxn>
-              <a:cxn ang="0">
-                <a:pos x="T40" y="T41"/>
-              </a:cxn>
-              <a:cxn ang="0">
-                <a:pos x="T42" y="T43"/>
-              </a:cxn>
-              <a:cxn ang="0">
-                <a:pos x="T44" y="T45"/>
-              </a:cxn>
-              <a:cxn ang="0">
-                <a:pos x="T46" y="T47"/>
-              </a:cxn>
-              <a:cxn ang="0">
-                <a:pos x="T48" y="T49"/>
-              </a:cxn>
-              <a:cxn ang="0">
-                <a:pos x="T50" y="T51"/>
-              </a:cxn>
-              <a:cxn ang="0">
-                <a:pos x="T52" y="T53"/>
-              </a:cxn>
-              <a:cxn ang="0">
-                <a:pos x="T54" y="T55"/>
-              </a:cxn>
-              <a:cxn ang="0">
-                <a:pos x="T56" y="T57"/>
-              </a:cxn>
-              <a:cxn ang="0">
-                <a:pos x="T58" y="T59"/>
-              </a:cxn>
-              <a:cxn ang="0">
-                <a:pos x="T60" y="T61"/>
-              </a:cxn>
-              <a:cxn ang="0">
-                <a:pos x="T62" y="T63"/>
-              </a:cxn>
-              <a:cxn ang="0">
-                <a:pos x="T64" y="T65"/>
-              </a:cxn>
-              <a:cxn ang="0">
-                <a:pos x="T66" y="T67"/>
-              </a:cxn>
-              <a:cxn ang="0">
-                <a:pos x="T68" y="T69"/>
-              </a:cxn>
-              <a:cxn ang="0">
-                <a:pos x="T70" y="T71"/>
-              </a:cxn>
-              <a:cxn ang="0">
-                <a:pos x="T72" y="T73"/>
-              </a:cxn>
-              <a:cxn ang="0">
-                <a:pos x="T74" y="T75"/>
-              </a:cxn>
-              <a:cxn ang="0">
-                <a:pos x="T76" y="T77"/>
-              </a:cxn>
-              <a:cxn ang="0">
-                <a:pos x="T78" y="T79"/>
-              </a:cxn>
-              <a:cxn ang="0">
-                <a:pos x="T80" y="T81"/>
-              </a:cxn>
-              <a:cxn ang="0">
-                <a:pos x="T82" y="T83"/>
-              </a:cxn>
-              <a:cxn ang="0">
-                <a:pos x="T84" y="T85"/>
-              </a:cxn>
-              <a:cxn ang="0">
-                <a:pos x="T86" y="T87"/>
-              </a:cxn>
-              <a:cxn ang="0">
-                <a:pos x="T88" y="T89"/>
-              </a:cxn>
-              <a:cxn ang="0">
-                <a:pos x="T90" y="T91"/>
-              </a:cxn>
-              <a:cxn ang="0">
-                <a:pos x="T92" y="T93"/>
-              </a:cxn>
-              <a:cxn ang="0">
-                <a:pos x="T94" y="T95"/>
-              </a:cxn>
-              <a:cxn ang="0">
-                <a:pos x="T96" y="T97"/>
-              </a:cxn>
-            </a:cxnLst>
-            <a:rect l="0" t="0" r="r" b="b"/>
-            <a:pathLst>
-              <a:path w="1926" h="4045">
-                <a:moveTo>
-                  <a:pt x="963" y="3636"/>
-                </a:moveTo>
-                <a:lnTo>
-                  <a:pt x="937" y="3639"/>
-                </a:lnTo>
-                <a:lnTo>
-                  <a:pt x="914" y="3649"/>
-                </a:lnTo>
-                <a:lnTo>
-                  <a:pt x="893" y="3665"/>
-                </a:lnTo>
-                <a:lnTo>
-                  <a:pt x="876" y="3686"/>
-                </a:lnTo>
-                <a:lnTo>
-                  <a:pt x="863" y="3712"/>
-                </a:lnTo>
-                <a:lnTo>
-                  <a:pt x="854" y="3741"/>
-                </a:lnTo>
-                <a:lnTo>
-                  <a:pt x="851" y="3772"/>
-                </a:lnTo>
-                <a:lnTo>
-                  <a:pt x="854" y="3804"/>
-                </a:lnTo>
-                <a:lnTo>
-                  <a:pt x="863" y="3832"/>
-                </a:lnTo>
-                <a:lnTo>
-                  <a:pt x="876" y="3857"/>
-                </a:lnTo>
-                <a:lnTo>
-                  <a:pt x="893" y="3878"/>
-                </a:lnTo>
-                <a:lnTo>
-                  <a:pt x="914" y="3894"/>
-                </a:lnTo>
-                <a:lnTo>
-                  <a:pt x="937" y="3905"/>
-                </a:lnTo>
-                <a:lnTo>
-                  <a:pt x="963" y="3909"/>
-                </a:lnTo>
-                <a:lnTo>
-                  <a:pt x="988" y="3905"/>
-                </a:lnTo>
-                <a:lnTo>
-                  <a:pt x="1013" y="3894"/>
-                </a:lnTo>
-                <a:lnTo>
-                  <a:pt x="1033" y="3878"/>
-                </a:lnTo>
-                <a:lnTo>
-                  <a:pt x="1051" y="3857"/>
-                </a:lnTo>
-                <a:lnTo>
-                  <a:pt x="1064" y="3832"/>
-                </a:lnTo>
-                <a:lnTo>
-                  <a:pt x="1072" y="3804"/>
-                </a:lnTo>
-                <a:lnTo>
-                  <a:pt x="1075" y="3772"/>
-                </a:lnTo>
-                <a:lnTo>
-                  <a:pt x="1072" y="3741"/>
-                </a:lnTo>
-                <a:lnTo>
-                  <a:pt x="1064" y="3712"/>
-                </a:lnTo>
-                <a:lnTo>
-                  <a:pt x="1051" y="3686"/>
-                </a:lnTo>
-                <a:lnTo>
-                  <a:pt x="1033" y="3665"/>
-                </a:lnTo>
-                <a:lnTo>
-                  <a:pt x="1013" y="3649"/>
-                </a:lnTo>
-                <a:lnTo>
-                  <a:pt x="988" y="3639"/>
-                </a:lnTo>
-                <a:lnTo>
-                  <a:pt x="963" y="3636"/>
-                </a:lnTo>
-                <a:close/>
-                <a:moveTo>
-                  <a:pt x="156" y="434"/>
-                </a:moveTo>
-                <a:lnTo>
-                  <a:pt x="156" y="3540"/>
-                </a:lnTo>
-                <a:lnTo>
-                  <a:pt x="1770" y="3540"/>
-                </a:lnTo>
-                <a:lnTo>
-                  <a:pt x="1770" y="434"/>
-                </a:lnTo>
-                <a:lnTo>
-                  <a:pt x="156" y="434"/>
-                </a:lnTo>
-                <a:close/>
-                <a:moveTo>
-                  <a:pt x="727" y="197"/>
-                </a:moveTo>
-                <a:lnTo>
-                  <a:pt x="716" y="200"/>
-                </a:lnTo>
-                <a:lnTo>
-                  <a:pt x="707" y="207"/>
-                </a:lnTo>
-                <a:lnTo>
-                  <a:pt x="701" y="217"/>
-                </a:lnTo>
-                <a:lnTo>
-                  <a:pt x="699" y="230"/>
-                </a:lnTo>
-                <a:lnTo>
-                  <a:pt x="701" y="243"/>
-                </a:lnTo>
-                <a:lnTo>
-                  <a:pt x="707" y="254"/>
-                </a:lnTo>
-                <a:lnTo>
-                  <a:pt x="716" y="260"/>
-                </a:lnTo>
-                <a:lnTo>
-                  <a:pt x="727" y="262"/>
-                </a:lnTo>
-                <a:lnTo>
-                  <a:pt x="1199" y="262"/>
-                </a:lnTo>
-                <a:lnTo>
-                  <a:pt x="1210" y="260"/>
-                </a:lnTo>
-                <a:lnTo>
-                  <a:pt x="1218" y="254"/>
-                </a:lnTo>
-                <a:lnTo>
-                  <a:pt x="1224" y="243"/>
-                </a:lnTo>
-                <a:lnTo>
-                  <a:pt x="1226" y="230"/>
-                </a:lnTo>
-                <a:lnTo>
-                  <a:pt x="1224" y="217"/>
-                </a:lnTo>
-                <a:lnTo>
-                  <a:pt x="1218" y="207"/>
-                </a:lnTo>
-                <a:lnTo>
-                  <a:pt x="1210" y="200"/>
-                </a:lnTo>
-                <a:lnTo>
-                  <a:pt x="1199" y="197"/>
-                </a:lnTo>
-                <a:lnTo>
-                  <a:pt x="727" y="197"/>
-                </a:lnTo>
-                <a:close/>
-                <a:moveTo>
-                  <a:pt x="224" y="0"/>
-                </a:moveTo>
-                <a:lnTo>
-                  <a:pt x="1702" y="0"/>
-                </a:lnTo>
-                <a:lnTo>
-                  <a:pt x="1738" y="4"/>
-                </a:lnTo>
-                <a:lnTo>
-                  <a:pt x="1773" y="13"/>
-                </a:lnTo>
-                <a:lnTo>
-                  <a:pt x="1805" y="31"/>
-                </a:lnTo>
-                <a:lnTo>
-                  <a:pt x="1834" y="53"/>
-                </a:lnTo>
-                <a:lnTo>
-                  <a:pt x="1860" y="81"/>
-                </a:lnTo>
-                <a:lnTo>
-                  <a:pt x="1882" y="113"/>
-                </a:lnTo>
-                <a:lnTo>
-                  <a:pt x="1900" y="148"/>
-                </a:lnTo>
-                <a:lnTo>
-                  <a:pt x="1915" y="188"/>
-                </a:lnTo>
-                <a:lnTo>
-                  <a:pt x="1923" y="229"/>
-                </a:lnTo>
-                <a:lnTo>
-                  <a:pt x="1926" y="273"/>
-                </a:lnTo>
-                <a:lnTo>
-                  <a:pt x="1926" y="3772"/>
-                </a:lnTo>
-                <a:lnTo>
-                  <a:pt x="1923" y="3816"/>
-                </a:lnTo>
-                <a:lnTo>
-                  <a:pt x="1915" y="3857"/>
-                </a:lnTo>
-                <a:lnTo>
-                  <a:pt x="1900" y="3897"/>
-                </a:lnTo>
-                <a:lnTo>
-                  <a:pt x="1882" y="3932"/>
-                </a:lnTo>
-                <a:lnTo>
-                  <a:pt x="1860" y="3964"/>
-                </a:lnTo>
-                <a:lnTo>
-                  <a:pt x="1834" y="3992"/>
-                </a:lnTo>
-                <a:lnTo>
-                  <a:pt x="1805" y="4014"/>
-                </a:lnTo>
-                <a:lnTo>
-                  <a:pt x="1773" y="4032"/>
-                </a:lnTo>
-                <a:lnTo>
-                  <a:pt x="1738" y="4041"/>
-                </a:lnTo>
-                <a:lnTo>
-                  <a:pt x="1702" y="4045"/>
-                </a:lnTo>
-                <a:lnTo>
-                  <a:pt x="224" y="4045"/>
-                </a:lnTo>
-                <a:lnTo>
-                  <a:pt x="188" y="4041"/>
-                </a:lnTo>
-                <a:lnTo>
-                  <a:pt x="154" y="4032"/>
-                </a:lnTo>
-                <a:lnTo>
-                  <a:pt x="122" y="4014"/>
-                </a:lnTo>
-                <a:lnTo>
-                  <a:pt x="92" y="3992"/>
-                </a:lnTo>
-                <a:lnTo>
-                  <a:pt x="66" y="3964"/>
-                </a:lnTo>
-                <a:lnTo>
-                  <a:pt x="43" y="3932"/>
-                </a:lnTo>
-                <a:lnTo>
-                  <a:pt x="25" y="3897"/>
-                </a:lnTo>
-                <a:lnTo>
-                  <a:pt x="12" y="3857"/>
-                </a:lnTo>
-                <a:lnTo>
-                  <a:pt x="3" y="3816"/>
-                </a:lnTo>
-                <a:lnTo>
-                  <a:pt x="0" y="3772"/>
-                </a:lnTo>
-                <a:lnTo>
-                  <a:pt x="0" y="273"/>
-                </a:lnTo>
-                <a:lnTo>
-                  <a:pt x="3" y="229"/>
-                </a:lnTo>
-                <a:lnTo>
-                  <a:pt x="12" y="188"/>
-                </a:lnTo>
-                <a:lnTo>
-                  <a:pt x="25" y="148"/>
-                </a:lnTo>
-                <a:lnTo>
-                  <a:pt x="43" y="113"/>
-                </a:lnTo>
-                <a:lnTo>
-                  <a:pt x="66" y="81"/>
-                </a:lnTo>
-                <a:lnTo>
-                  <a:pt x="92" y="53"/>
-                </a:lnTo>
-                <a:lnTo>
-                  <a:pt x="122" y="31"/>
-                </a:lnTo>
-                <a:lnTo>
-                  <a:pt x="154" y="13"/>
-                </a:lnTo>
-                <a:lnTo>
-                  <a:pt x="188" y="4"/>
-                </a:lnTo>
-                <a:lnTo>
-                  <a:pt x="224" y="0"/>
-                </a:lnTo>
-                <a:close/>
-              </a:path>
-            </a:pathLst>
-          </a:custGeom>
-          <a:solidFill>
-            <a:schemeClr val="bg1"/>
-          </a:solidFill>
-          <a:ln w="0">
-            <a:noFill/>
-            <a:prstDash val="solid"/>
-            <a:round/>
-            <a:headEnd/>
-            <a:tailEnd/>
-          </a:ln>
-        </p:spPr>
-        <p:txBody>
-          <a:bodyPr vert="horz" wrap="square" lIns="91440" tIns="45720" rIns="91440" bIns="45720" numCol="1" anchor="t" anchorCtr="0" compatLnSpc="1">
-            <a:prstTxWarp prst="textNoShape">
-              <a:avLst/>
-            </a:prstTxWarp>
-          </a:bodyPr>
-          <a:lstStyle/>
-          <a:p>
-            <a:endParaRPr lang="ko-KR" altLang="en-US">
-              <a:solidFill>
-                <a:prstClr val="black"/>
-              </a:solidFill>
-            </a:endParaRPr>
-          </a:p>
-        </p:txBody>
-      </p:sp>
-      <p:sp>
-        <p:nvSpPr>
-          <p:cNvPr id="24" name="자유형 23"/>
-          <p:cNvSpPr>
-            <a:spLocks/>
-          </p:cNvSpPr>
-          <p:nvPr/>
-        </p:nvSpPr>
-        <p:spPr bwMode="auto">
-          <a:xfrm>
-            <a:off x="462778" y="3768685"/>
-            <a:ext cx="170716" cy="149410"/>
-          </a:xfrm>
-          <a:custGeom>
-            <a:avLst/>
-            <a:gdLst>
-              <a:gd name="connsiteX0" fmla="*/ 149021 w 448462"/>
-              <a:gd name="connsiteY0" fmla="*/ 328125 h 392491"/>
-              <a:gd name="connsiteX1" fmla="*/ 210588 w 448462"/>
-              <a:gd name="connsiteY1" fmla="*/ 357224 h 392491"/>
-              <a:gd name="connsiteX2" fmla="*/ 160375 w 448462"/>
-              <a:gd name="connsiteY2" fmla="*/ 391211 h 392491"/>
-              <a:gd name="connsiteX3" fmla="*/ 158502 w 448462"/>
-              <a:gd name="connsiteY3" fmla="*/ 392025 h 392491"/>
-              <a:gd name="connsiteX4" fmla="*/ 156629 w 448462"/>
-              <a:gd name="connsiteY4" fmla="*/ 392491 h 392491"/>
-              <a:gd name="connsiteX5" fmla="*/ 154757 w 448462"/>
-              <a:gd name="connsiteY5" fmla="*/ 392375 h 392491"/>
-              <a:gd name="connsiteX6" fmla="*/ 153001 w 448462"/>
-              <a:gd name="connsiteY6" fmla="*/ 391676 h 392491"/>
-              <a:gd name="connsiteX7" fmla="*/ 151362 w 448462"/>
-              <a:gd name="connsiteY7" fmla="*/ 390396 h 392491"/>
-              <a:gd name="connsiteX8" fmla="*/ 150075 w 448462"/>
-              <a:gd name="connsiteY8" fmla="*/ 388883 h 392491"/>
-              <a:gd name="connsiteX9" fmla="*/ 149255 w 448462"/>
-              <a:gd name="connsiteY9" fmla="*/ 387137 h 392491"/>
-              <a:gd name="connsiteX10" fmla="*/ 149021 w 448462"/>
-              <a:gd name="connsiteY10" fmla="*/ 385158 h 392491"/>
-              <a:gd name="connsiteX11" fmla="*/ 441235 w 448462"/>
-              <a:gd name="connsiteY11" fmla="*/ 0 h 392491"/>
-              <a:gd name="connsiteX12" fmla="*/ 442983 w 448462"/>
-              <a:gd name="connsiteY12" fmla="*/ 233 h 392491"/>
-              <a:gd name="connsiteX13" fmla="*/ 444615 w 448462"/>
-              <a:gd name="connsiteY13" fmla="*/ 816 h 392491"/>
-              <a:gd name="connsiteX14" fmla="*/ 446131 w 448462"/>
-              <a:gd name="connsiteY14" fmla="*/ 1866 h 392491"/>
-              <a:gd name="connsiteX15" fmla="*/ 447530 w 448462"/>
-              <a:gd name="connsiteY15" fmla="*/ 3615 h 392491"/>
-              <a:gd name="connsiteX16" fmla="*/ 448346 w 448462"/>
-              <a:gd name="connsiteY16" fmla="*/ 5714 h 392491"/>
-              <a:gd name="connsiteX17" fmla="*/ 448462 w 448462"/>
-              <a:gd name="connsiteY17" fmla="*/ 7696 h 392491"/>
-              <a:gd name="connsiteX18" fmla="*/ 447879 w 448462"/>
-              <a:gd name="connsiteY18" fmla="*/ 9911 h 392491"/>
-              <a:gd name="connsiteX19" fmla="*/ 307990 w 448462"/>
-              <a:gd name="connsiteY19" fmla="*/ 362641 h 392491"/>
-              <a:gd name="connsiteX20" fmla="*/ 306708 w 448462"/>
-              <a:gd name="connsiteY20" fmla="*/ 364973 h 392491"/>
-              <a:gd name="connsiteX21" fmla="*/ 305076 w 448462"/>
-              <a:gd name="connsiteY21" fmla="*/ 366955 h 392491"/>
-              <a:gd name="connsiteX22" fmla="*/ 303094 w 448462"/>
-              <a:gd name="connsiteY22" fmla="*/ 368588 h 392491"/>
-              <a:gd name="connsiteX23" fmla="*/ 300646 w 448462"/>
-              <a:gd name="connsiteY23" fmla="*/ 369870 h 392491"/>
-              <a:gd name="connsiteX24" fmla="*/ 298314 w 448462"/>
-              <a:gd name="connsiteY24" fmla="*/ 370570 h 392491"/>
-              <a:gd name="connsiteX25" fmla="*/ 295983 w 448462"/>
-              <a:gd name="connsiteY25" fmla="*/ 370803 h 392491"/>
-              <a:gd name="connsiteX26" fmla="*/ 293068 w 448462"/>
-              <a:gd name="connsiteY26" fmla="*/ 370453 h 392491"/>
-              <a:gd name="connsiteX27" fmla="*/ 290387 w 448462"/>
-              <a:gd name="connsiteY27" fmla="*/ 369404 h 392491"/>
-              <a:gd name="connsiteX28" fmla="*/ 148982 w 448462"/>
-              <a:gd name="connsiteY28" fmla="*/ 302123 h 392491"/>
-              <a:gd name="connsiteX29" fmla="*/ 347858 w 448462"/>
-              <a:gd name="connsiteY29" fmla="*/ 102379 h 392491"/>
-              <a:gd name="connsiteX30" fmla="*/ 120771 w 448462"/>
-              <a:gd name="connsiteY30" fmla="*/ 288830 h 392491"/>
-              <a:gd name="connsiteX31" fmla="*/ 7344 w 448462"/>
-              <a:gd name="connsiteY31" fmla="*/ 234842 h 392491"/>
-              <a:gd name="connsiteX32" fmla="*/ 4896 w 448462"/>
-              <a:gd name="connsiteY32" fmla="*/ 233209 h 392491"/>
-              <a:gd name="connsiteX33" fmla="*/ 2798 w 448462"/>
-              <a:gd name="connsiteY33" fmla="*/ 231227 h 392491"/>
-              <a:gd name="connsiteX34" fmla="*/ 1282 w 448462"/>
-              <a:gd name="connsiteY34" fmla="*/ 228895 h 392491"/>
-              <a:gd name="connsiteX35" fmla="*/ 349 w 448462"/>
-              <a:gd name="connsiteY35" fmla="*/ 226213 h 392491"/>
-              <a:gd name="connsiteX36" fmla="*/ 0 w 448462"/>
-              <a:gd name="connsiteY36" fmla="*/ 223298 h 392491"/>
-              <a:gd name="connsiteX37" fmla="*/ 233 w 448462"/>
-              <a:gd name="connsiteY37" fmla="*/ 220499 h 392491"/>
-              <a:gd name="connsiteX38" fmla="*/ 1165 w 448462"/>
-              <a:gd name="connsiteY38" fmla="*/ 217701 h 392491"/>
-              <a:gd name="connsiteX39" fmla="*/ 2681 w 448462"/>
-              <a:gd name="connsiteY39" fmla="*/ 215252 h 392491"/>
-              <a:gd name="connsiteX40" fmla="*/ 4779 w 448462"/>
-              <a:gd name="connsiteY40" fmla="*/ 213270 h 392491"/>
-              <a:gd name="connsiteX41" fmla="*/ 7227 w 448462"/>
-              <a:gd name="connsiteY41" fmla="*/ 211754 h 392491"/>
-              <a:gd name="connsiteX42" fmla="*/ 437971 w 448462"/>
-              <a:gd name="connsiteY42" fmla="*/ 583 h 392491"/>
-              <a:gd name="connsiteX43" fmla="*/ 439603 w 448462"/>
-              <a:gd name="connsiteY43" fmla="*/ 117 h 392491"/>
-            </a:gdLst>
-            <a:ahLst/>
-            <a:cxnLst>
-              <a:cxn ang="0">
-                <a:pos x="connsiteX0" y="connsiteY0"/>
-              </a:cxn>
-              <a:cxn ang="0">
-                <a:pos x="connsiteX1" y="connsiteY1"/>
-              </a:cxn>
-              <a:cxn ang="0">
-                <a:pos x="connsiteX2" y="connsiteY2"/>
-              </a:cxn>
-              <a:cxn ang="0">
-                <a:pos x="connsiteX3" y="connsiteY3"/>
-              </a:cxn>
-              <a:cxn ang="0">
-                <a:pos x="connsiteX4" y="connsiteY4"/>
-              </a:cxn>
-              <a:cxn ang="0">
-                <a:pos x="connsiteX5" y="connsiteY5"/>
-              </a:cxn>
-              <a:cxn ang="0">
-                <a:pos x="connsiteX6" y="connsiteY6"/>
-              </a:cxn>
-              <a:cxn ang="0">
-                <a:pos x="connsiteX7" y="connsiteY7"/>
-              </a:cxn>
-              <a:cxn ang="0">
-                <a:pos x="connsiteX8" y="connsiteY8"/>
-              </a:cxn>
-              <a:cxn ang="0">
-                <a:pos x="connsiteX9" y="connsiteY9"/>
-              </a:cxn>
-              <a:cxn ang="0">
-                <a:pos x="connsiteX10" y="connsiteY10"/>
-              </a:cxn>
-              <a:cxn ang="0">
-                <a:pos x="connsiteX11" y="connsiteY11"/>
-              </a:cxn>
-              <a:cxn ang="0">
-                <a:pos x="connsiteX12" y="connsiteY12"/>
-              </a:cxn>
-              <a:cxn ang="0">
-                <a:pos x="connsiteX13" y="connsiteY13"/>
-              </a:cxn>
-              <a:cxn ang="0">
-                <a:pos x="connsiteX14" y="connsiteY14"/>
-              </a:cxn>
-              <a:cxn ang="0">
-                <a:pos x="connsiteX15" y="connsiteY15"/>
-              </a:cxn>
-              <a:cxn ang="0">
-                <a:pos x="connsiteX16" y="connsiteY16"/>
-              </a:cxn>
-              <a:cxn ang="0">
-                <a:pos x="connsiteX17" y="connsiteY17"/>
-              </a:cxn>
-              <a:cxn ang="0">
-                <a:pos x="connsiteX18" y="connsiteY18"/>
-              </a:cxn>
-              <a:cxn ang="0">
-                <a:pos x="connsiteX19" y="connsiteY19"/>
-              </a:cxn>
-              <a:cxn ang="0">
-                <a:pos x="connsiteX20" y="connsiteY20"/>
-              </a:cxn>
-              <a:cxn ang="0">
-                <a:pos x="connsiteX21" y="connsiteY21"/>
-              </a:cxn>
-              <a:cxn ang="0">
-                <a:pos x="connsiteX22" y="connsiteY22"/>
-              </a:cxn>
-              <a:cxn ang="0">
-                <a:pos x="connsiteX23" y="connsiteY23"/>
-              </a:cxn>
-              <a:cxn ang="0">
-                <a:pos x="connsiteX24" y="connsiteY24"/>
-              </a:cxn>
-              <a:cxn ang="0">
-                <a:pos x="connsiteX25" y="connsiteY25"/>
-              </a:cxn>
-              <a:cxn ang="0">
-                <a:pos x="connsiteX26" y="connsiteY26"/>
-              </a:cxn>
-              <a:cxn ang="0">
-                <a:pos x="connsiteX27" y="connsiteY27"/>
-              </a:cxn>
-              <a:cxn ang="0">
-                <a:pos x="connsiteX28" y="connsiteY28"/>
-              </a:cxn>
-              <a:cxn ang="0">
-                <a:pos x="connsiteX29" y="connsiteY29"/>
-              </a:cxn>
-              <a:cxn ang="0">
-                <a:pos x="connsiteX30" y="connsiteY30"/>
-              </a:cxn>
-              <a:cxn ang="0">
-                <a:pos x="connsiteX31" y="connsiteY31"/>
-              </a:cxn>
-              <a:cxn ang="0">
-                <a:pos x="connsiteX32" y="connsiteY32"/>
-              </a:cxn>
-              <a:cxn ang="0">
-                <a:pos x="connsiteX33" y="connsiteY33"/>
-              </a:cxn>
-              <a:cxn ang="0">
-                <a:pos x="connsiteX34" y="connsiteY34"/>
-              </a:cxn>
-              <a:cxn ang="0">
-                <a:pos x="connsiteX35" y="connsiteY35"/>
-              </a:cxn>
-              <a:cxn ang="0">
-                <a:pos x="connsiteX36" y="connsiteY36"/>
-              </a:cxn>
-              <a:cxn ang="0">
-                <a:pos x="connsiteX37" y="connsiteY37"/>
-              </a:cxn>
-              <a:cxn ang="0">
-                <a:pos x="connsiteX38" y="connsiteY38"/>
-              </a:cxn>
-              <a:cxn ang="0">
-                <a:pos x="connsiteX39" y="connsiteY39"/>
-              </a:cxn>
-              <a:cxn ang="0">
-                <a:pos x="connsiteX40" y="connsiteY40"/>
-              </a:cxn>
-              <a:cxn ang="0">
-                <a:pos x="connsiteX41" y="connsiteY41"/>
-              </a:cxn>
-              <a:cxn ang="0">
-                <a:pos x="connsiteX42" y="connsiteY42"/>
-              </a:cxn>
-              <a:cxn ang="0">
-                <a:pos x="connsiteX43" y="connsiteY43"/>
-              </a:cxn>
-            </a:cxnLst>
-            <a:rect l="l" t="t" r="r" b="b"/>
-            <a:pathLst>
-              <a:path w="448462" h="392491">
-                <a:moveTo>
-                  <a:pt x="149021" y="328125"/>
-                </a:moveTo>
-                <a:lnTo>
-                  <a:pt x="210588" y="357224"/>
-                </a:lnTo>
-                <a:lnTo>
-                  <a:pt x="160375" y="391211"/>
-                </a:lnTo>
-                <a:lnTo>
-                  <a:pt x="158502" y="392025"/>
-                </a:lnTo>
-                <a:lnTo>
-                  <a:pt x="156629" y="392491"/>
-                </a:lnTo>
-                <a:lnTo>
-                  <a:pt x="154757" y="392375"/>
-                </a:lnTo>
-                <a:lnTo>
-                  <a:pt x="153001" y="391676"/>
-                </a:lnTo>
-                <a:lnTo>
-                  <a:pt x="151362" y="390396"/>
-                </a:lnTo>
-                <a:lnTo>
-                  <a:pt x="150075" y="388883"/>
-                </a:lnTo>
-                <a:lnTo>
-                  <a:pt x="149255" y="387137"/>
-                </a:lnTo>
-                <a:lnTo>
-                  <a:pt x="149021" y="385158"/>
-                </a:lnTo>
-                <a:close/>
-                <a:moveTo>
-                  <a:pt x="441235" y="0"/>
-                </a:moveTo>
-                <a:lnTo>
-                  <a:pt x="442983" y="233"/>
-                </a:lnTo>
-                <a:lnTo>
-                  <a:pt x="444615" y="816"/>
-                </a:lnTo>
-                <a:lnTo>
-                  <a:pt x="446131" y="1866"/>
-                </a:lnTo>
-                <a:lnTo>
-                  <a:pt x="447530" y="3615"/>
-                </a:lnTo>
-                <a:lnTo>
-                  <a:pt x="448346" y="5714"/>
-                </a:lnTo>
-                <a:lnTo>
-                  <a:pt x="448462" y="7696"/>
-                </a:lnTo>
-                <a:lnTo>
-                  <a:pt x="447879" y="9911"/>
-                </a:lnTo>
-                <a:lnTo>
-                  <a:pt x="307990" y="362641"/>
-                </a:lnTo>
-                <a:lnTo>
-                  <a:pt x="306708" y="364973"/>
-                </a:lnTo>
-                <a:lnTo>
-                  <a:pt x="305076" y="366955"/>
-                </a:lnTo>
-                <a:lnTo>
-                  <a:pt x="303094" y="368588"/>
-                </a:lnTo>
-                <a:lnTo>
-                  <a:pt x="300646" y="369870"/>
-                </a:lnTo>
-                <a:lnTo>
-                  <a:pt x="298314" y="370570"/>
-                </a:lnTo>
-                <a:lnTo>
-                  <a:pt x="295983" y="370803"/>
-                </a:lnTo>
-                <a:lnTo>
-                  <a:pt x="293068" y="370453"/>
-                </a:lnTo>
-                <a:lnTo>
-                  <a:pt x="290387" y="369404"/>
-                </a:lnTo>
-                <a:lnTo>
-                  <a:pt x="148982" y="302123"/>
-                </a:lnTo>
-                <a:lnTo>
-                  <a:pt x="347858" y="102379"/>
-                </a:lnTo>
-                <a:lnTo>
-                  <a:pt x="120771" y="288830"/>
-                </a:lnTo>
-                <a:lnTo>
-                  <a:pt x="7344" y="234842"/>
-                </a:lnTo>
-                <a:lnTo>
-                  <a:pt x="4896" y="233209"/>
-                </a:lnTo>
-                <a:lnTo>
-                  <a:pt x="2798" y="231227"/>
-                </a:lnTo>
-                <a:lnTo>
-                  <a:pt x="1282" y="228895"/>
-                </a:lnTo>
-                <a:lnTo>
-                  <a:pt x="349" y="226213"/>
-                </a:lnTo>
-                <a:lnTo>
-                  <a:pt x="0" y="223298"/>
-                </a:lnTo>
-                <a:lnTo>
-                  <a:pt x="233" y="220499"/>
-                </a:lnTo>
-                <a:lnTo>
-                  <a:pt x="1165" y="217701"/>
-                </a:lnTo>
-                <a:lnTo>
-                  <a:pt x="2681" y="215252"/>
-                </a:lnTo>
-                <a:lnTo>
-                  <a:pt x="4779" y="213270"/>
-                </a:lnTo>
-                <a:lnTo>
-                  <a:pt x="7227" y="211754"/>
-                </a:lnTo>
-                <a:lnTo>
-                  <a:pt x="437971" y="583"/>
-                </a:lnTo>
-                <a:lnTo>
-                  <a:pt x="439603" y="117"/>
-                </a:lnTo>
-                <a:close/>
-              </a:path>
-            </a:pathLst>
-          </a:custGeom>
-          <a:solidFill>
-            <a:schemeClr val="bg1"/>
-          </a:solidFill>
-          <a:ln w="0">
-            <a:noFill/>
-            <a:prstDash val="solid"/>
-            <a:round/>
-            <a:headEnd/>
-            <a:tailEnd/>
-          </a:ln>
-        </p:spPr>
-        <p:txBody>
-          <a:bodyPr vert="horz" wrap="square" lIns="91440" tIns="45720" rIns="91440" bIns="45720" numCol="1" anchor="t" anchorCtr="0" compatLnSpc="1">
-            <a:prstTxWarp prst="textNoShape">
-              <a:avLst/>
-            </a:prstTxWarp>
-            <a:noAutofit/>
-          </a:bodyPr>
-          <a:lstStyle/>
-          <a:p>
-            <a:endParaRPr lang="ko-KR" altLang="en-US">
-              <a:solidFill>
-                <a:prstClr val="black"/>
-              </a:solidFill>
-            </a:endParaRPr>
-          </a:p>
-        </p:txBody>
-      </p:sp>
-      <p:sp>
-        <p:nvSpPr>
-          <p:cNvPr id="25" name="Freeform 6"/>
-          <p:cNvSpPr>
-            <a:spLocks/>
-          </p:cNvSpPr>
-          <p:nvPr/>
-        </p:nvSpPr>
-        <p:spPr bwMode="auto">
-          <a:xfrm rot="10800000" flipH="1" flipV="1">
-            <a:off x="461886" y="3136838"/>
-            <a:ext cx="172500" cy="152938"/>
-          </a:xfrm>
-          <a:custGeom>
-            <a:avLst/>
-            <a:gdLst>
-              <a:gd name="T0" fmla="*/ 2689 w 3491"/>
-              <a:gd name="T1" fmla="*/ 15 h 3097"/>
-              <a:gd name="T2" fmla="*/ 2963 w 3491"/>
-              <a:gd name="T3" fmla="*/ 108 h 3097"/>
-              <a:gd name="T4" fmla="*/ 3204 w 3491"/>
-              <a:gd name="T5" fmla="*/ 281 h 3097"/>
-              <a:gd name="T6" fmla="*/ 3382 w 3491"/>
-              <a:gd name="T7" fmla="*/ 518 h 3097"/>
-              <a:gd name="T8" fmla="*/ 3475 w 3491"/>
-              <a:gd name="T9" fmla="*/ 786 h 3097"/>
-              <a:gd name="T10" fmla="*/ 3486 w 3491"/>
-              <a:gd name="T11" fmla="*/ 1066 h 3097"/>
-              <a:gd name="T12" fmla="*/ 3413 w 3491"/>
-              <a:gd name="T13" fmla="*/ 1339 h 3097"/>
-              <a:gd name="T14" fmla="*/ 3256 w 3491"/>
-              <a:gd name="T15" fmla="*/ 1586 h 3097"/>
-              <a:gd name="T16" fmla="*/ 1965 w 3491"/>
-              <a:gd name="T17" fmla="*/ 2838 h 3097"/>
-              <a:gd name="T18" fmla="*/ 1873 w 3491"/>
-              <a:gd name="T19" fmla="*/ 2828 h 3097"/>
-              <a:gd name="T20" fmla="*/ 1821 w 3491"/>
-              <a:gd name="T21" fmla="*/ 2749 h 3097"/>
-              <a:gd name="T22" fmla="*/ 1853 w 3491"/>
-              <a:gd name="T23" fmla="*/ 2662 h 3097"/>
-              <a:gd name="T24" fmla="*/ 3153 w 3491"/>
-              <a:gd name="T25" fmla="*/ 1355 h 3097"/>
-              <a:gd name="T26" fmla="*/ 3242 w 3491"/>
-              <a:gd name="T27" fmla="*/ 1126 h 3097"/>
-              <a:gd name="T28" fmla="*/ 3253 w 3491"/>
-              <a:gd name="T29" fmla="*/ 885 h 3097"/>
-              <a:gd name="T30" fmla="*/ 3183 w 3491"/>
-              <a:gd name="T31" fmla="*/ 653 h 3097"/>
-              <a:gd name="T32" fmla="*/ 3035 w 3491"/>
-              <a:gd name="T33" fmla="*/ 448 h 3097"/>
-              <a:gd name="T34" fmla="*/ 2825 w 3491"/>
-              <a:gd name="T35" fmla="*/ 301 h 3097"/>
-              <a:gd name="T36" fmla="*/ 2586 w 3491"/>
-              <a:gd name="T37" fmla="*/ 234 h 3097"/>
-              <a:gd name="T38" fmla="*/ 2340 w 3491"/>
-              <a:gd name="T39" fmla="*/ 243 h 3097"/>
-              <a:gd name="T40" fmla="*/ 2108 w 3491"/>
-              <a:gd name="T41" fmla="*/ 331 h 3097"/>
-              <a:gd name="T42" fmla="*/ 378 w 3491"/>
-              <a:gd name="T43" fmla="*/ 1972 h 3097"/>
-              <a:gd name="T44" fmla="*/ 258 w 3491"/>
-              <a:gd name="T45" fmla="*/ 2149 h 3097"/>
-              <a:gd name="T46" fmla="*/ 218 w 3491"/>
-              <a:gd name="T47" fmla="*/ 2350 h 3097"/>
-              <a:gd name="T48" fmla="*/ 258 w 3491"/>
-              <a:gd name="T49" fmla="*/ 2551 h 3097"/>
-              <a:gd name="T50" fmla="*/ 378 w 3491"/>
-              <a:gd name="T51" fmla="*/ 2728 h 3097"/>
-              <a:gd name="T52" fmla="*/ 558 w 3491"/>
-              <a:gd name="T53" fmla="*/ 2846 h 3097"/>
-              <a:gd name="T54" fmla="*/ 763 w 3491"/>
-              <a:gd name="T55" fmla="*/ 2885 h 3097"/>
-              <a:gd name="T56" fmla="*/ 968 w 3491"/>
-              <a:gd name="T57" fmla="*/ 2846 h 3097"/>
-              <a:gd name="T58" fmla="*/ 1149 w 3491"/>
-              <a:gd name="T59" fmla="*/ 2728 h 3097"/>
-              <a:gd name="T60" fmla="*/ 2809 w 3491"/>
-              <a:gd name="T61" fmla="*/ 1091 h 3097"/>
-              <a:gd name="T62" fmla="*/ 2837 w 3491"/>
-              <a:gd name="T63" fmla="*/ 942 h 3097"/>
-              <a:gd name="T64" fmla="*/ 2791 w 3491"/>
-              <a:gd name="T65" fmla="*/ 797 h 3097"/>
-              <a:gd name="T66" fmla="*/ 2677 w 3491"/>
-              <a:gd name="T67" fmla="*/ 685 h 3097"/>
-              <a:gd name="T68" fmla="*/ 2528 w 3491"/>
-              <a:gd name="T69" fmla="*/ 641 h 3097"/>
-              <a:gd name="T70" fmla="*/ 2377 w 3491"/>
-              <a:gd name="T71" fmla="*/ 668 h 3097"/>
-              <a:gd name="T72" fmla="*/ 1082 w 3491"/>
-              <a:gd name="T73" fmla="*/ 1906 h 3097"/>
-              <a:gd name="T74" fmla="*/ 992 w 3491"/>
-              <a:gd name="T75" fmla="*/ 1937 h 3097"/>
-              <a:gd name="T76" fmla="*/ 911 w 3491"/>
-              <a:gd name="T77" fmla="*/ 1887 h 3097"/>
-              <a:gd name="T78" fmla="*/ 900 w 3491"/>
-              <a:gd name="T79" fmla="*/ 1796 h 3097"/>
-              <a:gd name="T80" fmla="*/ 2165 w 3491"/>
-              <a:gd name="T81" fmla="*/ 546 h 3097"/>
-              <a:gd name="T82" fmla="*/ 2354 w 3491"/>
-              <a:gd name="T83" fmla="*/ 449 h 3097"/>
-              <a:gd name="T84" fmla="*/ 2562 w 3491"/>
-              <a:gd name="T85" fmla="*/ 429 h 3097"/>
-              <a:gd name="T86" fmla="*/ 2763 w 3491"/>
-              <a:gd name="T87" fmla="*/ 488 h 3097"/>
-              <a:gd name="T88" fmla="*/ 2932 w 3491"/>
-              <a:gd name="T89" fmla="*/ 623 h 3097"/>
-              <a:gd name="T90" fmla="*/ 3032 w 3491"/>
-              <a:gd name="T91" fmla="*/ 809 h 3097"/>
-              <a:gd name="T92" fmla="*/ 3053 w 3491"/>
-              <a:gd name="T93" fmla="*/ 1012 h 3097"/>
-              <a:gd name="T94" fmla="*/ 2993 w 3491"/>
-              <a:gd name="T95" fmla="*/ 1209 h 3097"/>
-              <a:gd name="T96" fmla="*/ 1303 w 3491"/>
-              <a:gd name="T97" fmla="*/ 2879 h 3097"/>
-              <a:gd name="T98" fmla="*/ 1094 w 3491"/>
-              <a:gd name="T99" fmla="*/ 3025 h 3097"/>
-              <a:gd name="T100" fmla="*/ 855 w 3491"/>
-              <a:gd name="T101" fmla="*/ 3092 h 3097"/>
-              <a:gd name="T102" fmla="*/ 609 w 3491"/>
-              <a:gd name="T103" fmla="*/ 3083 h 3097"/>
-              <a:gd name="T104" fmla="*/ 377 w 3491"/>
-              <a:gd name="T105" fmla="*/ 2995 h 3097"/>
-              <a:gd name="T106" fmla="*/ 178 w 3491"/>
-              <a:gd name="T107" fmla="*/ 2832 h 3097"/>
-              <a:gd name="T108" fmla="*/ 51 w 3491"/>
-              <a:gd name="T109" fmla="*/ 2617 h 3097"/>
-              <a:gd name="T110" fmla="*/ 0 w 3491"/>
-              <a:gd name="T111" fmla="*/ 2381 h 3097"/>
-              <a:gd name="T112" fmla="*/ 30 w 3491"/>
-              <a:gd name="T113" fmla="*/ 2141 h 3097"/>
-              <a:gd name="T114" fmla="*/ 139 w 3491"/>
-              <a:gd name="T115" fmla="*/ 1920 h 3097"/>
-              <a:gd name="T116" fmla="*/ 1872 w 3491"/>
-              <a:gd name="T117" fmla="*/ 230 h 3097"/>
-              <a:gd name="T118" fmla="*/ 2123 w 3491"/>
-              <a:gd name="T119" fmla="*/ 76 h 3097"/>
-              <a:gd name="T120" fmla="*/ 2402 w 3491"/>
-              <a:gd name="T121" fmla="*/ 5 h 3097"/>
-            </a:gdLst>
-            <a:ahLst/>
-            <a:cxnLst>
-              <a:cxn ang="0">
-                <a:pos x="T0" y="T1"/>
-              </a:cxn>
-              <a:cxn ang="0">
-                <a:pos x="T2" y="T3"/>
-              </a:cxn>
-              <a:cxn ang="0">
-                <a:pos x="T4" y="T5"/>
-              </a:cxn>
-              <a:cxn ang="0">
-                <a:pos x="T6" y="T7"/>
-              </a:cxn>
-              <a:cxn ang="0">
-                <a:pos x="T8" y="T9"/>
-              </a:cxn>
-              <a:cxn ang="0">
-                <a:pos x="T10" y="T11"/>
-              </a:cxn>
-              <a:cxn ang="0">
-                <a:pos x="T12" y="T13"/>
-              </a:cxn>
-              <a:cxn ang="0">
-                <a:pos x="T14" y="T15"/>
-              </a:cxn>
-              <a:cxn ang="0">
-                <a:pos x="T16" y="T17"/>
-              </a:cxn>
-              <a:cxn ang="0">
-                <a:pos x="T18" y="T19"/>
-              </a:cxn>
-              <a:cxn ang="0">
-                <a:pos x="T20" y="T21"/>
-              </a:cxn>
-              <a:cxn ang="0">
-                <a:pos x="T22" y="T23"/>
-              </a:cxn>
-              <a:cxn ang="0">
-                <a:pos x="T24" y="T25"/>
-              </a:cxn>
-              <a:cxn ang="0">
-                <a:pos x="T26" y="T27"/>
-              </a:cxn>
-              <a:cxn ang="0">
-                <a:pos x="T28" y="T29"/>
-              </a:cxn>
-              <a:cxn ang="0">
-                <a:pos x="T30" y="T31"/>
-              </a:cxn>
-              <a:cxn ang="0">
-                <a:pos x="T32" y="T33"/>
-              </a:cxn>
-              <a:cxn ang="0">
-                <a:pos x="T34" y="T35"/>
-              </a:cxn>
-              <a:cxn ang="0">
-                <a:pos x="T36" y="T37"/>
-              </a:cxn>
-              <a:cxn ang="0">
-                <a:pos x="T38" y="T39"/>
-              </a:cxn>
-              <a:cxn ang="0">
-                <a:pos x="T40" y="T41"/>
-              </a:cxn>
-              <a:cxn ang="0">
-                <a:pos x="T42" y="T43"/>
-              </a:cxn>
-              <a:cxn ang="0">
-                <a:pos x="T44" y="T45"/>
-              </a:cxn>
-              <a:cxn ang="0">
-                <a:pos x="T46" y="T47"/>
-              </a:cxn>
-              <a:cxn ang="0">
-                <a:pos x="T48" y="T49"/>
-              </a:cxn>
-              <a:cxn ang="0">
-                <a:pos x="T50" y="T51"/>
-              </a:cxn>
-              <a:cxn ang="0">
-                <a:pos x="T52" y="T53"/>
-              </a:cxn>
-              <a:cxn ang="0">
-                <a:pos x="T54" y="T55"/>
-              </a:cxn>
-              <a:cxn ang="0">
-                <a:pos x="T56" y="T57"/>
-              </a:cxn>
-              <a:cxn ang="0">
-                <a:pos x="T58" y="T59"/>
-              </a:cxn>
-              <a:cxn ang="0">
-                <a:pos x="T60" y="T61"/>
-              </a:cxn>
-              <a:cxn ang="0">
-                <a:pos x="T62" y="T63"/>
-              </a:cxn>
-              <a:cxn ang="0">
-                <a:pos x="T64" y="T65"/>
-              </a:cxn>
-              <a:cxn ang="0">
-                <a:pos x="T66" y="T67"/>
-              </a:cxn>
-              <a:cxn ang="0">
-                <a:pos x="T68" y="T69"/>
-              </a:cxn>
-              <a:cxn ang="0">
-                <a:pos x="T70" y="T71"/>
-              </a:cxn>
-              <a:cxn ang="0">
-                <a:pos x="T72" y="T73"/>
-              </a:cxn>
-              <a:cxn ang="0">
-                <a:pos x="T74" y="T75"/>
-              </a:cxn>
-              <a:cxn ang="0">
-                <a:pos x="T76" y="T77"/>
-              </a:cxn>
-              <a:cxn ang="0">
-                <a:pos x="T78" y="T79"/>
-              </a:cxn>
-              <a:cxn ang="0">
-                <a:pos x="T80" y="T81"/>
-              </a:cxn>
-              <a:cxn ang="0">
-                <a:pos x="T82" y="T83"/>
-              </a:cxn>
-              <a:cxn ang="0">
-                <a:pos x="T84" y="T85"/>
-              </a:cxn>
-              <a:cxn ang="0">
-                <a:pos x="T86" y="T87"/>
-              </a:cxn>
-              <a:cxn ang="0">
-                <a:pos x="T88" y="T89"/>
-              </a:cxn>
-              <a:cxn ang="0">
-                <a:pos x="T90" y="T91"/>
-              </a:cxn>
-              <a:cxn ang="0">
-                <a:pos x="T92" y="T93"/>
-              </a:cxn>
-              <a:cxn ang="0">
-                <a:pos x="T94" y="T95"/>
-              </a:cxn>
-              <a:cxn ang="0">
-                <a:pos x="T96" y="T97"/>
-              </a:cxn>
-              <a:cxn ang="0">
-                <a:pos x="T98" y="T99"/>
-              </a:cxn>
-              <a:cxn ang="0">
-                <a:pos x="T100" y="T101"/>
-              </a:cxn>
-              <a:cxn ang="0">
-                <a:pos x="T102" y="T103"/>
-              </a:cxn>
-              <a:cxn ang="0">
-                <a:pos x="T104" y="T105"/>
-              </a:cxn>
-              <a:cxn ang="0">
-                <a:pos x="T106" y="T107"/>
-              </a:cxn>
-              <a:cxn ang="0">
-                <a:pos x="T108" y="T109"/>
-              </a:cxn>
-              <a:cxn ang="0">
-                <a:pos x="T110" y="T111"/>
-              </a:cxn>
-              <a:cxn ang="0">
-                <a:pos x="T112" y="T113"/>
-              </a:cxn>
-              <a:cxn ang="0">
-                <a:pos x="T114" y="T115"/>
-              </a:cxn>
-              <a:cxn ang="0">
-                <a:pos x="T116" y="T117"/>
-              </a:cxn>
-              <a:cxn ang="0">
-                <a:pos x="T118" y="T119"/>
-              </a:cxn>
-              <a:cxn ang="0">
-                <a:pos x="T120" y="T121"/>
-              </a:cxn>
-            </a:cxnLst>
-            <a:rect l="0" t="0" r="r" b="b"/>
-            <a:pathLst>
-              <a:path w="3491" h="3097">
-                <a:moveTo>
-                  <a:pt x="2474" y="0"/>
-                </a:moveTo>
-                <a:lnTo>
-                  <a:pt x="2546" y="0"/>
-                </a:lnTo>
-                <a:lnTo>
-                  <a:pt x="2618" y="5"/>
-                </a:lnTo>
-                <a:lnTo>
-                  <a:pt x="2689" y="15"/>
-                </a:lnTo>
-                <a:lnTo>
-                  <a:pt x="2758" y="31"/>
-                </a:lnTo>
-                <a:lnTo>
-                  <a:pt x="2828" y="51"/>
-                </a:lnTo>
-                <a:lnTo>
-                  <a:pt x="2896" y="76"/>
-                </a:lnTo>
-                <a:lnTo>
-                  <a:pt x="2963" y="108"/>
-                </a:lnTo>
-                <a:lnTo>
-                  <a:pt x="3026" y="143"/>
-                </a:lnTo>
-                <a:lnTo>
-                  <a:pt x="3088" y="183"/>
-                </a:lnTo>
-                <a:lnTo>
-                  <a:pt x="3147" y="230"/>
-                </a:lnTo>
-                <a:lnTo>
-                  <a:pt x="3204" y="281"/>
-                </a:lnTo>
-                <a:lnTo>
-                  <a:pt x="3256" y="336"/>
-                </a:lnTo>
-                <a:lnTo>
-                  <a:pt x="3303" y="394"/>
-                </a:lnTo>
-                <a:lnTo>
-                  <a:pt x="3345" y="455"/>
-                </a:lnTo>
-                <a:lnTo>
-                  <a:pt x="3382" y="518"/>
-                </a:lnTo>
-                <a:lnTo>
-                  <a:pt x="3413" y="582"/>
-                </a:lnTo>
-                <a:lnTo>
-                  <a:pt x="3439" y="650"/>
-                </a:lnTo>
-                <a:lnTo>
-                  <a:pt x="3460" y="717"/>
-                </a:lnTo>
-                <a:lnTo>
-                  <a:pt x="3475" y="786"/>
-                </a:lnTo>
-                <a:lnTo>
-                  <a:pt x="3486" y="856"/>
-                </a:lnTo>
-                <a:lnTo>
-                  <a:pt x="3491" y="926"/>
-                </a:lnTo>
-                <a:lnTo>
-                  <a:pt x="3491" y="996"/>
-                </a:lnTo>
-                <a:lnTo>
-                  <a:pt x="3486" y="1066"/>
-                </a:lnTo>
-                <a:lnTo>
-                  <a:pt x="3475" y="1136"/>
-                </a:lnTo>
-                <a:lnTo>
-                  <a:pt x="3460" y="1205"/>
-                </a:lnTo>
-                <a:lnTo>
-                  <a:pt x="3439" y="1273"/>
-                </a:lnTo>
-                <a:lnTo>
-                  <a:pt x="3413" y="1339"/>
-                </a:lnTo>
-                <a:lnTo>
-                  <a:pt x="3382" y="1404"/>
-                </a:lnTo>
-                <a:lnTo>
-                  <a:pt x="3345" y="1467"/>
-                </a:lnTo>
-                <a:lnTo>
-                  <a:pt x="3303" y="1528"/>
-                </a:lnTo>
-                <a:lnTo>
-                  <a:pt x="3256" y="1586"/>
-                </a:lnTo>
-                <a:lnTo>
-                  <a:pt x="3204" y="1641"/>
-                </a:lnTo>
-                <a:lnTo>
-                  <a:pt x="2007" y="2813"/>
-                </a:lnTo>
-                <a:lnTo>
-                  <a:pt x="1988" y="2828"/>
-                </a:lnTo>
-                <a:lnTo>
-                  <a:pt x="1965" y="2838"/>
-                </a:lnTo>
-                <a:lnTo>
-                  <a:pt x="1942" y="2844"/>
-                </a:lnTo>
-                <a:lnTo>
-                  <a:pt x="1918" y="2844"/>
-                </a:lnTo>
-                <a:lnTo>
-                  <a:pt x="1894" y="2838"/>
-                </a:lnTo>
-                <a:lnTo>
-                  <a:pt x="1873" y="2828"/>
-                </a:lnTo>
-                <a:lnTo>
-                  <a:pt x="1853" y="2813"/>
-                </a:lnTo>
-                <a:lnTo>
-                  <a:pt x="1837" y="2793"/>
-                </a:lnTo>
-                <a:lnTo>
-                  <a:pt x="1827" y="2772"/>
-                </a:lnTo>
-                <a:lnTo>
-                  <a:pt x="1821" y="2749"/>
-                </a:lnTo>
-                <a:lnTo>
-                  <a:pt x="1821" y="2726"/>
-                </a:lnTo>
-                <a:lnTo>
-                  <a:pt x="1827" y="2703"/>
-                </a:lnTo>
-                <a:lnTo>
-                  <a:pt x="1837" y="2681"/>
-                </a:lnTo>
-                <a:lnTo>
-                  <a:pt x="1853" y="2662"/>
-                </a:lnTo>
-                <a:lnTo>
-                  <a:pt x="3035" y="1505"/>
-                </a:lnTo>
-                <a:lnTo>
-                  <a:pt x="3079" y="1458"/>
-                </a:lnTo>
-                <a:lnTo>
-                  <a:pt x="3118" y="1407"/>
-                </a:lnTo>
-                <a:lnTo>
-                  <a:pt x="3153" y="1355"/>
-                </a:lnTo>
-                <a:lnTo>
-                  <a:pt x="3183" y="1300"/>
-                </a:lnTo>
-                <a:lnTo>
-                  <a:pt x="3208" y="1243"/>
-                </a:lnTo>
-                <a:lnTo>
-                  <a:pt x="3228" y="1185"/>
-                </a:lnTo>
-                <a:lnTo>
-                  <a:pt x="3242" y="1126"/>
-                </a:lnTo>
-                <a:lnTo>
-                  <a:pt x="3253" y="1066"/>
-                </a:lnTo>
-                <a:lnTo>
-                  <a:pt x="3257" y="1006"/>
-                </a:lnTo>
-                <a:lnTo>
-                  <a:pt x="3257" y="946"/>
-                </a:lnTo>
-                <a:lnTo>
-                  <a:pt x="3253" y="885"/>
-                </a:lnTo>
-                <a:lnTo>
-                  <a:pt x="3242" y="826"/>
-                </a:lnTo>
-                <a:lnTo>
-                  <a:pt x="3228" y="766"/>
-                </a:lnTo>
-                <a:lnTo>
-                  <a:pt x="3208" y="709"/>
-                </a:lnTo>
-                <a:lnTo>
-                  <a:pt x="3183" y="653"/>
-                </a:lnTo>
-                <a:lnTo>
-                  <a:pt x="3153" y="598"/>
-                </a:lnTo>
-                <a:lnTo>
-                  <a:pt x="3118" y="545"/>
-                </a:lnTo>
-                <a:lnTo>
-                  <a:pt x="3079" y="495"/>
-                </a:lnTo>
-                <a:lnTo>
-                  <a:pt x="3035" y="448"/>
-                </a:lnTo>
-                <a:lnTo>
-                  <a:pt x="2985" y="403"/>
-                </a:lnTo>
-                <a:lnTo>
-                  <a:pt x="2935" y="364"/>
-                </a:lnTo>
-                <a:lnTo>
-                  <a:pt x="2881" y="331"/>
-                </a:lnTo>
-                <a:lnTo>
-                  <a:pt x="2825" y="301"/>
-                </a:lnTo>
-                <a:lnTo>
-                  <a:pt x="2767" y="277"/>
-                </a:lnTo>
-                <a:lnTo>
-                  <a:pt x="2708" y="258"/>
-                </a:lnTo>
-                <a:lnTo>
-                  <a:pt x="2648" y="243"/>
-                </a:lnTo>
-                <a:lnTo>
-                  <a:pt x="2586" y="234"/>
-                </a:lnTo>
-                <a:lnTo>
-                  <a:pt x="2525" y="229"/>
-                </a:lnTo>
-                <a:lnTo>
-                  <a:pt x="2464" y="229"/>
-                </a:lnTo>
-                <a:lnTo>
-                  <a:pt x="2402" y="234"/>
-                </a:lnTo>
-                <a:lnTo>
-                  <a:pt x="2340" y="243"/>
-                </a:lnTo>
-                <a:lnTo>
-                  <a:pt x="2280" y="258"/>
-                </a:lnTo>
-                <a:lnTo>
-                  <a:pt x="2221" y="277"/>
-                </a:lnTo>
-                <a:lnTo>
-                  <a:pt x="2164" y="301"/>
-                </a:lnTo>
-                <a:lnTo>
-                  <a:pt x="2108" y="331"/>
-                </a:lnTo>
-                <a:lnTo>
-                  <a:pt x="2055" y="364"/>
-                </a:lnTo>
-                <a:lnTo>
-                  <a:pt x="2003" y="403"/>
-                </a:lnTo>
-                <a:lnTo>
-                  <a:pt x="1955" y="448"/>
-                </a:lnTo>
-                <a:lnTo>
-                  <a:pt x="378" y="1972"/>
-                </a:lnTo>
-                <a:lnTo>
-                  <a:pt x="341" y="2013"/>
-                </a:lnTo>
-                <a:lnTo>
-                  <a:pt x="307" y="2057"/>
-                </a:lnTo>
-                <a:lnTo>
-                  <a:pt x="280" y="2102"/>
-                </a:lnTo>
-                <a:lnTo>
-                  <a:pt x="258" y="2149"/>
-                </a:lnTo>
-                <a:lnTo>
-                  <a:pt x="241" y="2199"/>
-                </a:lnTo>
-                <a:lnTo>
-                  <a:pt x="228" y="2248"/>
-                </a:lnTo>
-                <a:lnTo>
-                  <a:pt x="220" y="2299"/>
-                </a:lnTo>
-                <a:lnTo>
-                  <a:pt x="218" y="2350"/>
-                </a:lnTo>
-                <a:lnTo>
-                  <a:pt x="220" y="2402"/>
-                </a:lnTo>
-                <a:lnTo>
-                  <a:pt x="228" y="2452"/>
-                </a:lnTo>
-                <a:lnTo>
-                  <a:pt x="241" y="2503"/>
-                </a:lnTo>
-                <a:lnTo>
-                  <a:pt x="258" y="2551"/>
-                </a:lnTo>
-                <a:lnTo>
-                  <a:pt x="280" y="2599"/>
-                </a:lnTo>
-                <a:lnTo>
-                  <a:pt x="307" y="2644"/>
-                </a:lnTo>
-                <a:lnTo>
-                  <a:pt x="341" y="2687"/>
-                </a:lnTo>
-                <a:lnTo>
-                  <a:pt x="378" y="2728"/>
-                </a:lnTo>
-                <a:lnTo>
-                  <a:pt x="419" y="2765"/>
-                </a:lnTo>
-                <a:lnTo>
-                  <a:pt x="463" y="2796"/>
-                </a:lnTo>
-                <a:lnTo>
-                  <a:pt x="509" y="2824"/>
-                </a:lnTo>
-                <a:lnTo>
-                  <a:pt x="558" y="2846"/>
-                </a:lnTo>
-                <a:lnTo>
-                  <a:pt x="608" y="2863"/>
-                </a:lnTo>
-                <a:lnTo>
-                  <a:pt x="660" y="2874"/>
-                </a:lnTo>
-                <a:lnTo>
-                  <a:pt x="711" y="2882"/>
-                </a:lnTo>
-                <a:lnTo>
-                  <a:pt x="763" y="2885"/>
-                </a:lnTo>
-                <a:lnTo>
-                  <a:pt x="816" y="2882"/>
-                </a:lnTo>
-                <a:lnTo>
-                  <a:pt x="867" y="2874"/>
-                </a:lnTo>
-                <a:lnTo>
-                  <a:pt x="919" y="2863"/>
-                </a:lnTo>
-                <a:lnTo>
-                  <a:pt x="968" y="2846"/>
-                </a:lnTo>
-                <a:lnTo>
-                  <a:pt x="1018" y="2824"/>
-                </a:lnTo>
-                <a:lnTo>
-                  <a:pt x="1064" y="2796"/>
-                </a:lnTo>
-                <a:lnTo>
-                  <a:pt x="1108" y="2765"/>
-                </a:lnTo>
-                <a:lnTo>
-                  <a:pt x="1149" y="2728"/>
-                </a:lnTo>
-                <a:lnTo>
-                  <a:pt x="2741" y="1187"/>
-                </a:lnTo>
-                <a:lnTo>
-                  <a:pt x="2768" y="1158"/>
-                </a:lnTo>
-                <a:lnTo>
-                  <a:pt x="2791" y="1125"/>
-                </a:lnTo>
-                <a:lnTo>
-                  <a:pt x="2809" y="1091"/>
-                </a:lnTo>
-                <a:lnTo>
-                  <a:pt x="2823" y="1055"/>
-                </a:lnTo>
-                <a:lnTo>
-                  <a:pt x="2831" y="1018"/>
-                </a:lnTo>
-                <a:lnTo>
-                  <a:pt x="2837" y="980"/>
-                </a:lnTo>
-                <a:lnTo>
-                  <a:pt x="2837" y="942"/>
-                </a:lnTo>
-                <a:lnTo>
-                  <a:pt x="2831" y="904"/>
-                </a:lnTo>
-                <a:lnTo>
-                  <a:pt x="2823" y="867"/>
-                </a:lnTo>
-                <a:lnTo>
-                  <a:pt x="2809" y="832"/>
-                </a:lnTo>
-                <a:lnTo>
-                  <a:pt x="2791" y="797"/>
-                </a:lnTo>
-                <a:lnTo>
-                  <a:pt x="2768" y="764"/>
-                </a:lnTo>
-                <a:lnTo>
-                  <a:pt x="2741" y="734"/>
-                </a:lnTo>
-                <a:lnTo>
-                  <a:pt x="2710" y="707"/>
-                </a:lnTo>
-                <a:lnTo>
-                  <a:pt x="2677" y="685"/>
-                </a:lnTo>
-                <a:lnTo>
-                  <a:pt x="2642" y="668"/>
-                </a:lnTo>
-                <a:lnTo>
-                  <a:pt x="2605" y="654"/>
-                </a:lnTo>
-                <a:lnTo>
-                  <a:pt x="2567" y="645"/>
-                </a:lnTo>
-                <a:lnTo>
-                  <a:pt x="2528" y="641"/>
-                </a:lnTo>
-                <a:lnTo>
-                  <a:pt x="2490" y="641"/>
-                </a:lnTo>
-                <a:lnTo>
-                  <a:pt x="2452" y="645"/>
-                </a:lnTo>
-                <a:lnTo>
-                  <a:pt x="2415" y="654"/>
-                </a:lnTo>
-                <a:lnTo>
-                  <a:pt x="2377" y="668"/>
-                </a:lnTo>
-                <a:lnTo>
-                  <a:pt x="2343" y="685"/>
-                </a:lnTo>
-                <a:lnTo>
-                  <a:pt x="2309" y="707"/>
-                </a:lnTo>
-                <a:lnTo>
-                  <a:pt x="2278" y="734"/>
-                </a:lnTo>
-                <a:lnTo>
-                  <a:pt x="1082" y="1906"/>
-                </a:lnTo>
-                <a:lnTo>
-                  <a:pt x="1062" y="1922"/>
-                </a:lnTo>
-                <a:lnTo>
-                  <a:pt x="1040" y="1931"/>
-                </a:lnTo>
-                <a:lnTo>
-                  <a:pt x="1017" y="1937"/>
-                </a:lnTo>
-                <a:lnTo>
-                  <a:pt x="992" y="1937"/>
-                </a:lnTo>
-                <a:lnTo>
-                  <a:pt x="969" y="1931"/>
-                </a:lnTo>
-                <a:lnTo>
-                  <a:pt x="947" y="1922"/>
-                </a:lnTo>
-                <a:lnTo>
-                  <a:pt x="927" y="1906"/>
-                </a:lnTo>
-                <a:lnTo>
-                  <a:pt x="911" y="1887"/>
-                </a:lnTo>
-                <a:lnTo>
-                  <a:pt x="900" y="1865"/>
-                </a:lnTo>
-                <a:lnTo>
-                  <a:pt x="896" y="1842"/>
-                </a:lnTo>
-                <a:lnTo>
-                  <a:pt x="896" y="1819"/>
-                </a:lnTo>
-                <a:lnTo>
-                  <a:pt x="900" y="1796"/>
-                </a:lnTo>
-                <a:lnTo>
-                  <a:pt x="911" y="1775"/>
-                </a:lnTo>
-                <a:lnTo>
-                  <a:pt x="927" y="1755"/>
-                </a:lnTo>
-                <a:lnTo>
-                  <a:pt x="2123" y="583"/>
-                </a:lnTo>
-                <a:lnTo>
-                  <a:pt x="2165" y="546"/>
-                </a:lnTo>
-                <a:lnTo>
-                  <a:pt x="2209" y="515"/>
-                </a:lnTo>
-                <a:lnTo>
-                  <a:pt x="2255" y="488"/>
-                </a:lnTo>
-                <a:lnTo>
-                  <a:pt x="2304" y="465"/>
-                </a:lnTo>
-                <a:lnTo>
-                  <a:pt x="2354" y="449"/>
-                </a:lnTo>
-                <a:lnTo>
-                  <a:pt x="2405" y="436"/>
-                </a:lnTo>
-                <a:lnTo>
-                  <a:pt x="2457" y="429"/>
-                </a:lnTo>
-                <a:lnTo>
-                  <a:pt x="2509" y="427"/>
-                </a:lnTo>
-                <a:lnTo>
-                  <a:pt x="2562" y="429"/>
-                </a:lnTo>
-                <a:lnTo>
-                  <a:pt x="2613" y="436"/>
-                </a:lnTo>
-                <a:lnTo>
-                  <a:pt x="2665" y="449"/>
-                </a:lnTo>
-                <a:lnTo>
-                  <a:pt x="2714" y="465"/>
-                </a:lnTo>
-                <a:lnTo>
-                  <a:pt x="2763" y="488"/>
-                </a:lnTo>
-                <a:lnTo>
-                  <a:pt x="2810" y="515"/>
-                </a:lnTo>
-                <a:lnTo>
-                  <a:pt x="2854" y="546"/>
-                </a:lnTo>
-                <a:lnTo>
-                  <a:pt x="2895" y="583"/>
-                </a:lnTo>
-                <a:lnTo>
-                  <a:pt x="2932" y="623"/>
-                </a:lnTo>
-                <a:lnTo>
-                  <a:pt x="2965" y="666"/>
-                </a:lnTo>
-                <a:lnTo>
-                  <a:pt x="2993" y="713"/>
-                </a:lnTo>
-                <a:lnTo>
-                  <a:pt x="3015" y="760"/>
-                </a:lnTo>
-                <a:lnTo>
-                  <a:pt x="3032" y="809"/>
-                </a:lnTo>
-                <a:lnTo>
-                  <a:pt x="3045" y="859"/>
-                </a:lnTo>
-                <a:lnTo>
-                  <a:pt x="3053" y="910"/>
-                </a:lnTo>
-                <a:lnTo>
-                  <a:pt x="3055" y="961"/>
-                </a:lnTo>
-                <a:lnTo>
-                  <a:pt x="3053" y="1012"/>
-                </a:lnTo>
-                <a:lnTo>
-                  <a:pt x="3045" y="1063"/>
-                </a:lnTo>
-                <a:lnTo>
-                  <a:pt x="3032" y="1113"/>
-                </a:lnTo>
-                <a:lnTo>
-                  <a:pt x="3015" y="1162"/>
-                </a:lnTo>
-                <a:lnTo>
-                  <a:pt x="2993" y="1209"/>
-                </a:lnTo>
-                <a:lnTo>
-                  <a:pt x="2965" y="1255"/>
-                </a:lnTo>
-                <a:lnTo>
-                  <a:pt x="2932" y="1298"/>
-                </a:lnTo>
-                <a:lnTo>
-                  <a:pt x="2895" y="1339"/>
-                </a:lnTo>
-                <a:lnTo>
-                  <a:pt x="1303" y="2879"/>
-                </a:lnTo>
-                <a:lnTo>
-                  <a:pt x="1255" y="2923"/>
-                </a:lnTo>
-                <a:lnTo>
-                  <a:pt x="1203" y="2962"/>
-                </a:lnTo>
-                <a:lnTo>
-                  <a:pt x="1150" y="2995"/>
-                </a:lnTo>
-                <a:lnTo>
-                  <a:pt x="1094" y="3025"/>
-                </a:lnTo>
-                <a:lnTo>
-                  <a:pt x="1036" y="3049"/>
-                </a:lnTo>
-                <a:lnTo>
-                  <a:pt x="977" y="3068"/>
-                </a:lnTo>
-                <a:lnTo>
-                  <a:pt x="917" y="3083"/>
-                </a:lnTo>
-                <a:lnTo>
-                  <a:pt x="855" y="3092"/>
-                </a:lnTo>
-                <a:lnTo>
-                  <a:pt x="794" y="3097"/>
-                </a:lnTo>
-                <a:lnTo>
-                  <a:pt x="733" y="3097"/>
-                </a:lnTo>
-                <a:lnTo>
-                  <a:pt x="671" y="3092"/>
-                </a:lnTo>
-                <a:lnTo>
-                  <a:pt x="609" y="3083"/>
-                </a:lnTo>
-                <a:lnTo>
-                  <a:pt x="549" y="3068"/>
-                </a:lnTo>
-                <a:lnTo>
-                  <a:pt x="490" y="3049"/>
-                </a:lnTo>
-                <a:lnTo>
-                  <a:pt x="433" y="3025"/>
-                </a:lnTo>
-                <a:lnTo>
-                  <a:pt x="377" y="2995"/>
-                </a:lnTo>
-                <a:lnTo>
-                  <a:pt x="323" y="2962"/>
-                </a:lnTo>
-                <a:lnTo>
-                  <a:pt x="272" y="2923"/>
-                </a:lnTo>
-                <a:lnTo>
-                  <a:pt x="224" y="2879"/>
-                </a:lnTo>
-                <a:lnTo>
-                  <a:pt x="178" y="2832"/>
-                </a:lnTo>
-                <a:lnTo>
-                  <a:pt x="139" y="2782"/>
-                </a:lnTo>
-                <a:lnTo>
-                  <a:pt x="104" y="2729"/>
-                </a:lnTo>
-                <a:lnTo>
-                  <a:pt x="75" y="2674"/>
-                </a:lnTo>
-                <a:lnTo>
-                  <a:pt x="51" y="2617"/>
-                </a:lnTo>
-                <a:lnTo>
-                  <a:pt x="30" y="2560"/>
-                </a:lnTo>
-                <a:lnTo>
-                  <a:pt x="15" y="2501"/>
-                </a:lnTo>
-                <a:lnTo>
-                  <a:pt x="5" y="2441"/>
-                </a:lnTo>
-                <a:lnTo>
-                  <a:pt x="0" y="2381"/>
-                </a:lnTo>
-                <a:lnTo>
-                  <a:pt x="0" y="2321"/>
-                </a:lnTo>
-                <a:lnTo>
-                  <a:pt x="5" y="2260"/>
-                </a:lnTo>
-                <a:lnTo>
-                  <a:pt x="15" y="2200"/>
-                </a:lnTo>
-                <a:lnTo>
-                  <a:pt x="30" y="2141"/>
-                </a:lnTo>
-                <a:lnTo>
-                  <a:pt x="51" y="2083"/>
-                </a:lnTo>
-                <a:lnTo>
-                  <a:pt x="75" y="2027"/>
-                </a:lnTo>
-                <a:lnTo>
-                  <a:pt x="104" y="1972"/>
-                </a:lnTo>
-                <a:lnTo>
-                  <a:pt x="139" y="1920"/>
-                </a:lnTo>
-                <a:lnTo>
-                  <a:pt x="178" y="1869"/>
-                </a:lnTo>
-                <a:lnTo>
-                  <a:pt x="224" y="1822"/>
-                </a:lnTo>
-                <a:lnTo>
-                  <a:pt x="1815" y="281"/>
-                </a:lnTo>
-                <a:lnTo>
-                  <a:pt x="1872" y="230"/>
-                </a:lnTo>
-                <a:lnTo>
-                  <a:pt x="1931" y="183"/>
-                </a:lnTo>
-                <a:lnTo>
-                  <a:pt x="1992" y="143"/>
-                </a:lnTo>
-                <a:lnTo>
-                  <a:pt x="2057" y="108"/>
-                </a:lnTo>
-                <a:lnTo>
-                  <a:pt x="2123" y="76"/>
-                </a:lnTo>
-                <a:lnTo>
-                  <a:pt x="2191" y="51"/>
-                </a:lnTo>
-                <a:lnTo>
-                  <a:pt x="2261" y="31"/>
-                </a:lnTo>
-                <a:lnTo>
-                  <a:pt x="2331" y="15"/>
-                </a:lnTo>
-                <a:lnTo>
-                  <a:pt x="2402" y="5"/>
-                </a:lnTo>
-                <a:lnTo>
-                  <a:pt x="2474" y="0"/>
-                </a:lnTo>
-                <a:close/>
-              </a:path>
-            </a:pathLst>
-          </a:custGeom>
-          <a:solidFill>
-            <a:schemeClr val="bg1"/>
-          </a:solidFill>
-          <a:ln w="0">
-            <a:noFill/>
-            <a:prstDash val="solid"/>
-            <a:round/>
-            <a:headEnd/>
-            <a:tailEnd/>
-          </a:ln>
-        </p:spPr>
-        <p:txBody>
-          <a:bodyPr vert="horz" wrap="square" lIns="91440" tIns="45720" rIns="91440" bIns="45720" numCol="1" anchor="t" anchorCtr="0" compatLnSpc="1">
-            <a:prstTxWarp prst="textNoShape">
-              <a:avLst/>
-            </a:prstTxWarp>
-          </a:bodyPr>
-          <a:lstStyle/>
-          <a:p>
-            <a:endParaRPr lang="ko-KR" altLang="en-US">
-              <a:solidFill>
-                <a:prstClr val="black"/>
-              </a:solidFill>
-            </a:endParaRPr>
-          </a:p>
-        </p:txBody>
-      </p:sp>
-      <p:grpSp>
-        <p:nvGrpSpPr>
-          <p:cNvPr id="27" name="그룹 26"/>
-          <p:cNvGrpSpPr/>
-          <p:nvPr/>
-        </p:nvGrpSpPr>
-        <p:grpSpPr>
-          <a:xfrm>
-            <a:off x="393568" y="656552"/>
-            <a:ext cx="323769" cy="323769"/>
-            <a:chOff x="1593332" y="2172798"/>
-            <a:chExt cx="1083168" cy="1083168"/>
-          </a:xfrm>
-        </p:grpSpPr>
-        <p:sp>
-          <p:nvSpPr>
-            <p:cNvPr id="28" name="타원 27"/>
-            <p:cNvSpPr/>
-            <p:nvPr/>
-          </p:nvSpPr>
-          <p:spPr>
-            <a:xfrm>
-              <a:off x="1593332" y="2172798"/>
-              <a:ext cx="1083168" cy="1083168"/>
-            </a:xfrm>
-            <a:prstGeom prst="ellipse">
-              <a:avLst/>
-            </a:prstGeom>
-            <a:solidFill>
-              <a:schemeClr val="bg1">
-                <a:lumMod val="75000"/>
-              </a:schemeClr>
-            </a:solidFill>
-            <a:ln>
-              <a:solidFill>
-                <a:schemeClr val="bg1"/>
-              </a:solidFill>
-            </a:ln>
-          </p:spPr>
-          <p:style>
-            <a:lnRef idx="2">
-              <a:schemeClr val="accent1">
-                <a:shade val="50000"/>
-              </a:schemeClr>
-            </a:lnRef>
-            <a:fillRef idx="1">
-              <a:schemeClr val="accent1"/>
-            </a:fillRef>
-            <a:effectRef idx="0">
-              <a:schemeClr val="accent1"/>
-            </a:effectRef>
-            <a:fontRef idx="minor">
-              <a:schemeClr val="lt1"/>
-            </a:fontRef>
-          </p:style>
-          <p:txBody>
-            <a:bodyPr rtlCol="0" anchor="ctr"/>
-            <a:lstStyle/>
-            <a:p>
-              <a:pPr algn="ctr"/>
-              <a:endParaRPr lang="ko-KR" altLang="en-US" b="1">
-                <a:solidFill>
-                  <a:prstClr val="white"/>
-                </a:solidFill>
-              </a:endParaRPr>
-            </a:p>
-          </p:txBody>
-        </p:sp>
-        <p:pic>
-          <p:nvPicPr>
-            <p:cNvPr id="29" name="그림 28"/>
-            <p:cNvPicPr>
-              <a:picLocks noChangeAspect="1"/>
-            </p:cNvPicPr>
-            <p:nvPr/>
-          </p:nvPicPr>
-          <p:blipFill>
-            <a:blip r:embed="rId2" cstate="print">
-              <a:extLst>
-                <a:ext uri="{28A0092B-C50C-407E-A947-70E740481C1C}">
-                  <a14:useLocalDpi xmlns:a14="http://schemas.microsoft.com/office/drawing/2010/main" val="0"/>
-                </a:ext>
-              </a:extLst>
-            </a:blip>
-            <a:stretch>
-              <a:fillRect/>
-            </a:stretch>
-          </p:blipFill>
-          <p:spPr>
-            <a:xfrm>
-              <a:off x="1741655" y="2321121"/>
-              <a:ext cx="786521" cy="786521"/>
-            </a:xfrm>
-            <a:prstGeom prst="rect">
-              <a:avLst/>
-            </a:prstGeom>
-          </p:spPr>
-        </p:pic>
-      </p:grpSp>
-      <p:sp>
-        <p:nvSpPr>
-          <p:cNvPr id="32" name="모서리가 둥근 직사각형 31"/>
-          <p:cNvSpPr/>
-          <p:nvPr/>
-        </p:nvSpPr>
-        <p:spPr>
-          <a:xfrm>
-            <a:off x="350136" y="1719059"/>
-            <a:ext cx="396000" cy="396000"/>
-          </a:xfrm>
-          <a:prstGeom prst="roundRect">
-            <a:avLst/>
-          </a:prstGeom>
-          <a:solidFill>
-            <a:srgbClr val="00D65E"/>
-          </a:solidFill>
-          <a:ln>
-            <a:noFill/>
-          </a:ln>
-        </p:spPr>
-        <p:style>
-          <a:lnRef idx="2">
-            <a:schemeClr val="accent1">
-              <a:shade val="50000"/>
-            </a:schemeClr>
-          </a:lnRef>
-          <a:fillRef idx="1">
-            <a:schemeClr val="accent1"/>
-          </a:fillRef>
-          <a:effectRef idx="0">
-            <a:schemeClr val="accent1"/>
-          </a:effectRef>
-          <a:fontRef idx="minor">
-            <a:schemeClr val="lt1"/>
-          </a:fontRef>
-        </p:style>
-        <p:txBody>
-          <a:bodyPr lIns="126000" rtlCol="0" anchor="ctr"/>
-          <a:lstStyle/>
-          <a:p>
-            <a:endParaRPr lang="en-US" altLang="ko-KR" sz="1050" dirty="0">
-              <a:solidFill>
-                <a:prstClr val="white"/>
-              </a:solidFill>
-            </a:endParaRPr>
-          </a:p>
-        </p:txBody>
-      </p:sp>
-      <p:grpSp>
-        <p:nvGrpSpPr>
-          <p:cNvPr id="20" name="Group 12"/>
-          <p:cNvGrpSpPr>
-            <a:grpSpLocks noChangeAspect="1"/>
-          </p:cNvGrpSpPr>
-          <p:nvPr/>
-        </p:nvGrpSpPr>
-        <p:grpSpPr bwMode="auto">
-          <a:xfrm>
-            <a:off x="433464" y="1832474"/>
-            <a:ext cx="229344" cy="182438"/>
-            <a:chOff x="6124" y="305"/>
-            <a:chExt cx="841" cy="669"/>
-          </a:xfrm>
-          <a:solidFill>
-            <a:schemeClr val="bg1"/>
-          </a:solidFill>
-        </p:grpSpPr>
-        <p:sp>
-          <p:nvSpPr>
-            <p:cNvPr id="21" name="Freeform 13"/>
-            <p:cNvSpPr>
-              <a:spLocks/>
-            </p:cNvSpPr>
-            <p:nvPr/>
-          </p:nvSpPr>
-          <p:spPr bwMode="auto">
-            <a:xfrm>
-              <a:off x="6244" y="440"/>
-              <a:ext cx="601" cy="534"/>
-            </a:xfrm>
-            <a:custGeom>
-              <a:avLst/>
-              <a:gdLst>
-                <a:gd name="T0" fmla="*/ 902 w 1802"/>
-                <a:gd name="T1" fmla="*/ 0 h 1602"/>
-                <a:gd name="T2" fmla="*/ 2 w 1802"/>
-                <a:gd name="T3" fmla="*/ 742 h 1602"/>
-                <a:gd name="T4" fmla="*/ 2 w 1802"/>
-                <a:gd name="T5" fmla="*/ 743 h 1602"/>
-                <a:gd name="T6" fmla="*/ 2 w 1802"/>
-                <a:gd name="T7" fmla="*/ 746 h 1602"/>
-                <a:gd name="T8" fmla="*/ 0 w 1802"/>
-                <a:gd name="T9" fmla="*/ 749 h 1602"/>
-                <a:gd name="T10" fmla="*/ 0 w 1802"/>
-                <a:gd name="T11" fmla="*/ 751 h 1602"/>
-                <a:gd name="T12" fmla="*/ 0 w 1802"/>
-                <a:gd name="T13" fmla="*/ 1501 h 1602"/>
-                <a:gd name="T14" fmla="*/ 2 w 1802"/>
-                <a:gd name="T15" fmla="*/ 1521 h 1602"/>
-                <a:gd name="T16" fmla="*/ 16 w 1802"/>
-                <a:gd name="T17" fmla="*/ 1557 h 1602"/>
-                <a:gd name="T18" fmla="*/ 30 w 1802"/>
-                <a:gd name="T19" fmla="*/ 1572 h 1602"/>
-                <a:gd name="T20" fmla="*/ 45 w 1802"/>
-                <a:gd name="T21" fmla="*/ 1586 h 1602"/>
-                <a:gd name="T22" fmla="*/ 81 w 1802"/>
-                <a:gd name="T23" fmla="*/ 1601 h 1602"/>
-                <a:gd name="T24" fmla="*/ 100 w 1802"/>
-                <a:gd name="T25" fmla="*/ 1602 h 1602"/>
-                <a:gd name="T26" fmla="*/ 702 w 1802"/>
-                <a:gd name="T27" fmla="*/ 1602 h 1602"/>
-                <a:gd name="T28" fmla="*/ 702 w 1802"/>
-                <a:gd name="T29" fmla="*/ 1001 h 1602"/>
-                <a:gd name="T30" fmla="*/ 1102 w 1802"/>
-                <a:gd name="T31" fmla="*/ 1001 h 1602"/>
-                <a:gd name="T32" fmla="*/ 1102 w 1802"/>
-                <a:gd name="T33" fmla="*/ 1602 h 1602"/>
-                <a:gd name="T34" fmla="*/ 1703 w 1802"/>
-                <a:gd name="T35" fmla="*/ 1602 h 1602"/>
-                <a:gd name="T36" fmla="*/ 1723 w 1802"/>
-                <a:gd name="T37" fmla="*/ 1601 h 1602"/>
-                <a:gd name="T38" fmla="*/ 1758 w 1802"/>
-                <a:gd name="T39" fmla="*/ 1586 h 1602"/>
-                <a:gd name="T40" fmla="*/ 1773 w 1802"/>
-                <a:gd name="T41" fmla="*/ 1572 h 1602"/>
-                <a:gd name="T42" fmla="*/ 1786 w 1802"/>
-                <a:gd name="T43" fmla="*/ 1557 h 1602"/>
-                <a:gd name="T44" fmla="*/ 1802 w 1802"/>
-                <a:gd name="T45" fmla="*/ 1521 h 1602"/>
-                <a:gd name="T46" fmla="*/ 1802 w 1802"/>
-                <a:gd name="T47" fmla="*/ 1501 h 1602"/>
-                <a:gd name="T48" fmla="*/ 1802 w 1802"/>
-                <a:gd name="T49" fmla="*/ 751 h 1602"/>
-                <a:gd name="T50" fmla="*/ 1802 w 1802"/>
-                <a:gd name="T51" fmla="*/ 745 h 1602"/>
-                <a:gd name="T52" fmla="*/ 1801 w 1802"/>
-                <a:gd name="T53" fmla="*/ 742 h 1602"/>
-                <a:gd name="T54" fmla="*/ 902 w 1802"/>
-                <a:gd name="T55" fmla="*/ 0 h 1602"/>
-              </a:gdLst>
-              <a:ahLst/>
-              <a:cxnLst>
-                <a:cxn ang="0">
-                  <a:pos x="T0" y="T1"/>
-                </a:cxn>
-                <a:cxn ang="0">
-                  <a:pos x="T2" y="T3"/>
-                </a:cxn>
-                <a:cxn ang="0">
-                  <a:pos x="T4" y="T5"/>
-                </a:cxn>
-                <a:cxn ang="0">
-                  <a:pos x="T6" y="T7"/>
-                </a:cxn>
-                <a:cxn ang="0">
-                  <a:pos x="T8" y="T9"/>
-                </a:cxn>
-                <a:cxn ang="0">
-                  <a:pos x="T10" y="T11"/>
-                </a:cxn>
-                <a:cxn ang="0">
-                  <a:pos x="T12" y="T13"/>
-                </a:cxn>
-                <a:cxn ang="0">
-                  <a:pos x="T14" y="T15"/>
-                </a:cxn>
-                <a:cxn ang="0">
-                  <a:pos x="T16" y="T17"/>
-                </a:cxn>
-                <a:cxn ang="0">
-                  <a:pos x="T18" y="T19"/>
-                </a:cxn>
-                <a:cxn ang="0">
-                  <a:pos x="T20" y="T21"/>
-                </a:cxn>
-                <a:cxn ang="0">
-                  <a:pos x="T22" y="T23"/>
-                </a:cxn>
-                <a:cxn ang="0">
-                  <a:pos x="T24" y="T25"/>
-                </a:cxn>
-                <a:cxn ang="0">
-                  <a:pos x="T26" y="T27"/>
-                </a:cxn>
-                <a:cxn ang="0">
-                  <a:pos x="T28" y="T29"/>
-                </a:cxn>
-                <a:cxn ang="0">
-                  <a:pos x="T30" y="T31"/>
-                </a:cxn>
-                <a:cxn ang="0">
-                  <a:pos x="T32" y="T33"/>
-                </a:cxn>
-                <a:cxn ang="0">
-                  <a:pos x="T34" y="T35"/>
-                </a:cxn>
-                <a:cxn ang="0">
-                  <a:pos x="T36" y="T37"/>
-                </a:cxn>
-                <a:cxn ang="0">
-                  <a:pos x="T38" y="T39"/>
-                </a:cxn>
-                <a:cxn ang="0">
-                  <a:pos x="T40" y="T41"/>
-                </a:cxn>
-                <a:cxn ang="0">
-                  <a:pos x="T42" y="T43"/>
-                </a:cxn>
-                <a:cxn ang="0">
-                  <a:pos x="T44" y="T45"/>
-                </a:cxn>
-                <a:cxn ang="0">
-                  <a:pos x="T46" y="T47"/>
-                </a:cxn>
-                <a:cxn ang="0">
-                  <a:pos x="T48" y="T49"/>
-                </a:cxn>
-                <a:cxn ang="0">
-                  <a:pos x="T50" y="T51"/>
-                </a:cxn>
-                <a:cxn ang="0">
-                  <a:pos x="T52" y="T53"/>
-                </a:cxn>
-                <a:cxn ang="0">
-                  <a:pos x="T54" y="T55"/>
-                </a:cxn>
-              </a:cxnLst>
-              <a:rect l="0" t="0" r="r" b="b"/>
-              <a:pathLst>
-                <a:path w="1802" h="1602">
-                  <a:moveTo>
-                    <a:pt x="902" y="0"/>
-                  </a:moveTo>
-                  <a:lnTo>
-                    <a:pt x="2" y="742"/>
-                  </a:lnTo>
-                  <a:lnTo>
-                    <a:pt x="2" y="743"/>
-                  </a:lnTo>
-                  <a:lnTo>
-                    <a:pt x="2" y="746"/>
-                  </a:lnTo>
-                  <a:lnTo>
-                    <a:pt x="0" y="749"/>
-                  </a:lnTo>
-                  <a:lnTo>
-                    <a:pt x="0" y="751"/>
-                  </a:lnTo>
-                  <a:lnTo>
-                    <a:pt x="0" y="1501"/>
-                  </a:lnTo>
-                  <a:lnTo>
-                    <a:pt x="2" y="1521"/>
-                  </a:lnTo>
-                  <a:lnTo>
-                    <a:pt x="16" y="1557"/>
-                  </a:lnTo>
-                  <a:lnTo>
-                    <a:pt x="30" y="1572"/>
-                  </a:lnTo>
-                  <a:lnTo>
-                    <a:pt x="45" y="1586"/>
-                  </a:lnTo>
-                  <a:lnTo>
-                    <a:pt x="81" y="1601"/>
-                  </a:lnTo>
-                  <a:lnTo>
-                    <a:pt x="100" y="1602"/>
-                  </a:lnTo>
-                  <a:lnTo>
-                    <a:pt x="702" y="1602"/>
-                  </a:lnTo>
-                  <a:lnTo>
-                    <a:pt x="702" y="1001"/>
-                  </a:lnTo>
-                  <a:lnTo>
-                    <a:pt x="1102" y="1001"/>
-                  </a:lnTo>
-                  <a:lnTo>
-                    <a:pt x="1102" y="1602"/>
-                  </a:lnTo>
-                  <a:lnTo>
-                    <a:pt x="1703" y="1602"/>
-                  </a:lnTo>
-                  <a:lnTo>
-                    <a:pt x="1723" y="1601"/>
-                  </a:lnTo>
-                  <a:lnTo>
-                    <a:pt x="1758" y="1586"/>
-                  </a:lnTo>
-                  <a:lnTo>
-                    <a:pt x="1773" y="1572"/>
-                  </a:lnTo>
-                  <a:lnTo>
-                    <a:pt x="1786" y="1557"/>
-                  </a:lnTo>
-                  <a:lnTo>
-                    <a:pt x="1802" y="1521"/>
-                  </a:lnTo>
-                  <a:lnTo>
-                    <a:pt x="1802" y="1501"/>
-                  </a:lnTo>
-                  <a:lnTo>
-                    <a:pt x="1802" y="751"/>
-                  </a:lnTo>
-                  <a:lnTo>
-                    <a:pt x="1802" y="745"/>
-                  </a:lnTo>
-                  <a:lnTo>
-                    <a:pt x="1801" y="742"/>
-                  </a:lnTo>
-                  <a:lnTo>
-                    <a:pt x="902" y="0"/>
-                  </a:lnTo>
-                  <a:close/>
-                </a:path>
-              </a:pathLst>
-            </a:custGeom>
-            <a:grpFill/>
-            <a:ln>
-              <a:noFill/>
-            </a:ln>
-            <a:extLst>
-              <a:ext uri="{91240B29-F687-4F45-9708-019B960494DF}">
-                <a14:hiddenLine xmlns:a14="http://schemas.microsoft.com/office/drawing/2010/main" w="9525">
-                  <a:solidFill>
-                    <a:srgbClr val="000000"/>
-                  </a:solidFill>
-                  <a:round/>
-                  <a:headEnd/>
-                  <a:tailEnd/>
-                </a14:hiddenLine>
-              </a:ext>
-            </a:extLst>
-          </p:spPr>
-          <p:txBody>
-            <a:bodyPr vert="horz" wrap="square" lIns="91440" tIns="45720" rIns="91440" bIns="45720" numCol="1" anchor="t" anchorCtr="0" compatLnSpc="1">
-              <a:prstTxWarp prst="textNoShape">
-                <a:avLst/>
-              </a:prstTxWarp>
-            </a:bodyPr>
-            <a:lstStyle/>
-            <a:p>
-              <a:endParaRPr lang="ko-KR" altLang="en-US">
-                <a:solidFill>
-                  <a:prstClr val="black"/>
-                </a:solidFill>
-              </a:endParaRPr>
-            </a:p>
-          </p:txBody>
-        </p:sp>
-        <p:sp>
-          <p:nvSpPr>
-            <p:cNvPr id="22" name="Freeform 14"/>
-            <p:cNvSpPr>
-              <a:spLocks/>
-            </p:cNvSpPr>
-            <p:nvPr/>
-          </p:nvSpPr>
-          <p:spPr bwMode="auto">
-            <a:xfrm>
-              <a:off x="6124" y="305"/>
-              <a:ext cx="841" cy="394"/>
-            </a:xfrm>
-            <a:custGeom>
-              <a:avLst/>
-              <a:gdLst>
-                <a:gd name="T0" fmla="*/ 2505 w 2522"/>
-                <a:gd name="T1" fmla="*/ 978 h 1181"/>
-                <a:gd name="T2" fmla="*/ 2162 w 2522"/>
-                <a:gd name="T3" fmla="*/ 694 h 1181"/>
-                <a:gd name="T4" fmla="*/ 2162 w 2522"/>
-                <a:gd name="T5" fmla="*/ 54 h 1181"/>
-                <a:gd name="T6" fmla="*/ 2162 w 2522"/>
-                <a:gd name="T7" fmla="*/ 44 h 1181"/>
-                <a:gd name="T8" fmla="*/ 2155 w 2522"/>
-                <a:gd name="T9" fmla="*/ 26 h 1181"/>
-                <a:gd name="T10" fmla="*/ 2149 w 2522"/>
-                <a:gd name="T11" fmla="*/ 18 h 1181"/>
-                <a:gd name="T12" fmla="*/ 2141 w 2522"/>
-                <a:gd name="T13" fmla="*/ 13 h 1181"/>
-                <a:gd name="T14" fmla="*/ 2123 w 2522"/>
-                <a:gd name="T15" fmla="*/ 5 h 1181"/>
-                <a:gd name="T16" fmla="*/ 2113 w 2522"/>
-                <a:gd name="T17" fmla="*/ 5 h 1181"/>
-                <a:gd name="T18" fmla="*/ 1812 w 2522"/>
-                <a:gd name="T19" fmla="*/ 5 h 1181"/>
-                <a:gd name="T20" fmla="*/ 1802 w 2522"/>
-                <a:gd name="T21" fmla="*/ 5 h 1181"/>
-                <a:gd name="T22" fmla="*/ 1783 w 2522"/>
-                <a:gd name="T23" fmla="*/ 13 h 1181"/>
-                <a:gd name="T24" fmla="*/ 1776 w 2522"/>
-                <a:gd name="T25" fmla="*/ 18 h 1181"/>
-                <a:gd name="T26" fmla="*/ 1770 w 2522"/>
-                <a:gd name="T27" fmla="*/ 26 h 1181"/>
-                <a:gd name="T28" fmla="*/ 1763 w 2522"/>
-                <a:gd name="T29" fmla="*/ 44 h 1181"/>
-                <a:gd name="T30" fmla="*/ 1762 w 2522"/>
-                <a:gd name="T31" fmla="*/ 54 h 1181"/>
-                <a:gd name="T32" fmla="*/ 1762 w 2522"/>
-                <a:gd name="T33" fmla="*/ 360 h 1181"/>
-                <a:gd name="T34" fmla="*/ 1380 w 2522"/>
-                <a:gd name="T35" fmla="*/ 41 h 1181"/>
-                <a:gd name="T36" fmla="*/ 1354 w 2522"/>
-                <a:gd name="T37" fmla="*/ 23 h 1181"/>
-                <a:gd name="T38" fmla="*/ 1295 w 2522"/>
-                <a:gd name="T39" fmla="*/ 1 h 1181"/>
-                <a:gd name="T40" fmla="*/ 1262 w 2522"/>
-                <a:gd name="T41" fmla="*/ 0 h 1181"/>
-                <a:gd name="T42" fmla="*/ 1227 w 2522"/>
-                <a:gd name="T43" fmla="*/ 1 h 1181"/>
-                <a:gd name="T44" fmla="*/ 1168 w 2522"/>
-                <a:gd name="T45" fmla="*/ 23 h 1181"/>
-                <a:gd name="T46" fmla="*/ 1142 w 2522"/>
-                <a:gd name="T47" fmla="*/ 41 h 1181"/>
-                <a:gd name="T48" fmla="*/ 17 w 2522"/>
-                <a:gd name="T49" fmla="*/ 978 h 1181"/>
-                <a:gd name="T50" fmla="*/ 10 w 2522"/>
-                <a:gd name="T51" fmla="*/ 985 h 1181"/>
-                <a:gd name="T52" fmla="*/ 1 w 2522"/>
-                <a:gd name="T53" fmla="*/ 1001 h 1181"/>
-                <a:gd name="T54" fmla="*/ 0 w 2522"/>
-                <a:gd name="T55" fmla="*/ 1012 h 1181"/>
-                <a:gd name="T56" fmla="*/ 0 w 2522"/>
-                <a:gd name="T57" fmla="*/ 1023 h 1181"/>
-                <a:gd name="T58" fmla="*/ 6 w 2522"/>
-                <a:gd name="T59" fmla="*/ 1040 h 1181"/>
-                <a:gd name="T60" fmla="*/ 12 w 2522"/>
-                <a:gd name="T61" fmla="*/ 1048 h 1181"/>
-                <a:gd name="T62" fmla="*/ 108 w 2522"/>
-                <a:gd name="T63" fmla="*/ 1164 h 1181"/>
-                <a:gd name="T64" fmla="*/ 122 w 2522"/>
-                <a:gd name="T65" fmla="*/ 1177 h 1181"/>
-                <a:gd name="T66" fmla="*/ 141 w 2522"/>
-                <a:gd name="T67" fmla="*/ 1181 h 1181"/>
-                <a:gd name="T68" fmla="*/ 160 w 2522"/>
-                <a:gd name="T69" fmla="*/ 1181 h 1181"/>
-                <a:gd name="T70" fmla="*/ 179 w 2522"/>
-                <a:gd name="T71" fmla="*/ 1171 h 1181"/>
-                <a:gd name="T72" fmla="*/ 1262 w 2522"/>
-                <a:gd name="T73" fmla="*/ 268 h 1181"/>
-                <a:gd name="T74" fmla="*/ 2344 w 2522"/>
-                <a:gd name="T75" fmla="*/ 1171 h 1181"/>
-                <a:gd name="T76" fmla="*/ 2358 w 2522"/>
-                <a:gd name="T77" fmla="*/ 1180 h 1181"/>
-                <a:gd name="T78" fmla="*/ 2377 w 2522"/>
-                <a:gd name="T79" fmla="*/ 1181 h 1181"/>
-                <a:gd name="T80" fmla="*/ 2383 w 2522"/>
-                <a:gd name="T81" fmla="*/ 1181 h 1181"/>
-                <a:gd name="T82" fmla="*/ 2401 w 2522"/>
-                <a:gd name="T83" fmla="*/ 1177 h 1181"/>
-                <a:gd name="T84" fmla="*/ 2414 w 2522"/>
-                <a:gd name="T85" fmla="*/ 1164 h 1181"/>
-                <a:gd name="T86" fmla="*/ 2512 w 2522"/>
-                <a:gd name="T87" fmla="*/ 1048 h 1181"/>
-                <a:gd name="T88" fmla="*/ 2518 w 2522"/>
-                <a:gd name="T89" fmla="*/ 1040 h 1181"/>
-                <a:gd name="T90" fmla="*/ 2522 w 2522"/>
-                <a:gd name="T91" fmla="*/ 1023 h 1181"/>
-                <a:gd name="T92" fmla="*/ 2522 w 2522"/>
-                <a:gd name="T93" fmla="*/ 1012 h 1181"/>
-                <a:gd name="T94" fmla="*/ 2521 w 2522"/>
-                <a:gd name="T95" fmla="*/ 1001 h 1181"/>
-                <a:gd name="T96" fmla="*/ 2512 w 2522"/>
-                <a:gd name="T97" fmla="*/ 985 h 1181"/>
-                <a:gd name="T98" fmla="*/ 2505 w 2522"/>
-                <a:gd name="T99" fmla="*/ 978 h 1181"/>
-              </a:gdLst>
-              <a:ahLst/>
-              <a:cxnLst>
-                <a:cxn ang="0">
-                  <a:pos x="T0" y="T1"/>
-                </a:cxn>
-                <a:cxn ang="0">
-                  <a:pos x="T2" y="T3"/>
-                </a:cxn>
-                <a:cxn ang="0">
-                  <a:pos x="T4" y="T5"/>
-                </a:cxn>
-                <a:cxn ang="0">
-                  <a:pos x="T6" y="T7"/>
-                </a:cxn>
-                <a:cxn ang="0">
-                  <a:pos x="T8" y="T9"/>
-                </a:cxn>
-                <a:cxn ang="0">
-                  <a:pos x="T10" y="T11"/>
-                </a:cxn>
-                <a:cxn ang="0">
-                  <a:pos x="T12" y="T13"/>
-                </a:cxn>
-                <a:cxn ang="0">
-                  <a:pos x="T14" y="T15"/>
-                </a:cxn>
-                <a:cxn ang="0">
-                  <a:pos x="T16" y="T17"/>
-                </a:cxn>
-                <a:cxn ang="0">
-                  <a:pos x="T18" y="T19"/>
-                </a:cxn>
-                <a:cxn ang="0">
-                  <a:pos x="T20" y="T21"/>
-                </a:cxn>
-                <a:cxn ang="0">
-                  <a:pos x="T22" y="T23"/>
-                </a:cxn>
-                <a:cxn ang="0">
-                  <a:pos x="T24" y="T25"/>
-                </a:cxn>
-                <a:cxn ang="0">
-                  <a:pos x="T26" y="T27"/>
-                </a:cxn>
-                <a:cxn ang="0">
-                  <a:pos x="T28" y="T29"/>
-                </a:cxn>
-                <a:cxn ang="0">
-                  <a:pos x="T30" y="T31"/>
-                </a:cxn>
-                <a:cxn ang="0">
-                  <a:pos x="T32" y="T33"/>
-                </a:cxn>
-                <a:cxn ang="0">
-                  <a:pos x="T34" y="T35"/>
-                </a:cxn>
-                <a:cxn ang="0">
-                  <a:pos x="T36" y="T37"/>
-                </a:cxn>
-                <a:cxn ang="0">
-                  <a:pos x="T38" y="T39"/>
-                </a:cxn>
-                <a:cxn ang="0">
-                  <a:pos x="T40" y="T41"/>
-                </a:cxn>
-                <a:cxn ang="0">
-                  <a:pos x="T42" y="T43"/>
-                </a:cxn>
-                <a:cxn ang="0">
-                  <a:pos x="T44" y="T45"/>
-                </a:cxn>
-                <a:cxn ang="0">
-                  <a:pos x="T46" y="T47"/>
-                </a:cxn>
-                <a:cxn ang="0">
-                  <a:pos x="T48" y="T49"/>
-                </a:cxn>
-                <a:cxn ang="0">
-                  <a:pos x="T50" y="T51"/>
-                </a:cxn>
-                <a:cxn ang="0">
-                  <a:pos x="T52" y="T53"/>
-                </a:cxn>
-                <a:cxn ang="0">
-                  <a:pos x="T54" y="T55"/>
-                </a:cxn>
-                <a:cxn ang="0">
-                  <a:pos x="T56" y="T57"/>
-                </a:cxn>
-                <a:cxn ang="0">
-                  <a:pos x="T58" y="T59"/>
-                </a:cxn>
-                <a:cxn ang="0">
-                  <a:pos x="T60" y="T61"/>
-                </a:cxn>
-                <a:cxn ang="0">
-                  <a:pos x="T62" y="T63"/>
-                </a:cxn>
-                <a:cxn ang="0">
-                  <a:pos x="T64" y="T65"/>
-                </a:cxn>
-                <a:cxn ang="0">
-                  <a:pos x="T66" y="T67"/>
-                </a:cxn>
-                <a:cxn ang="0">
-                  <a:pos x="T68" y="T69"/>
-                </a:cxn>
-                <a:cxn ang="0">
-                  <a:pos x="T70" y="T71"/>
-                </a:cxn>
-                <a:cxn ang="0">
-                  <a:pos x="T72" y="T73"/>
-                </a:cxn>
-                <a:cxn ang="0">
-                  <a:pos x="T74" y="T75"/>
-                </a:cxn>
-                <a:cxn ang="0">
-                  <a:pos x="T76" y="T77"/>
-                </a:cxn>
-                <a:cxn ang="0">
-                  <a:pos x="T78" y="T79"/>
-                </a:cxn>
-                <a:cxn ang="0">
-                  <a:pos x="T80" y="T81"/>
-                </a:cxn>
-                <a:cxn ang="0">
-                  <a:pos x="T82" y="T83"/>
-                </a:cxn>
-                <a:cxn ang="0">
-                  <a:pos x="T84" y="T85"/>
-                </a:cxn>
-                <a:cxn ang="0">
-                  <a:pos x="T86" y="T87"/>
-                </a:cxn>
-                <a:cxn ang="0">
-                  <a:pos x="T88" y="T89"/>
-                </a:cxn>
-                <a:cxn ang="0">
-                  <a:pos x="T90" y="T91"/>
-                </a:cxn>
-                <a:cxn ang="0">
-                  <a:pos x="T92" y="T93"/>
-                </a:cxn>
-                <a:cxn ang="0">
-                  <a:pos x="T94" y="T95"/>
-                </a:cxn>
-                <a:cxn ang="0">
-                  <a:pos x="T96" y="T97"/>
-                </a:cxn>
-                <a:cxn ang="0">
-                  <a:pos x="T98" y="T99"/>
-                </a:cxn>
-              </a:cxnLst>
-              <a:rect l="0" t="0" r="r" b="b"/>
-              <a:pathLst>
-                <a:path w="2522" h="1181">
-                  <a:moveTo>
-                    <a:pt x="2505" y="978"/>
-                  </a:moveTo>
-                  <a:lnTo>
-                    <a:pt x="2162" y="694"/>
-                  </a:lnTo>
-                  <a:lnTo>
-                    <a:pt x="2162" y="54"/>
-                  </a:lnTo>
-                  <a:lnTo>
-                    <a:pt x="2162" y="44"/>
-                  </a:lnTo>
-                  <a:lnTo>
-                    <a:pt x="2155" y="26"/>
-                  </a:lnTo>
-                  <a:lnTo>
-                    <a:pt x="2149" y="18"/>
-                  </a:lnTo>
-                  <a:lnTo>
-                    <a:pt x="2141" y="13"/>
-                  </a:lnTo>
-                  <a:lnTo>
-                    <a:pt x="2123" y="5"/>
-                  </a:lnTo>
-                  <a:lnTo>
-                    <a:pt x="2113" y="5"/>
-                  </a:lnTo>
-                  <a:lnTo>
-                    <a:pt x="1812" y="5"/>
-                  </a:lnTo>
-                  <a:lnTo>
-                    <a:pt x="1802" y="5"/>
-                  </a:lnTo>
-                  <a:lnTo>
-                    <a:pt x="1783" y="13"/>
-                  </a:lnTo>
-                  <a:lnTo>
-                    <a:pt x="1776" y="18"/>
-                  </a:lnTo>
-                  <a:lnTo>
-                    <a:pt x="1770" y="26"/>
-                  </a:lnTo>
-                  <a:lnTo>
-                    <a:pt x="1763" y="44"/>
-                  </a:lnTo>
-                  <a:lnTo>
-                    <a:pt x="1762" y="54"/>
-                  </a:lnTo>
-                  <a:lnTo>
-                    <a:pt x="1762" y="360"/>
-                  </a:lnTo>
-                  <a:lnTo>
-                    <a:pt x="1380" y="41"/>
-                  </a:lnTo>
-                  <a:lnTo>
-                    <a:pt x="1354" y="23"/>
-                  </a:lnTo>
-                  <a:lnTo>
-                    <a:pt x="1295" y="1"/>
-                  </a:lnTo>
-                  <a:lnTo>
-                    <a:pt x="1262" y="0"/>
-                  </a:lnTo>
-                  <a:lnTo>
-                    <a:pt x="1227" y="1"/>
-                  </a:lnTo>
-                  <a:lnTo>
-                    <a:pt x="1168" y="23"/>
-                  </a:lnTo>
-                  <a:lnTo>
-                    <a:pt x="1142" y="41"/>
-                  </a:lnTo>
-                  <a:lnTo>
-                    <a:pt x="17" y="978"/>
-                  </a:lnTo>
-                  <a:lnTo>
-                    <a:pt x="10" y="985"/>
-                  </a:lnTo>
-                  <a:lnTo>
-                    <a:pt x="1" y="1001"/>
-                  </a:lnTo>
-                  <a:lnTo>
-                    <a:pt x="0" y="1012"/>
-                  </a:lnTo>
-                  <a:lnTo>
-                    <a:pt x="0" y="1023"/>
-                  </a:lnTo>
-                  <a:lnTo>
-                    <a:pt x="6" y="1040"/>
-                  </a:lnTo>
-                  <a:lnTo>
-                    <a:pt x="12" y="1048"/>
-                  </a:lnTo>
-                  <a:lnTo>
-                    <a:pt x="108" y="1164"/>
-                  </a:lnTo>
-                  <a:lnTo>
-                    <a:pt x="122" y="1177"/>
-                  </a:lnTo>
-                  <a:lnTo>
-                    <a:pt x="141" y="1181"/>
-                  </a:lnTo>
-                  <a:lnTo>
-                    <a:pt x="160" y="1181"/>
-                  </a:lnTo>
-                  <a:lnTo>
-                    <a:pt x="179" y="1171"/>
-                  </a:lnTo>
-                  <a:lnTo>
-                    <a:pt x="1262" y="268"/>
-                  </a:lnTo>
-                  <a:lnTo>
-                    <a:pt x="2344" y="1171"/>
-                  </a:lnTo>
-                  <a:lnTo>
-                    <a:pt x="2358" y="1180"/>
-                  </a:lnTo>
-                  <a:lnTo>
-                    <a:pt x="2377" y="1181"/>
-                  </a:lnTo>
-                  <a:lnTo>
-                    <a:pt x="2383" y="1181"/>
-                  </a:lnTo>
-                  <a:lnTo>
-                    <a:pt x="2401" y="1177"/>
-                  </a:lnTo>
-                  <a:lnTo>
-                    <a:pt x="2414" y="1164"/>
-                  </a:lnTo>
-                  <a:lnTo>
-                    <a:pt x="2512" y="1048"/>
-                  </a:lnTo>
-                  <a:lnTo>
-                    <a:pt x="2518" y="1040"/>
-                  </a:lnTo>
-                  <a:lnTo>
-                    <a:pt x="2522" y="1023"/>
-                  </a:lnTo>
-                  <a:lnTo>
-                    <a:pt x="2522" y="1012"/>
-                  </a:lnTo>
-                  <a:lnTo>
-                    <a:pt x="2521" y="1001"/>
-                  </a:lnTo>
-                  <a:lnTo>
-                    <a:pt x="2512" y="985"/>
-                  </a:lnTo>
-                  <a:lnTo>
-                    <a:pt x="2505" y="978"/>
-                  </a:lnTo>
-                  <a:close/>
-                </a:path>
-              </a:pathLst>
-            </a:custGeom>
-            <a:grpFill/>
-            <a:ln>
-              <a:noFill/>
-            </a:ln>
-            <a:extLst>
-              <a:ext uri="{91240B29-F687-4F45-9708-019B960494DF}">
-                <a14:hiddenLine xmlns:a14="http://schemas.microsoft.com/office/drawing/2010/main" w="9525">
-                  <a:solidFill>
-                    <a:srgbClr val="000000"/>
-                  </a:solidFill>
-                  <a:round/>
-                  <a:headEnd/>
-                  <a:tailEnd/>
-                </a14:hiddenLine>
-              </a:ext>
-            </a:extLst>
-          </p:spPr>
-          <p:txBody>
-            <a:bodyPr vert="horz" wrap="square" lIns="91440" tIns="45720" rIns="91440" bIns="45720" numCol="1" anchor="t" anchorCtr="0" compatLnSpc="1">
-              <a:prstTxWarp prst="textNoShape">
-                <a:avLst/>
-              </a:prstTxWarp>
-            </a:bodyPr>
-            <a:lstStyle/>
-            <a:p>
-              <a:endParaRPr lang="ko-KR" altLang="en-US">
-                <a:solidFill>
-                  <a:prstClr val="black"/>
-                </a:solidFill>
-              </a:endParaRPr>
-            </a:p>
-          </p:txBody>
-        </p:sp>
-      </p:grpSp>
-      <p:sp>
-        <p:nvSpPr>
-          <p:cNvPr id="33" name="직사각형 32"/>
-          <p:cNvSpPr/>
-          <p:nvPr/>
-        </p:nvSpPr>
-        <p:spPr>
-          <a:xfrm>
-            <a:off x="236536" y="1030641"/>
-            <a:ext cx="630239" cy="184666"/>
-          </a:xfrm>
-          <a:prstGeom prst="rect">
-            <a:avLst/>
-          </a:prstGeom>
-        </p:spPr>
-        <p:txBody>
-          <a:bodyPr wrap="square">
-            <a:spAutoFit/>
-          </a:bodyPr>
-          <a:lstStyle/>
-          <a:p>
-            <a:pPr algn="ctr"/>
-            <a:r>
-              <a:rPr lang="en-US" altLang="ko-KR" sz="600" dirty="0">
-                <a:solidFill>
-                  <a:prstClr val="white"/>
-                </a:solidFill>
-              </a:rPr>
-              <a:t>seok830621</a:t>
-            </a:r>
-            <a:endParaRPr lang="ko-KR" altLang="en-US" sz="600" dirty="0">
-              <a:solidFill>
-                <a:prstClr val="white"/>
-              </a:solidFill>
-            </a:endParaRPr>
-          </a:p>
-        </p:txBody>
-      </p:sp>
-      <p:sp>
-        <p:nvSpPr>
-          <p:cNvPr id="35" name="타원 34"/>
-          <p:cNvSpPr/>
-          <p:nvPr/>
-        </p:nvSpPr>
-        <p:spPr>
-          <a:xfrm>
-            <a:off x="578088" y="3598980"/>
-            <a:ext cx="177525" cy="177525"/>
-          </a:xfrm>
-          <a:prstGeom prst="ellipse">
-            <a:avLst/>
-          </a:prstGeom>
-          <a:solidFill>
-            <a:srgbClr val="C00000"/>
-          </a:solidFill>
-          <a:ln>
-            <a:noFill/>
-          </a:ln>
-        </p:spPr>
-        <p:style>
-          <a:lnRef idx="2">
-            <a:schemeClr val="accent1">
-              <a:shade val="50000"/>
-            </a:schemeClr>
-          </a:lnRef>
-          <a:fillRef idx="1">
-            <a:schemeClr val="accent1"/>
-          </a:fillRef>
-          <a:effectRef idx="0">
-            <a:schemeClr val="accent1"/>
-          </a:effectRef>
-          <a:fontRef idx="minor">
-            <a:schemeClr val="lt1"/>
-          </a:fontRef>
-        </p:style>
-        <p:txBody>
-          <a:bodyPr wrap="none" lIns="36000" tIns="36000" rIns="36000" bIns="36000" rtlCol="0" anchor="ctr"/>
-          <a:lstStyle/>
-          <a:p>
-            <a:pPr algn="ctr"/>
-            <a:r>
-              <a:rPr lang="en-US" altLang="ko-KR" sz="1000" dirty="0">
-                <a:solidFill>
-                  <a:prstClr val="white"/>
-                </a:solidFill>
-              </a:rPr>
-              <a:t>3</a:t>
-            </a:r>
-            <a:endParaRPr lang="ko-KR" altLang="en-US" sz="1000" dirty="0">
-              <a:solidFill>
-                <a:prstClr val="white"/>
-              </a:solidFill>
-            </a:endParaRPr>
-          </a:p>
-        </p:txBody>
-      </p:sp>
-      <p:sp>
-        <p:nvSpPr>
-          <p:cNvPr id="51" name="타원 50"/>
-          <p:cNvSpPr/>
-          <p:nvPr/>
-        </p:nvSpPr>
-        <p:spPr>
-          <a:xfrm>
-            <a:off x="555404" y="4304681"/>
-            <a:ext cx="177525" cy="177525"/>
-          </a:xfrm>
-          <a:prstGeom prst="ellipse">
-            <a:avLst/>
-          </a:prstGeom>
-          <a:solidFill>
-            <a:srgbClr val="C00000"/>
-          </a:solidFill>
-          <a:ln>
-            <a:noFill/>
-          </a:ln>
-        </p:spPr>
-        <p:style>
-          <a:lnRef idx="2">
-            <a:schemeClr val="accent1">
-              <a:shade val="50000"/>
-            </a:schemeClr>
-          </a:lnRef>
-          <a:fillRef idx="1">
-            <a:schemeClr val="accent1"/>
-          </a:fillRef>
-          <a:effectRef idx="0">
-            <a:schemeClr val="accent1"/>
-          </a:effectRef>
-          <a:fontRef idx="minor">
-            <a:schemeClr val="lt1"/>
-          </a:fontRef>
-        </p:style>
-        <p:txBody>
-          <a:bodyPr wrap="none" lIns="36000" tIns="36000" rIns="36000" bIns="36000" rtlCol="0" anchor="ctr"/>
-          <a:lstStyle/>
-          <a:p>
-            <a:pPr algn="ctr"/>
-            <a:r>
-              <a:rPr lang="en-US" altLang="ko-KR" sz="600" dirty="0">
-                <a:solidFill>
-                  <a:prstClr val="white"/>
-                </a:solidFill>
-              </a:rPr>
-              <a:t>off</a:t>
-            </a:r>
-            <a:endParaRPr lang="ko-KR" altLang="en-US" sz="600" dirty="0">
-              <a:solidFill>
-                <a:prstClr val="white"/>
-              </a:solidFill>
-            </a:endParaRPr>
-          </a:p>
-        </p:txBody>
-      </p:sp>
-      <p:sp>
-        <p:nvSpPr>
-          <p:cNvPr id="26" name="직사각형 25">
-            <a:extLst>
-              <a:ext uri="{FF2B5EF4-FFF2-40B4-BE49-F238E27FC236}">
-                <a16:creationId xmlns:a16="http://schemas.microsoft.com/office/drawing/2014/main" id="{0D14C57A-33F7-4716-A34B-7D8C4B2B9732}"/>
-              </a:ext>
-            </a:extLst>
-          </p:cNvPr>
-          <p:cNvSpPr/>
-          <p:nvPr/>
-        </p:nvSpPr>
-        <p:spPr>
-          <a:xfrm>
-            <a:off x="1099164" y="495270"/>
-            <a:ext cx="1906291" cy="646331"/>
-          </a:xfrm>
-          <a:prstGeom prst="rect">
-            <a:avLst/>
-          </a:prstGeom>
-          <a:noFill/>
-        </p:spPr>
-        <p:txBody>
-          <a:bodyPr wrap="none" lIns="91440" tIns="45720" rIns="91440" bIns="45720">
-            <a:spAutoFit/>
-          </a:bodyPr>
-          <a:lstStyle/>
-          <a:p>
-            <a:r>
-              <a:rPr lang="en-US" altLang="ko-KR" sz="3600" b="0" cap="none" spc="0" dirty="0">
-                <a:ln w="0"/>
-                <a:solidFill>
-                  <a:schemeClr val="tx1"/>
-                </a:solidFill>
-                <a:effectLst>
-                  <a:outerShdw blurRad="38100" dist="19050" dir="2700000" algn="tl" rotWithShape="0">
-                    <a:schemeClr val="dk1">
-                      <a:alpha val="40000"/>
-                    </a:schemeClr>
-                  </a:outerShdw>
-                </a:effectLst>
-                <a:latin typeface="Vijaya" panose="02020604020202020204" pitchFamily="18" charset="0"/>
-                <a:cs typeface="Vijaya" panose="02020604020202020204" pitchFamily="18" charset="0"/>
-              </a:rPr>
-              <a:t>Using Data</a:t>
-            </a:r>
-          </a:p>
-        </p:txBody>
-      </p:sp>
-      <p:pic>
-        <p:nvPicPr>
-          <p:cNvPr id="2" name="그림 1">
-            <a:extLst>
-              <a:ext uri="{FF2B5EF4-FFF2-40B4-BE49-F238E27FC236}">
-                <a16:creationId xmlns:a16="http://schemas.microsoft.com/office/drawing/2014/main" id="{175AE203-7FC6-46CA-8EDC-553DEA4D6BEA}"/>
-              </a:ext>
-            </a:extLst>
-          </p:cNvPr>
-          <p:cNvPicPr>
-            <a:picLocks noChangeAspect="1"/>
-          </p:cNvPicPr>
-          <p:nvPr/>
-        </p:nvPicPr>
-        <p:blipFill rotWithShape="1">
-          <a:blip r:embed="rId3"/>
-          <a:srcRect l="7787" t="22856" r="77298" b="62593"/>
-          <a:stretch/>
-        </p:blipFill>
-        <p:spPr>
-          <a:xfrm>
-            <a:off x="1460649" y="2442709"/>
-            <a:ext cx="3935087" cy="2049661"/>
-          </a:xfrm>
-          <a:prstGeom prst="rect">
-            <a:avLst/>
-          </a:prstGeom>
-        </p:spPr>
-      </p:pic>
-      <p:pic>
-        <p:nvPicPr>
-          <p:cNvPr id="3" name="그림 2">
-            <a:extLst>
-              <a:ext uri="{FF2B5EF4-FFF2-40B4-BE49-F238E27FC236}">
-                <a16:creationId xmlns:a16="http://schemas.microsoft.com/office/drawing/2014/main" id="{98E0C49F-A507-4E39-B574-DE35DCABB5C4}"/>
-              </a:ext>
-            </a:extLst>
-          </p:cNvPr>
-          <p:cNvPicPr>
-            <a:picLocks noChangeAspect="1"/>
-          </p:cNvPicPr>
-          <p:nvPr/>
-        </p:nvPicPr>
-        <p:blipFill rotWithShape="1">
-          <a:blip r:embed="rId3"/>
-          <a:srcRect l="8346" t="41668" r="54118" b="28982"/>
-          <a:stretch/>
-        </p:blipFill>
-        <p:spPr>
-          <a:xfrm>
-            <a:off x="5989610" y="2512271"/>
-            <a:ext cx="4576426" cy="1910536"/>
-          </a:xfrm>
-          <a:prstGeom prst="rect">
-            <a:avLst/>
-          </a:prstGeom>
-        </p:spPr>
-      </p:pic>
-    </p:spTree>
-    <p:extLst>
-      <p:ext uri="{BB962C8B-B14F-4D97-AF65-F5344CB8AC3E}">
-        <p14:creationId xmlns:p14="http://schemas.microsoft.com/office/powerpoint/2010/main" val="2836882188"/>
-      </p:ext>
-    </p:extLst>
-  </p:cSld>
-  <p:clrMapOvr>
-    <a:masterClrMapping/>
-  </p:clrMapOvr>
-</p:sld>
-</file>
-
-<file path=ppt/slides/slide4.xml><?xml version="1.0" encoding="utf-8"?>
-<p:sld xmlns:a="http://schemas.openxmlformats.org/drawingml/2006/main" xmlns:r="http://schemas.openxmlformats.org/officeDocument/2006/relationships" xmlns:p="http://schemas.openxmlformats.org/presentationml/2006/main">
-  <p:cSld>
-    <p:bg>
-      <p:bgPr>
-        <a:solidFill>
-          <a:schemeClr val="bg1">
-            <a:lumMod val="95000"/>
-          </a:schemeClr>
-        </a:solidFill>
-        <a:effectLst/>
-      </p:bgPr>
-    </p:bg>
-    <p:spTree>
-      <p:nvGrpSpPr>
-        <p:cNvPr id="1" name=""/>
-        <p:cNvGrpSpPr/>
-        <p:nvPr/>
-      </p:nvGrpSpPr>
-      <p:grpSpPr>
-        <a:xfrm>
-          <a:off x="0" y="0"/>
-          <a:ext cx="0" cy="0"/>
-          <a:chOff x="0" y="0"/>
-          <a:chExt cx="0" cy="0"/>
-        </a:xfrm>
-      </p:grpSpPr>
-      <p:sp>
-        <p:nvSpPr>
           <p:cNvPr id="45" name="직사각형 44">
             <a:extLst>
               <a:ext uri="{FF2B5EF4-FFF2-40B4-BE49-F238E27FC236}">
@@ -22537,1242 +17736,36 @@
           </a:p>
         </p:txBody>
       </p:sp>
-      <p:grpSp>
-        <p:nvGrpSpPr>
-          <p:cNvPr id="65" name="그룹 64">
+      <p:pic>
+        <p:nvPicPr>
+          <p:cNvPr id="2" name="그림 1">
             <a:extLst>
               <a:ext uri="{FF2B5EF4-FFF2-40B4-BE49-F238E27FC236}">
-                <a16:creationId xmlns:a16="http://schemas.microsoft.com/office/drawing/2014/main" id="{2778312D-7BC5-4CDC-8D51-81AF138F40AE}"/>
+                <a16:creationId xmlns:a16="http://schemas.microsoft.com/office/drawing/2014/main" id="{36EB9808-544B-4336-819A-EE5276EDCFF4}"/>
               </a:ext>
             </a:extLst>
           </p:cNvPr>
-          <p:cNvGrpSpPr/>
+          <p:cNvPicPr>
+            <a:picLocks noChangeAspect="1"/>
+          </p:cNvPicPr>
           <p:nvPr/>
-        </p:nvGrpSpPr>
-        <p:grpSpPr>
-          <a:xfrm>
-            <a:off x="2296085" y="1312798"/>
-            <a:ext cx="8444753" cy="4625788"/>
-            <a:chOff x="2296085" y="1312798"/>
-            <a:chExt cx="8444753" cy="4625788"/>
-          </a:xfrm>
-        </p:grpSpPr>
-        <p:grpSp>
-          <p:nvGrpSpPr>
-            <p:cNvPr id="46" name="그룹 45">
-              <a:extLst>
-                <a:ext uri="{FF2B5EF4-FFF2-40B4-BE49-F238E27FC236}">
-                  <a16:creationId xmlns:a16="http://schemas.microsoft.com/office/drawing/2014/main" id="{BA98D224-3165-4B49-A325-19F73F7E3AAF}"/>
-                </a:ext>
-              </a:extLst>
-            </p:cNvPr>
-            <p:cNvGrpSpPr/>
-            <p:nvPr/>
-          </p:nvGrpSpPr>
-          <p:grpSpPr>
-            <a:xfrm>
-              <a:off x="2296085" y="1312798"/>
-              <a:ext cx="8444753" cy="4625788"/>
-              <a:chOff x="2296085" y="1312798"/>
-              <a:chExt cx="8444753" cy="4625788"/>
-            </a:xfrm>
-          </p:grpSpPr>
-          <p:sp>
-            <p:nvSpPr>
-              <p:cNvPr id="47" name="직사각형 46">
-                <a:extLst>
-                  <a:ext uri="{FF2B5EF4-FFF2-40B4-BE49-F238E27FC236}">
-                    <a16:creationId xmlns:a16="http://schemas.microsoft.com/office/drawing/2014/main" id="{42E1E0FB-2511-4C5C-B72D-52AABC0F59F3}"/>
-                  </a:ext>
-                </a:extLst>
-              </p:cNvPr>
-              <p:cNvSpPr/>
-              <p:nvPr/>
-            </p:nvSpPr>
-            <p:spPr>
-              <a:xfrm>
-                <a:off x="2296085" y="1312798"/>
-                <a:ext cx="8444753" cy="4625788"/>
-              </a:xfrm>
-              <a:prstGeom prst="rect">
-                <a:avLst/>
-              </a:prstGeom>
-              <a:solidFill>
-                <a:schemeClr val="bg2"/>
-              </a:solidFill>
-            </p:spPr>
-            <p:style>
-              <a:lnRef idx="2">
-                <a:schemeClr val="accent1">
-                  <a:shade val="50000"/>
-                </a:schemeClr>
-              </a:lnRef>
-              <a:fillRef idx="1">
-                <a:schemeClr val="accent1"/>
-              </a:fillRef>
-              <a:effectRef idx="0">
-                <a:schemeClr val="accent1"/>
-              </a:effectRef>
-              <a:fontRef idx="minor">
-                <a:schemeClr val="lt1"/>
-              </a:fontRef>
-            </p:style>
-            <p:txBody>
-              <a:bodyPr rtlCol="0" anchor="ctr"/>
-              <a:lstStyle/>
-              <a:p>
-                <a:pPr algn="ctr"/>
-                <a:endParaRPr lang="ko-KR" altLang="en-US"/>
-              </a:p>
-            </p:txBody>
-          </p:sp>
-          <p:sp>
-            <p:nvSpPr>
-              <p:cNvPr id="48" name="곱하기 기호 47">
-                <a:extLst>
-                  <a:ext uri="{FF2B5EF4-FFF2-40B4-BE49-F238E27FC236}">
-                    <a16:creationId xmlns:a16="http://schemas.microsoft.com/office/drawing/2014/main" id="{388FADD4-CFA8-48E9-83A2-DFBF4C47FFE9}"/>
-                  </a:ext>
-                </a:extLst>
-              </p:cNvPr>
-              <p:cNvSpPr/>
-              <p:nvPr/>
-            </p:nvSpPr>
-            <p:spPr>
-              <a:xfrm>
-                <a:off x="10418108" y="1312798"/>
-                <a:ext cx="322730" cy="345289"/>
-              </a:xfrm>
-              <a:prstGeom prst="mathMultiply">
-                <a:avLst/>
-              </a:prstGeom>
-              <a:solidFill>
-                <a:schemeClr val="tx1">
-                  <a:lumMod val="95000"/>
-                  <a:lumOff val="5000"/>
-                </a:schemeClr>
-              </a:solidFill>
-              <a:ln>
-                <a:solidFill>
-                  <a:schemeClr val="tx1">
-                    <a:lumMod val="95000"/>
-                    <a:lumOff val="5000"/>
-                  </a:schemeClr>
-                </a:solidFill>
-              </a:ln>
-            </p:spPr>
-            <p:style>
-              <a:lnRef idx="2">
-                <a:schemeClr val="accent1">
-                  <a:shade val="50000"/>
-                </a:schemeClr>
-              </a:lnRef>
-              <a:fillRef idx="1">
-                <a:schemeClr val="accent1"/>
-              </a:fillRef>
-              <a:effectRef idx="0">
-                <a:schemeClr val="accent1"/>
-              </a:effectRef>
-              <a:fontRef idx="minor">
-                <a:schemeClr val="lt1"/>
-              </a:fontRef>
-            </p:style>
-            <p:txBody>
-              <a:bodyPr rtlCol="0" anchor="ctr"/>
-              <a:lstStyle/>
-              <a:p>
-                <a:pPr algn="ctr"/>
-                <a:endParaRPr lang="ko-KR" altLang="en-US"/>
-              </a:p>
-            </p:txBody>
-          </p:sp>
-          <p:sp>
-            <p:nvSpPr>
-              <p:cNvPr id="49" name="직사각형 48">
-                <a:extLst>
-                  <a:ext uri="{FF2B5EF4-FFF2-40B4-BE49-F238E27FC236}">
-                    <a16:creationId xmlns:a16="http://schemas.microsoft.com/office/drawing/2014/main" id="{4D561372-77BD-4040-A20B-7A983EB28928}"/>
-                  </a:ext>
-                </a:extLst>
-              </p:cNvPr>
-              <p:cNvSpPr/>
-              <p:nvPr/>
-            </p:nvSpPr>
-            <p:spPr>
-              <a:xfrm>
-                <a:off x="9620249" y="1436137"/>
-                <a:ext cx="322730" cy="113415"/>
-              </a:xfrm>
-              <a:prstGeom prst="rect">
-                <a:avLst/>
-              </a:prstGeom>
-              <a:solidFill>
-                <a:schemeClr val="tx1"/>
-              </a:solidFill>
-              <a:ln>
-                <a:solidFill>
-                  <a:schemeClr val="tx1"/>
-                </a:solidFill>
-              </a:ln>
-            </p:spPr>
-            <p:style>
-              <a:lnRef idx="2">
-                <a:schemeClr val="accent1">
-                  <a:shade val="50000"/>
-                </a:schemeClr>
-              </a:lnRef>
-              <a:fillRef idx="1">
-                <a:schemeClr val="accent1"/>
-              </a:fillRef>
-              <a:effectRef idx="0">
-                <a:schemeClr val="accent1"/>
-              </a:effectRef>
-              <a:fontRef idx="minor">
-                <a:schemeClr val="lt1"/>
-              </a:fontRef>
-            </p:style>
-            <p:txBody>
-              <a:bodyPr rtlCol="0" anchor="ctr"/>
-              <a:lstStyle/>
-              <a:p>
-                <a:pPr algn="ctr"/>
-                <a:endParaRPr lang="ko-KR" altLang="en-US"/>
-              </a:p>
-            </p:txBody>
-          </p:sp>
-          <p:sp>
-            <p:nvSpPr>
-              <p:cNvPr id="50" name="직사각형 49">
-                <a:extLst>
-                  <a:ext uri="{FF2B5EF4-FFF2-40B4-BE49-F238E27FC236}">
-                    <a16:creationId xmlns:a16="http://schemas.microsoft.com/office/drawing/2014/main" id="{97B1479A-3AA5-4FFE-8C06-6240B6C3CBFE}"/>
-                  </a:ext>
-                </a:extLst>
-              </p:cNvPr>
-              <p:cNvSpPr/>
-              <p:nvPr/>
-            </p:nvSpPr>
-            <p:spPr>
-              <a:xfrm>
-                <a:off x="10095380" y="1384518"/>
-                <a:ext cx="242047" cy="236754"/>
-              </a:xfrm>
-              <a:prstGeom prst="rect">
-                <a:avLst/>
-              </a:prstGeom>
-              <a:solidFill>
-                <a:schemeClr val="bg2"/>
-              </a:solidFill>
-              <a:ln w="57150">
-                <a:solidFill>
-                  <a:schemeClr val="tx1"/>
-                </a:solidFill>
-              </a:ln>
-            </p:spPr>
-            <p:style>
-              <a:lnRef idx="2">
-                <a:schemeClr val="accent1">
-                  <a:shade val="50000"/>
-                </a:schemeClr>
-              </a:lnRef>
-              <a:fillRef idx="1">
-                <a:schemeClr val="accent1"/>
-              </a:fillRef>
-              <a:effectRef idx="0">
-                <a:schemeClr val="accent1"/>
-              </a:effectRef>
-              <a:fontRef idx="minor">
-                <a:schemeClr val="lt1"/>
-              </a:fontRef>
-            </p:style>
-            <p:txBody>
-              <a:bodyPr rtlCol="0" anchor="ctr"/>
-              <a:lstStyle/>
-              <a:p>
-                <a:pPr algn="ctr"/>
-                <a:endParaRPr lang="ko-KR" altLang="en-US"/>
-              </a:p>
-            </p:txBody>
-          </p:sp>
-        </p:grpSp>
-        <p:sp>
-          <p:nvSpPr>
-            <p:cNvPr id="52" name="직사각형 51">
-              <a:extLst>
-                <a:ext uri="{FF2B5EF4-FFF2-40B4-BE49-F238E27FC236}">
-                  <a16:creationId xmlns:a16="http://schemas.microsoft.com/office/drawing/2014/main" id="{38FE491D-E8A5-4856-991D-647A23AE683B}"/>
-                </a:ext>
-              </a:extLst>
-            </p:cNvPr>
-            <p:cNvSpPr/>
-            <p:nvPr/>
-          </p:nvSpPr>
-          <p:spPr>
-            <a:xfrm>
-              <a:off x="2402586" y="1382745"/>
-              <a:ext cx="761748" cy="477054"/>
-            </a:xfrm>
-            <a:prstGeom prst="rect">
-              <a:avLst/>
-            </a:prstGeom>
-            <a:noFill/>
-          </p:spPr>
-          <p:txBody>
-            <a:bodyPr wrap="none" lIns="91440" tIns="45720" rIns="91440" bIns="45720">
-              <a:spAutoFit/>
-            </a:bodyPr>
-            <a:lstStyle/>
-            <a:p>
-              <a:pPr algn="ctr"/>
-              <a:r>
-                <a:rPr lang="en-US" altLang="ko-KR" sz="2500" dirty="0">
-                  <a:ln w="0"/>
-                  <a:effectLst>
-                    <a:outerShdw blurRad="38100" dist="19050" dir="2700000" algn="tl" rotWithShape="0">
-                      <a:schemeClr val="dk1">
-                        <a:alpha val="40000"/>
-                      </a:schemeClr>
-                    </a:outerShdw>
-                  </a:effectLst>
-                </a:rPr>
-                <a:t>APP</a:t>
-              </a:r>
-              <a:endParaRPr lang="en-US" altLang="ko-KR" sz="2500" b="0" cap="none" spc="0" dirty="0">
-                <a:ln w="0"/>
-                <a:solidFill>
-                  <a:schemeClr val="tx1"/>
-                </a:solidFill>
-                <a:effectLst>
-                  <a:outerShdw blurRad="38100" dist="19050" dir="2700000" algn="tl" rotWithShape="0">
-                    <a:schemeClr val="dk1">
-                      <a:alpha val="40000"/>
-                    </a:schemeClr>
-                  </a:outerShdw>
-                </a:effectLst>
-              </a:endParaRPr>
-            </a:p>
-          </p:txBody>
-        </p:sp>
-        <p:sp>
-          <p:nvSpPr>
-            <p:cNvPr id="53" name="직사각형 52">
-              <a:extLst>
-                <a:ext uri="{FF2B5EF4-FFF2-40B4-BE49-F238E27FC236}">
-                  <a16:creationId xmlns:a16="http://schemas.microsoft.com/office/drawing/2014/main" id="{E4E43CA3-0A4D-4E9C-9DD2-7BC823EC1D7E}"/>
-                </a:ext>
-              </a:extLst>
-            </p:cNvPr>
-            <p:cNvSpPr/>
-            <p:nvPr/>
-          </p:nvSpPr>
-          <p:spPr>
-            <a:xfrm>
-              <a:off x="2402586" y="1923454"/>
-              <a:ext cx="8229555" cy="3931245"/>
-            </a:xfrm>
-            <a:prstGeom prst="rect">
-              <a:avLst/>
-            </a:prstGeom>
-            <a:solidFill>
-              <a:schemeClr val="accent3"/>
-            </a:solidFill>
-          </p:spPr>
-          <p:style>
-            <a:lnRef idx="2">
-              <a:schemeClr val="accent1">
-                <a:shade val="50000"/>
-              </a:schemeClr>
-            </a:lnRef>
-            <a:fillRef idx="1">
-              <a:schemeClr val="accent1"/>
-            </a:fillRef>
-            <a:effectRef idx="0">
-              <a:schemeClr val="accent1"/>
-            </a:effectRef>
-            <a:fontRef idx="minor">
-              <a:schemeClr val="lt1"/>
-            </a:fontRef>
-          </p:style>
-          <p:txBody>
-            <a:bodyPr rtlCol="0" anchor="ctr"/>
-            <a:lstStyle/>
-            <a:p>
-              <a:pPr algn="ctr"/>
-              <a:endParaRPr lang="ko-KR" altLang="en-US"/>
-            </a:p>
-          </p:txBody>
-        </p:sp>
-        <p:sp>
-          <p:nvSpPr>
-            <p:cNvPr id="54" name="직사각형 53">
-              <a:extLst>
-                <a:ext uri="{FF2B5EF4-FFF2-40B4-BE49-F238E27FC236}">
-                  <a16:creationId xmlns:a16="http://schemas.microsoft.com/office/drawing/2014/main" id="{2C6C282E-C669-4C8F-857A-BFABE0101782}"/>
-                </a:ext>
-              </a:extLst>
-            </p:cNvPr>
-            <p:cNvSpPr/>
-            <p:nvPr/>
-          </p:nvSpPr>
-          <p:spPr>
-            <a:xfrm>
-              <a:off x="3376893" y="2108704"/>
-              <a:ext cx="1550173" cy="323163"/>
-            </a:xfrm>
-            <a:prstGeom prst="rect">
-              <a:avLst/>
-            </a:prstGeom>
-            <a:solidFill>
-              <a:schemeClr val="bg2"/>
-            </a:solidFill>
-          </p:spPr>
-          <p:style>
-            <a:lnRef idx="2">
-              <a:schemeClr val="accent1">
-                <a:shade val="50000"/>
-              </a:schemeClr>
-            </a:lnRef>
-            <a:fillRef idx="1">
-              <a:schemeClr val="accent1"/>
-            </a:fillRef>
-            <a:effectRef idx="0">
-              <a:schemeClr val="accent1"/>
-            </a:effectRef>
-            <a:fontRef idx="minor">
-              <a:schemeClr val="lt1"/>
-            </a:fontRef>
-          </p:style>
-          <p:txBody>
-            <a:bodyPr rtlCol="0" anchor="ctr"/>
-            <a:lstStyle/>
-            <a:p>
-              <a:pPr algn="ctr"/>
-              <a:endParaRPr lang="ko-KR" altLang="en-US"/>
-            </a:p>
-          </p:txBody>
-        </p:sp>
-        <p:sp>
-          <p:nvSpPr>
-            <p:cNvPr id="55" name="순서도: 병합 54">
-              <a:extLst>
-                <a:ext uri="{FF2B5EF4-FFF2-40B4-BE49-F238E27FC236}">
-                  <a16:creationId xmlns:a16="http://schemas.microsoft.com/office/drawing/2014/main" id="{F5138415-78B2-488B-82ED-A078DC10BA5E}"/>
-                </a:ext>
-              </a:extLst>
-            </p:cNvPr>
-            <p:cNvSpPr/>
-            <p:nvPr/>
-          </p:nvSpPr>
-          <p:spPr>
-            <a:xfrm>
-              <a:off x="4661117" y="2214282"/>
-              <a:ext cx="152930" cy="136310"/>
-            </a:xfrm>
-            <a:prstGeom prst="flowChartMerge">
-              <a:avLst/>
-            </a:prstGeom>
-            <a:solidFill>
-              <a:schemeClr val="tx1"/>
-            </a:solidFill>
-            <a:ln>
-              <a:solidFill>
-                <a:schemeClr val="tx1"/>
-              </a:solidFill>
-            </a:ln>
-          </p:spPr>
-          <p:style>
-            <a:lnRef idx="2">
-              <a:schemeClr val="accent1">
-                <a:shade val="50000"/>
-              </a:schemeClr>
-            </a:lnRef>
-            <a:fillRef idx="1">
-              <a:schemeClr val="accent1"/>
-            </a:fillRef>
-            <a:effectRef idx="0">
-              <a:schemeClr val="accent1"/>
-            </a:effectRef>
-            <a:fontRef idx="minor">
-              <a:schemeClr val="lt1"/>
-            </a:fontRef>
-          </p:style>
-          <p:txBody>
-            <a:bodyPr rtlCol="0" anchor="ctr"/>
-            <a:lstStyle/>
-            <a:p>
-              <a:pPr algn="ctr"/>
-              <a:endParaRPr lang="ko-KR" altLang="en-US"/>
-            </a:p>
-          </p:txBody>
-        </p:sp>
-        <p:sp>
-          <p:nvSpPr>
-            <p:cNvPr id="56" name="직사각형 55">
-              <a:extLst>
-                <a:ext uri="{FF2B5EF4-FFF2-40B4-BE49-F238E27FC236}">
-                  <a16:creationId xmlns:a16="http://schemas.microsoft.com/office/drawing/2014/main" id="{E24388DC-9B12-46D3-A140-303FE41243DC}"/>
-                </a:ext>
-              </a:extLst>
-            </p:cNvPr>
-            <p:cNvSpPr/>
-            <p:nvPr/>
-          </p:nvSpPr>
-          <p:spPr>
-            <a:xfrm>
-              <a:off x="2488509" y="2129411"/>
-              <a:ext cx="888384" cy="307777"/>
-            </a:xfrm>
-            <a:prstGeom prst="rect">
-              <a:avLst/>
-            </a:prstGeom>
-            <a:noFill/>
-          </p:spPr>
-          <p:txBody>
-            <a:bodyPr wrap="square" lIns="91440" tIns="45720" rIns="91440" bIns="45720">
-              <a:spAutoFit/>
-            </a:bodyPr>
-            <a:lstStyle/>
-            <a:p>
-              <a:pPr algn="ctr"/>
-              <a:r>
-                <a:rPr lang="ko-KR" altLang="en-US" sz="1400" b="0" cap="none" spc="0" dirty="0">
-                  <a:ln w="0"/>
-                  <a:solidFill>
-                    <a:schemeClr val="tx1"/>
-                  </a:solidFill>
-                  <a:effectLst>
-                    <a:outerShdw blurRad="38100" dist="19050" dir="2700000" algn="tl" rotWithShape="0">
-                      <a:schemeClr val="dk1">
-                        <a:alpha val="40000"/>
-                      </a:schemeClr>
-                    </a:outerShdw>
-                  </a:effectLst>
-                </a:rPr>
-                <a:t>시</a:t>
-              </a:r>
-              <a:r>
-                <a:rPr lang="en-US" altLang="ko-KR" sz="1400" b="0" cap="none" spc="0" dirty="0">
-                  <a:ln w="0"/>
-                  <a:solidFill>
-                    <a:schemeClr val="tx1"/>
-                  </a:solidFill>
-                  <a:effectLst>
-                    <a:outerShdw blurRad="38100" dist="19050" dir="2700000" algn="tl" rotWithShape="0">
-                      <a:schemeClr val="dk1">
-                        <a:alpha val="40000"/>
-                      </a:schemeClr>
-                    </a:outerShdw>
-                  </a:effectLst>
-                </a:rPr>
-                <a:t>, </a:t>
-              </a:r>
-              <a:r>
-                <a:rPr lang="ko-KR" altLang="en-US" sz="1400" b="0" cap="none" spc="0" dirty="0">
-                  <a:ln w="0"/>
-                  <a:solidFill>
-                    <a:schemeClr val="tx1"/>
-                  </a:solidFill>
-                  <a:effectLst>
-                    <a:outerShdw blurRad="38100" dist="19050" dir="2700000" algn="tl" rotWithShape="0">
-                      <a:schemeClr val="dk1">
-                        <a:alpha val="40000"/>
-                      </a:schemeClr>
-                    </a:outerShdw>
-                  </a:effectLst>
-                </a:rPr>
-                <a:t>군 명</a:t>
-              </a:r>
-              <a:endParaRPr lang="en-US" altLang="ko-KR" sz="1400" b="0" cap="none" spc="0" dirty="0">
-                <a:ln w="0"/>
-                <a:solidFill>
-                  <a:schemeClr val="tx1"/>
-                </a:solidFill>
-                <a:effectLst>
-                  <a:outerShdw blurRad="38100" dist="19050" dir="2700000" algn="tl" rotWithShape="0">
-                    <a:schemeClr val="dk1">
-                      <a:alpha val="40000"/>
-                    </a:schemeClr>
-                  </a:outerShdw>
-                </a:effectLst>
-              </a:endParaRPr>
-            </a:p>
-          </p:txBody>
-        </p:sp>
-        <p:sp>
-          <p:nvSpPr>
-            <p:cNvPr id="57" name="직사각형 56">
-              <a:extLst>
-                <a:ext uri="{FF2B5EF4-FFF2-40B4-BE49-F238E27FC236}">
-                  <a16:creationId xmlns:a16="http://schemas.microsoft.com/office/drawing/2014/main" id="{9DC89AB5-6A62-41B5-B827-5C5CACA2D831}"/>
-                </a:ext>
-              </a:extLst>
-            </p:cNvPr>
-            <p:cNvSpPr/>
-            <p:nvPr/>
-          </p:nvSpPr>
-          <p:spPr>
-            <a:xfrm>
-              <a:off x="3376893" y="2672460"/>
-              <a:ext cx="1550173" cy="323163"/>
-            </a:xfrm>
-            <a:prstGeom prst="rect">
-              <a:avLst/>
-            </a:prstGeom>
-            <a:solidFill>
-              <a:schemeClr val="bg2"/>
-            </a:solidFill>
-          </p:spPr>
-          <p:style>
-            <a:lnRef idx="2">
-              <a:schemeClr val="accent1">
-                <a:shade val="50000"/>
-              </a:schemeClr>
-            </a:lnRef>
-            <a:fillRef idx="1">
-              <a:schemeClr val="accent1"/>
-            </a:fillRef>
-            <a:effectRef idx="0">
-              <a:schemeClr val="accent1"/>
-            </a:effectRef>
-            <a:fontRef idx="minor">
-              <a:schemeClr val="lt1"/>
-            </a:fontRef>
-          </p:style>
-          <p:txBody>
-            <a:bodyPr rtlCol="0" anchor="ctr"/>
-            <a:lstStyle/>
-            <a:p>
-              <a:pPr algn="ctr"/>
-              <a:endParaRPr lang="ko-KR" altLang="en-US"/>
-            </a:p>
-          </p:txBody>
-        </p:sp>
-        <p:sp>
-          <p:nvSpPr>
-            <p:cNvPr id="58" name="순서도: 병합 57">
-              <a:extLst>
-                <a:ext uri="{FF2B5EF4-FFF2-40B4-BE49-F238E27FC236}">
-                  <a16:creationId xmlns:a16="http://schemas.microsoft.com/office/drawing/2014/main" id="{7B7E269A-96D7-498B-B11A-AED471BC4CCC}"/>
-                </a:ext>
-              </a:extLst>
-            </p:cNvPr>
-            <p:cNvSpPr/>
-            <p:nvPr/>
-          </p:nvSpPr>
-          <p:spPr>
-            <a:xfrm>
-              <a:off x="4679047" y="2778874"/>
-              <a:ext cx="152930" cy="109548"/>
-            </a:xfrm>
-            <a:prstGeom prst="flowChartMerge">
-              <a:avLst/>
-            </a:prstGeom>
-            <a:solidFill>
-              <a:schemeClr val="tx1"/>
-            </a:solidFill>
-            <a:ln>
-              <a:solidFill>
-                <a:schemeClr val="tx1"/>
-              </a:solidFill>
-            </a:ln>
-          </p:spPr>
-          <p:style>
-            <a:lnRef idx="2">
-              <a:schemeClr val="accent1">
-                <a:shade val="50000"/>
-              </a:schemeClr>
-            </a:lnRef>
-            <a:fillRef idx="1">
-              <a:schemeClr val="accent1"/>
-            </a:fillRef>
-            <a:effectRef idx="0">
-              <a:schemeClr val="accent1"/>
-            </a:effectRef>
-            <a:fontRef idx="minor">
-              <a:schemeClr val="lt1"/>
-            </a:fontRef>
-          </p:style>
-          <p:txBody>
-            <a:bodyPr rtlCol="0" anchor="ctr"/>
-            <a:lstStyle/>
-            <a:p>
-              <a:pPr algn="ctr"/>
-              <a:endParaRPr lang="ko-KR" altLang="en-US"/>
-            </a:p>
-          </p:txBody>
-        </p:sp>
-        <p:sp>
-          <p:nvSpPr>
-            <p:cNvPr id="59" name="직사각형 58">
-              <a:extLst>
-                <a:ext uri="{FF2B5EF4-FFF2-40B4-BE49-F238E27FC236}">
-                  <a16:creationId xmlns:a16="http://schemas.microsoft.com/office/drawing/2014/main" id="{F597B11A-54A6-4540-8279-87793696733F}"/>
-                </a:ext>
-              </a:extLst>
-            </p:cNvPr>
-            <p:cNvSpPr/>
-            <p:nvPr/>
-          </p:nvSpPr>
-          <p:spPr>
-            <a:xfrm>
-              <a:off x="2660830" y="2672460"/>
-              <a:ext cx="539644" cy="307777"/>
-            </a:xfrm>
-            <a:prstGeom prst="rect">
-              <a:avLst/>
-            </a:prstGeom>
-            <a:noFill/>
-          </p:spPr>
-          <p:txBody>
-            <a:bodyPr wrap="square" lIns="91440" tIns="45720" rIns="91440" bIns="45720">
-              <a:spAutoFit/>
-            </a:bodyPr>
-            <a:lstStyle/>
-            <a:p>
-              <a:pPr algn="ctr"/>
-              <a:r>
-                <a:rPr lang="ko-KR" altLang="en-US" sz="1400" dirty="0">
-                  <a:ln w="0"/>
-                  <a:effectLst>
-                    <a:outerShdw blurRad="38100" dist="19050" dir="2700000" algn="tl" rotWithShape="0">
-                      <a:schemeClr val="dk1">
-                        <a:alpha val="40000"/>
-                      </a:schemeClr>
-                    </a:outerShdw>
-                  </a:effectLst>
-                </a:rPr>
-                <a:t>업종</a:t>
-              </a:r>
-              <a:endParaRPr lang="en-US" altLang="ko-KR" sz="1400" b="0" cap="none" spc="0" dirty="0">
-                <a:ln w="0"/>
-                <a:solidFill>
-                  <a:schemeClr val="tx1"/>
-                </a:solidFill>
-                <a:effectLst>
-                  <a:outerShdw blurRad="38100" dist="19050" dir="2700000" algn="tl" rotWithShape="0">
-                    <a:schemeClr val="dk1">
-                      <a:alpha val="40000"/>
-                    </a:schemeClr>
-                  </a:outerShdw>
-                </a:effectLst>
-              </a:endParaRPr>
-            </a:p>
-          </p:txBody>
-        </p:sp>
-        <p:sp>
-          <p:nvSpPr>
-            <p:cNvPr id="12" name="직사각형 11">
-              <a:extLst>
-                <a:ext uri="{FF2B5EF4-FFF2-40B4-BE49-F238E27FC236}">
-                  <a16:creationId xmlns:a16="http://schemas.microsoft.com/office/drawing/2014/main" id="{5B43D9B9-3C42-4D9D-8021-6E8BB5E4DA69}"/>
-                </a:ext>
-              </a:extLst>
-            </p:cNvPr>
-            <p:cNvSpPr/>
-            <p:nvPr/>
-          </p:nvSpPr>
-          <p:spPr>
-            <a:xfrm>
-              <a:off x="2660830" y="3675117"/>
-              <a:ext cx="3202052" cy="1981612"/>
-            </a:xfrm>
-            <a:prstGeom prst="rect">
-              <a:avLst/>
-            </a:prstGeom>
-            <a:solidFill>
-              <a:schemeClr val="bg1"/>
-            </a:solidFill>
-            <a:ln w="63500">
-              <a:noFill/>
-            </a:ln>
-          </p:spPr>
-          <p:style>
-            <a:lnRef idx="2">
-              <a:schemeClr val="accent1">
-                <a:shade val="50000"/>
-              </a:schemeClr>
-            </a:lnRef>
-            <a:fillRef idx="1">
-              <a:schemeClr val="accent1"/>
-            </a:fillRef>
-            <a:effectRef idx="0">
-              <a:schemeClr val="accent1"/>
-            </a:effectRef>
-            <a:fontRef idx="minor">
-              <a:schemeClr val="lt1"/>
-            </a:fontRef>
-          </p:style>
-          <p:txBody>
-            <a:bodyPr rtlCol="0" anchor="ctr"/>
-            <a:lstStyle/>
-            <a:p>
-              <a:pPr algn="ctr"/>
-              <a:endParaRPr lang="ko-KR" altLang="en-US">
-                <a:solidFill>
-                  <a:prstClr val="white"/>
-                </a:solidFill>
-              </a:endParaRPr>
-            </a:p>
-          </p:txBody>
-        </p:sp>
-        <p:sp>
-          <p:nvSpPr>
-            <p:cNvPr id="60" name="직사각형 59">
-              <a:extLst>
-                <a:ext uri="{FF2B5EF4-FFF2-40B4-BE49-F238E27FC236}">
-                  <a16:creationId xmlns:a16="http://schemas.microsoft.com/office/drawing/2014/main" id="{30D696A9-B63B-461B-8D2C-75AF92DD14B7}"/>
-                </a:ext>
-              </a:extLst>
-            </p:cNvPr>
-            <p:cNvSpPr/>
-            <p:nvPr/>
-          </p:nvSpPr>
-          <p:spPr>
-            <a:xfrm>
-              <a:off x="2598151" y="3275111"/>
-              <a:ext cx="778742" cy="307777"/>
-            </a:xfrm>
-            <a:prstGeom prst="rect">
-              <a:avLst/>
-            </a:prstGeom>
-            <a:noFill/>
-          </p:spPr>
-          <p:txBody>
-            <a:bodyPr wrap="square" lIns="91440" tIns="45720" rIns="91440" bIns="45720">
-              <a:spAutoFit/>
-            </a:bodyPr>
-            <a:lstStyle/>
-            <a:p>
-              <a:pPr algn="ctr"/>
-              <a:r>
-                <a:rPr lang="ko-KR" altLang="en-US" sz="1400" b="0" cap="none" spc="0" dirty="0" err="1">
-                  <a:ln w="0"/>
-                  <a:solidFill>
-                    <a:schemeClr val="tx1"/>
-                  </a:solidFill>
-                  <a:effectLst>
-                    <a:outerShdw blurRad="38100" dist="19050" dir="2700000" algn="tl" rotWithShape="0">
-                      <a:schemeClr val="dk1">
-                        <a:alpha val="40000"/>
-                      </a:schemeClr>
-                    </a:outerShdw>
-                  </a:effectLst>
-                </a:rPr>
-                <a:t>학원명</a:t>
-              </a:r>
-              <a:endParaRPr lang="en-US" altLang="ko-KR" sz="1400" b="0" cap="none" spc="0" dirty="0">
-                <a:ln w="0"/>
-                <a:solidFill>
-                  <a:schemeClr val="tx1"/>
-                </a:solidFill>
-                <a:effectLst>
-                  <a:outerShdw blurRad="38100" dist="19050" dir="2700000" algn="tl" rotWithShape="0">
-                    <a:schemeClr val="dk1">
-                      <a:alpha val="40000"/>
-                    </a:schemeClr>
-                  </a:outerShdw>
-                </a:effectLst>
-              </a:endParaRPr>
-            </a:p>
-          </p:txBody>
-        </p:sp>
-        <p:sp>
-          <p:nvSpPr>
-            <p:cNvPr id="61" name="직사각형 60">
-              <a:extLst>
-                <a:ext uri="{FF2B5EF4-FFF2-40B4-BE49-F238E27FC236}">
-                  <a16:creationId xmlns:a16="http://schemas.microsoft.com/office/drawing/2014/main" id="{7F5AC6F0-6DEF-409C-B808-A910870E5B8F}"/>
-                </a:ext>
-              </a:extLst>
-            </p:cNvPr>
-            <p:cNvSpPr/>
-            <p:nvPr/>
-          </p:nvSpPr>
-          <p:spPr>
-            <a:xfrm>
-              <a:off x="6096000" y="2431867"/>
-              <a:ext cx="3343835" cy="3224861"/>
-            </a:xfrm>
-            <a:prstGeom prst="rect">
-              <a:avLst/>
-            </a:prstGeom>
-            <a:solidFill>
-              <a:schemeClr val="bg1"/>
-            </a:solidFill>
-            <a:ln w="63500">
-              <a:noFill/>
-            </a:ln>
-          </p:spPr>
-          <p:style>
-            <a:lnRef idx="2">
-              <a:schemeClr val="accent1">
-                <a:shade val="50000"/>
-              </a:schemeClr>
-            </a:lnRef>
-            <a:fillRef idx="1">
-              <a:schemeClr val="accent1"/>
-            </a:fillRef>
-            <a:effectRef idx="0">
-              <a:schemeClr val="accent1"/>
-            </a:effectRef>
-            <a:fontRef idx="minor">
-              <a:schemeClr val="lt1"/>
-            </a:fontRef>
-          </p:style>
-          <p:txBody>
-            <a:bodyPr rtlCol="0" anchor="ctr"/>
-            <a:lstStyle/>
-            <a:p>
-              <a:pPr algn="ctr"/>
-              <a:endParaRPr lang="ko-KR" altLang="en-US">
-                <a:solidFill>
-                  <a:prstClr val="white"/>
-                </a:solidFill>
-              </a:endParaRPr>
-            </a:p>
-          </p:txBody>
-        </p:sp>
-        <p:sp>
-          <p:nvSpPr>
-            <p:cNvPr id="62" name="직사각형 61">
-              <a:extLst>
-                <a:ext uri="{FF2B5EF4-FFF2-40B4-BE49-F238E27FC236}">
-                  <a16:creationId xmlns:a16="http://schemas.microsoft.com/office/drawing/2014/main" id="{76F3C60A-0879-4862-9308-0D01A1A78709}"/>
-                </a:ext>
-              </a:extLst>
-            </p:cNvPr>
-            <p:cNvSpPr/>
-            <p:nvPr/>
-          </p:nvSpPr>
-          <p:spPr>
-            <a:xfrm>
-              <a:off x="6028347" y="2010185"/>
-              <a:ext cx="605535" cy="307777"/>
-            </a:xfrm>
-            <a:prstGeom prst="rect">
-              <a:avLst/>
-            </a:prstGeom>
-            <a:noFill/>
-          </p:spPr>
-          <p:txBody>
-            <a:bodyPr wrap="square" lIns="91440" tIns="45720" rIns="91440" bIns="45720">
-              <a:spAutoFit/>
-            </a:bodyPr>
-            <a:lstStyle/>
-            <a:p>
-              <a:pPr algn="ctr"/>
-              <a:r>
-                <a:rPr lang="ko-KR" altLang="en-US" sz="1400" dirty="0">
-                  <a:ln w="0"/>
-                  <a:effectLst>
-                    <a:outerShdw blurRad="38100" dist="19050" dir="2700000" algn="tl" rotWithShape="0">
-                      <a:schemeClr val="dk1">
-                        <a:alpha val="40000"/>
-                      </a:schemeClr>
-                    </a:outerShdw>
-                  </a:effectLst>
-                </a:rPr>
-                <a:t>지도</a:t>
-              </a:r>
-              <a:endParaRPr lang="en-US" altLang="ko-KR" sz="1400" b="0" cap="none" spc="0" dirty="0">
-                <a:ln w="0"/>
-                <a:solidFill>
-                  <a:schemeClr val="tx1"/>
-                </a:solidFill>
-                <a:effectLst>
-                  <a:outerShdw blurRad="38100" dist="19050" dir="2700000" algn="tl" rotWithShape="0">
-                    <a:schemeClr val="dk1">
-                      <a:alpha val="40000"/>
-                    </a:schemeClr>
-                  </a:outerShdw>
-                </a:effectLst>
-              </a:endParaRPr>
-            </a:p>
-          </p:txBody>
-        </p:sp>
-        <p:grpSp>
-          <p:nvGrpSpPr>
-            <p:cNvPr id="64" name="그룹 63">
-              <a:extLst>
-                <a:ext uri="{FF2B5EF4-FFF2-40B4-BE49-F238E27FC236}">
-                  <a16:creationId xmlns:a16="http://schemas.microsoft.com/office/drawing/2014/main" id="{658CA1FF-35AD-4345-970C-94A622E0C13C}"/>
-                </a:ext>
-              </a:extLst>
-            </p:cNvPr>
-            <p:cNvGrpSpPr/>
-            <p:nvPr/>
-          </p:nvGrpSpPr>
-          <p:grpSpPr>
-            <a:xfrm>
-              <a:off x="9765043" y="4572286"/>
-              <a:ext cx="607200" cy="901196"/>
-              <a:chOff x="9765043" y="4572286"/>
-              <a:chExt cx="607200" cy="901196"/>
-            </a:xfrm>
-          </p:grpSpPr>
-          <p:pic>
-            <p:nvPicPr>
-              <p:cNvPr id="15" name="그래픽 14" descr="보내다">
-                <a:extLst>
-                  <a:ext uri="{FF2B5EF4-FFF2-40B4-BE49-F238E27FC236}">
-                    <a16:creationId xmlns:a16="http://schemas.microsoft.com/office/drawing/2014/main" id="{4E62FBDB-B349-4482-A1D4-7641ABC2110F}"/>
-                  </a:ext>
-                </a:extLst>
-              </p:cNvPr>
-              <p:cNvPicPr>
-                <a:picLocks noChangeAspect="1"/>
-              </p:cNvPicPr>
-              <p:nvPr/>
-            </p:nvPicPr>
-            <p:blipFill>
-              <a:blip r:embed="rId2">
-                <a:extLst>
-                  <a:ext uri="{28A0092B-C50C-407E-A947-70E740481C1C}">
-                    <a14:useLocalDpi xmlns:a14="http://schemas.microsoft.com/office/drawing/2010/main" val="0"/>
-                  </a:ext>
-                  <a:ext uri="{96DAC541-7B7A-43D3-8B79-37D633B846F1}">
-                    <asvg:svgBlip xmlns:asvg="http://schemas.microsoft.com/office/drawing/2016/SVG/main" r:embed="rId3"/>
-                  </a:ext>
-                </a:extLst>
-              </a:blip>
-              <a:stretch>
-                <a:fillRect/>
-              </a:stretch>
-            </p:blipFill>
-            <p:spPr>
-              <a:xfrm>
-                <a:off x="9765043" y="4572286"/>
-                <a:ext cx="607200" cy="607200"/>
-              </a:xfrm>
-              <a:prstGeom prst="rect">
-                <a:avLst/>
-              </a:prstGeom>
-            </p:spPr>
-          </p:pic>
-          <p:sp>
-            <p:nvSpPr>
-              <p:cNvPr id="18" name="직사각형 17">
-                <a:extLst>
-                  <a:ext uri="{FF2B5EF4-FFF2-40B4-BE49-F238E27FC236}">
-                    <a16:creationId xmlns:a16="http://schemas.microsoft.com/office/drawing/2014/main" id="{CB33FCE6-463D-4FEC-A71E-51A8224BB627}"/>
-                  </a:ext>
-                </a:extLst>
-              </p:cNvPr>
-              <p:cNvSpPr/>
-              <p:nvPr/>
-            </p:nvSpPr>
-            <p:spPr>
-              <a:xfrm>
-                <a:off x="9821907" y="5227261"/>
-                <a:ext cx="546945" cy="246221"/>
-              </a:xfrm>
-              <a:prstGeom prst="rect">
-                <a:avLst/>
-              </a:prstGeom>
-              <a:noFill/>
-            </p:spPr>
-            <p:txBody>
-              <a:bodyPr wrap="none" lIns="91440" tIns="45720" rIns="91440" bIns="45720">
-                <a:spAutoFit/>
-              </a:bodyPr>
-              <a:lstStyle/>
-              <a:p>
-                <a:pPr algn="ctr"/>
-                <a:r>
-                  <a:rPr lang="en-US" altLang="ko-KR" sz="1000" b="0" cap="none" spc="0" dirty="0">
-                    <a:ln w="0"/>
-                    <a:solidFill>
-                      <a:schemeClr val="tx1"/>
-                    </a:solidFill>
-                    <a:effectLst>
-                      <a:outerShdw blurRad="38100" dist="19050" dir="2700000" algn="tl" rotWithShape="0">
-                        <a:schemeClr val="dk1">
-                          <a:alpha val="40000"/>
-                        </a:schemeClr>
-                      </a:outerShdw>
-                    </a:effectLst>
-                  </a:rPr>
-                  <a:t>E-mail</a:t>
-                </a:r>
-              </a:p>
-            </p:txBody>
-          </p:sp>
-        </p:grpSp>
-        <p:grpSp>
-          <p:nvGrpSpPr>
-            <p:cNvPr id="26" name="그룹 25">
-              <a:extLst>
-                <a:ext uri="{FF2B5EF4-FFF2-40B4-BE49-F238E27FC236}">
-                  <a16:creationId xmlns:a16="http://schemas.microsoft.com/office/drawing/2014/main" id="{9FBC353F-DF6F-4EC3-B0CF-A7F71299CAC2}"/>
-                </a:ext>
-              </a:extLst>
-            </p:cNvPr>
-            <p:cNvGrpSpPr/>
-            <p:nvPr/>
-          </p:nvGrpSpPr>
-          <p:grpSpPr>
-            <a:xfrm>
-              <a:off x="9776737" y="2438946"/>
-              <a:ext cx="697627" cy="898951"/>
-              <a:chOff x="9753799" y="2530048"/>
-              <a:chExt cx="697627" cy="898951"/>
-            </a:xfrm>
-          </p:grpSpPr>
-          <p:pic>
-            <p:nvPicPr>
-              <p:cNvPr id="17" name="그래픽 16" descr="로봇">
-                <a:extLst>
-                  <a:ext uri="{FF2B5EF4-FFF2-40B4-BE49-F238E27FC236}">
-                    <a16:creationId xmlns:a16="http://schemas.microsoft.com/office/drawing/2014/main" id="{43FF4F01-CA67-4796-BF87-D3A98BF4B982}"/>
-                  </a:ext>
-                </a:extLst>
-              </p:cNvPr>
-              <p:cNvPicPr>
-                <a:picLocks noChangeAspect="1"/>
-              </p:cNvPicPr>
-              <p:nvPr/>
-            </p:nvPicPr>
-            <p:blipFill>
-              <a:blip r:embed="rId4">
-                <a:extLst>
-                  <a:ext uri="{28A0092B-C50C-407E-A947-70E740481C1C}">
-                    <a14:useLocalDpi xmlns:a14="http://schemas.microsoft.com/office/drawing/2010/main" val="0"/>
-                  </a:ext>
-                  <a:ext uri="{96DAC541-7B7A-43D3-8B79-37D633B846F1}">
-                    <asvg:svgBlip xmlns:asvg="http://schemas.microsoft.com/office/drawing/2016/SVG/main" r:embed="rId5"/>
-                  </a:ext>
-                </a:extLst>
-              </a:blip>
-              <a:stretch>
-                <a:fillRect/>
-              </a:stretch>
-            </p:blipFill>
-            <p:spPr>
-              <a:xfrm>
-                <a:off x="9768886" y="2530048"/>
-                <a:ext cx="607200" cy="607200"/>
-              </a:xfrm>
-              <a:prstGeom prst="rect">
-                <a:avLst/>
-              </a:prstGeom>
-            </p:spPr>
-          </p:pic>
-          <p:sp>
-            <p:nvSpPr>
-              <p:cNvPr id="63" name="직사각형 62">
-                <a:extLst>
-                  <a:ext uri="{FF2B5EF4-FFF2-40B4-BE49-F238E27FC236}">
-                    <a16:creationId xmlns:a16="http://schemas.microsoft.com/office/drawing/2014/main" id="{C57E81AE-427A-4927-BDBA-157CA17B4710}"/>
-                  </a:ext>
-                </a:extLst>
-              </p:cNvPr>
-              <p:cNvSpPr/>
-              <p:nvPr/>
-            </p:nvSpPr>
-            <p:spPr>
-              <a:xfrm>
-                <a:off x="9753799" y="3182778"/>
-                <a:ext cx="697627" cy="246221"/>
-              </a:xfrm>
-              <a:prstGeom prst="rect">
-                <a:avLst/>
-              </a:prstGeom>
-              <a:noFill/>
-            </p:spPr>
-            <p:txBody>
-              <a:bodyPr wrap="none" lIns="91440" tIns="45720" rIns="91440" bIns="45720">
-                <a:spAutoFit/>
-              </a:bodyPr>
-              <a:lstStyle/>
-              <a:p>
-                <a:pPr algn="ctr"/>
-                <a:r>
-                  <a:rPr lang="ko-KR" altLang="en-US" sz="1000" dirty="0" err="1">
-                    <a:ln w="0"/>
-                    <a:effectLst>
-                      <a:outerShdw blurRad="38100" dist="19050" dir="2700000" algn="tl" rotWithShape="0">
-                        <a:schemeClr val="dk1">
-                          <a:alpha val="40000"/>
-                        </a:schemeClr>
-                      </a:outerShdw>
-                    </a:effectLst>
-                  </a:rPr>
-                  <a:t>텔레그램</a:t>
-                </a:r>
-                <a:endParaRPr lang="en-US" altLang="ko-KR" sz="1000" b="0" cap="none" spc="0" dirty="0">
-                  <a:ln w="0"/>
-                  <a:solidFill>
-                    <a:schemeClr val="tx1"/>
-                  </a:solidFill>
-                  <a:effectLst>
-                    <a:outerShdw blurRad="38100" dist="19050" dir="2700000" algn="tl" rotWithShape="0">
-                      <a:schemeClr val="dk1">
-                        <a:alpha val="40000"/>
-                      </a:schemeClr>
-                    </a:outerShdw>
-                  </a:effectLst>
-                </a:endParaRPr>
-              </a:p>
-            </p:txBody>
-          </p:sp>
-        </p:grpSp>
-      </p:grpSp>
-      <p:sp>
-        <p:nvSpPr>
-          <p:cNvPr id="27" name="직사각형 26">
-            <a:extLst>
-              <a:ext uri="{FF2B5EF4-FFF2-40B4-BE49-F238E27FC236}">
-                <a16:creationId xmlns:a16="http://schemas.microsoft.com/office/drawing/2014/main" id="{4BBB9DFD-B863-40B7-AEC7-7DA5071491A1}"/>
-              </a:ext>
-            </a:extLst>
-          </p:cNvPr>
-          <p:cNvSpPr/>
-          <p:nvPr/>
-        </p:nvSpPr>
+        </p:nvPicPr>
+        <p:blipFill>
+          <a:blip r:embed="rId2"/>
+          <a:stretch>
+            <a:fillRect/>
+          </a:stretch>
+        </p:blipFill>
         <p:spPr>
           <a:xfrm>
-            <a:off x="5015849" y="2108704"/>
-            <a:ext cx="847033" cy="886919"/>
+            <a:off x="3850109" y="1072205"/>
+            <a:ext cx="7545916" cy="5273353"/>
           </a:xfrm>
           <a:prstGeom prst="rect">
             <a:avLst/>
           </a:prstGeom>
-          <a:solidFill>
-            <a:schemeClr val="bg2"/>
-          </a:solidFill>
         </p:spPr>
-        <p:style>
-          <a:lnRef idx="2">
-            <a:schemeClr val="accent1">
-              <a:shade val="50000"/>
-            </a:schemeClr>
-          </a:lnRef>
-          <a:fillRef idx="1">
-            <a:schemeClr val="accent1"/>
-          </a:fillRef>
-          <a:effectRef idx="0">
-            <a:schemeClr val="accent1"/>
-          </a:effectRef>
-          <a:fontRef idx="minor">
-            <a:schemeClr val="lt1"/>
-          </a:fontRef>
-        </p:style>
-        <p:txBody>
-          <a:bodyPr rtlCol="0" anchor="ctr"/>
-          <a:lstStyle/>
-          <a:p>
-            <a:pPr algn="ctr"/>
-            <a:r>
-              <a:rPr lang="ko-KR" altLang="en-US" dirty="0">
-                <a:solidFill>
-                  <a:schemeClr val="tx1"/>
-                </a:solidFill>
-              </a:rPr>
-              <a:t>검색</a:t>
-            </a:r>
-          </a:p>
-        </p:txBody>
-      </p:sp>
+      </p:pic>
     </p:spTree>
     <p:extLst>
       <p:ext uri="{BB962C8B-B14F-4D97-AF65-F5344CB8AC3E}">
@@ -23786,7 +17779,7 @@
 </p:sld>
 </file>
 
-<file path=ppt/slides/slide5.xml><?xml version="1.0" encoding="utf-8"?>
+<file path=ppt/slides/slide3.xml><?xml version="1.0" encoding="utf-8"?>
 <p:sld xmlns:a="http://schemas.openxmlformats.org/drawingml/2006/main" xmlns:r="http://schemas.openxmlformats.org/officeDocument/2006/relationships" xmlns:p="http://schemas.openxmlformats.org/presentationml/2006/main">
   <p:cSld>
     <p:spTree>
@@ -24180,7 +18173,7 @@
           <a:lstStyle/>
           <a:p>
             <a:r>
-              <a:rPr lang="ko-KR" altLang="en-US" sz="2600" dirty="0">
+              <a:rPr lang="ko-KR" altLang="en-US" sz="2600" strike="sngStrike" dirty="0">
                 <a:ln w="0"/>
                 <a:effectLst>
                   <a:outerShdw blurRad="38100" dist="19050" dir="2700000" algn="tl" rotWithShape="0">
@@ -24193,7 +18186,7 @@
               <a:t>인터페이스 제작</a:t>
             </a:r>
             <a:r>
-              <a:rPr lang="en-US" altLang="ko-KR" sz="2600" dirty="0">
+              <a:rPr lang="en-US" altLang="ko-KR" sz="2600" strike="sngStrike" dirty="0">
                 <a:ln w="0"/>
                 <a:effectLst>
                   <a:outerShdw blurRad="38100" dist="19050" dir="2700000" algn="tl" rotWithShape="0">
@@ -24206,7 +18199,7 @@
               <a:t>, </a:t>
             </a:r>
             <a:r>
-              <a:rPr lang="ko-KR" altLang="en-US" sz="2600" dirty="0" err="1">
+              <a:rPr lang="ko-KR" altLang="en-US" sz="2600" strike="sngStrike" dirty="0" err="1">
                 <a:ln w="0"/>
                 <a:effectLst>
                   <a:outerShdw blurRad="38100" dist="19050" dir="2700000" algn="tl" rotWithShape="0">
@@ -24219,7 +18212,7 @@
               <a:t>콤보박스</a:t>
             </a:r>
             <a:r>
-              <a:rPr lang="ko-KR" altLang="en-US" sz="2600" dirty="0">
+              <a:rPr lang="ko-KR" altLang="en-US" sz="2600" strike="sngStrike" dirty="0">
                 <a:ln w="0"/>
                 <a:effectLst>
                   <a:outerShdw blurRad="38100" dist="19050" dir="2700000" algn="tl" rotWithShape="0">
@@ -24231,7 +18224,7 @@
               </a:rPr>
               <a:t> 구현</a:t>
             </a:r>
-            <a:endParaRPr lang="en-US" altLang="ko-KR" sz="2600" b="0" cap="none" spc="0" dirty="0">
+            <a:endParaRPr lang="en-US" altLang="ko-KR" sz="2600" b="0" strike="sngStrike" cap="none" spc="0" dirty="0">
               <a:ln w="0"/>
               <a:solidFill>
                 <a:schemeClr val="tx1"/>
@@ -24276,7 +18269,7 @@
           <a:lstStyle/>
           <a:p>
             <a:r>
-              <a:rPr lang="en-US" altLang="ko-KR" sz="2600" dirty="0">
+              <a:rPr lang="en-US" altLang="ko-KR" sz="2600" strike="sngStrike" dirty="0">
                 <a:ln w="0"/>
                 <a:effectLst>
                   <a:outerShdw blurRad="38100" dist="19050" dir="2700000" algn="tl" rotWithShape="0">
@@ -24289,7 +18282,7 @@
               <a:t>URL</a:t>
             </a:r>
             <a:r>
-              <a:rPr lang="ko-KR" altLang="en-US" sz="2600" b="0" cap="none" spc="0" dirty="0">
+              <a:rPr lang="ko-KR" altLang="en-US" sz="2600" b="0" strike="sngStrike" cap="none" spc="0" dirty="0">
                 <a:ln w="0"/>
                 <a:solidFill>
                   <a:schemeClr val="tx1"/>
@@ -24305,7 +18298,7 @@
               <a:t>연결</a:t>
             </a:r>
             <a:r>
-              <a:rPr lang="en-US" altLang="ko-KR" sz="2600" b="0" cap="none" spc="0" dirty="0">
+              <a:rPr lang="en-US" altLang="ko-KR" sz="2600" b="0" strike="sngStrike" cap="none" spc="0" dirty="0">
                 <a:ln w="0"/>
                 <a:solidFill>
                   <a:schemeClr val="tx1"/>
@@ -24321,7 +18314,7 @@
               <a:t>, XML</a:t>
             </a:r>
             <a:r>
-              <a:rPr lang="ko-KR" altLang="en-US" sz="2600" dirty="0">
+              <a:rPr lang="ko-KR" altLang="en-US" sz="2600" strike="sngStrike" dirty="0">
                 <a:ln w="0"/>
                 <a:effectLst>
                   <a:outerShdw blurRad="38100" dist="19050" dir="2700000" algn="tl" rotWithShape="0">
@@ -24334,7 +18327,7 @@
               <a:t> 파싱</a:t>
             </a:r>
             <a:r>
-              <a:rPr lang="en-US" altLang="ko-KR" sz="2600" dirty="0">
+              <a:rPr lang="en-US" altLang="ko-KR" sz="2600" strike="sngStrike" dirty="0">
                 <a:ln w="0"/>
                 <a:effectLst>
                   <a:outerShdw blurRad="38100" dist="19050" dir="2700000" algn="tl" rotWithShape="0">
@@ -24347,7 +18340,7 @@
               <a:t>, </a:t>
             </a:r>
             <a:r>
-              <a:rPr lang="ko-KR" altLang="en-US" sz="2600" dirty="0">
+              <a:rPr lang="ko-KR" altLang="en-US" sz="2600" strike="sngStrike" dirty="0">
                 <a:ln w="0"/>
                 <a:effectLst>
                   <a:outerShdw blurRad="38100" dist="19050" dir="2700000" algn="tl" rotWithShape="0">
@@ -24416,7 +18409,7 @@
         <p:spPr>
           <a:xfrm>
             <a:off x="2167458" y="4606555"/>
-            <a:ext cx="3791423" cy="492443"/>
+            <a:ext cx="5766322" cy="492443"/>
           </a:xfrm>
           <a:prstGeom prst="rect">
             <a:avLst/>
@@ -24469,7 +18462,7 @@
               <a:t>, </a:t>
             </a:r>
             <a:r>
-              <a:rPr lang="ko-KR" altLang="en-US" sz="2600" dirty="0">
+              <a:rPr lang="ko-KR" altLang="en-US" sz="2600" strike="sngStrike" dirty="0">
                 <a:ln w="0"/>
                 <a:effectLst>
                   <a:outerShdw blurRad="38100" dist="19050" dir="2700000" algn="tl" rotWithShape="0">
@@ -24481,10 +18474,39 @@
               </a:rPr>
               <a:t>지도 만들기</a:t>
             </a:r>
-            <a:endParaRPr lang="en-US" altLang="ko-KR" sz="2600" b="0" cap="none" spc="0" dirty="0">
+            <a:r>
+              <a:rPr lang="en-US" altLang="ko-KR" sz="2600" dirty="0">
+                <a:ln w="0"/>
+                <a:effectLst>
+                  <a:outerShdw blurRad="38100" dist="19050" dir="2700000" algn="tl" rotWithShape="0">
+                    <a:schemeClr val="dk1">
+                      <a:alpha val="40000"/>
+                    </a:schemeClr>
+                  </a:outerShdw>
+                </a:effectLst>
+              </a:rPr>
+              <a:t>, </a:t>
+            </a:r>
+            <a:r>
+              <a:rPr lang="ko-KR" altLang="en-US" sz="2600" dirty="0">
+                <a:ln w="0"/>
+                <a:solidFill>
+                  <a:srgbClr val="FF0000"/>
+                </a:solidFill>
+                <a:effectLst>
+                  <a:outerShdw blurRad="38100" dist="19050" dir="2700000" algn="tl" rotWithShape="0">
+                    <a:schemeClr val="dk1">
+                      <a:alpha val="40000"/>
+                    </a:schemeClr>
+                  </a:outerShdw>
+                </a:effectLst>
+              </a:rPr>
+              <a:t>북마크 추가</a:t>
+            </a:r>
+            <a:endParaRPr lang="en-US" altLang="ko-KR" sz="2600" b="0" strike="sngStrike" cap="none" spc="0" dirty="0">
               <a:ln w="0"/>
               <a:solidFill>
-                <a:schemeClr val="tx1"/>
+                <a:srgbClr val="FF0000"/>
               </a:solidFill>
               <a:effectLst>
                 <a:outerShdw blurRad="38100" dist="19050" dir="2700000" algn="tl" rotWithShape="0">
@@ -24618,7 +18640,7 @@
 </p:sld>
 </file>
 
-<file path=ppt/slides/slide6.xml><?xml version="1.0" encoding="utf-8"?>
+<file path=ppt/slides/slide4.xml><?xml version="1.0" encoding="utf-8"?>
 <p:sld xmlns:a="http://schemas.openxmlformats.org/drawingml/2006/main" xmlns:r="http://schemas.openxmlformats.org/officeDocument/2006/relationships" xmlns:p="http://schemas.openxmlformats.org/presentationml/2006/main">
   <p:cSld>
     <p:spTree>
@@ -24750,6 +18772,36 @@
           </a:p>
         </p:txBody>
       </p:sp>
+      <p:pic>
+        <p:nvPicPr>
+          <p:cNvPr id="2" name="그림 1">
+            <a:extLst>
+              <a:ext uri="{FF2B5EF4-FFF2-40B4-BE49-F238E27FC236}">
+                <a16:creationId xmlns:a16="http://schemas.microsoft.com/office/drawing/2014/main" id="{F3EE3CF9-95FE-4E05-9659-D9B073223AE2}"/>
+              </a:ext>
+            </a:extLst>
+          </p:cNvPr>
+          <p:cNvPicPr>
+            <a:picLocks noChangeAspect="1"/>
+          </p:cNvPicPr>
+          <p:nvPr/>
+        </p:nvPicPr>
+        <p:blipFill>
+          <a:blip r:embed="rId3"/>
+          <a:stretch>
+            <a:fillRect/>
+          </a:stretch>
+        </p:blipFill>
+        <p:spPr>
+          <a:xfrm>
+            <a:off x="1530616" y="3405711"/>
+            <a:ext cx="9130768" cy="1806795"/>
+          </a:xfrm>
+          <a:prstGeom prst="rect">
+            <a:avLst/>
+          </a:prstGeom>
+        </p:spPr>
+      </p:pic>
     </p:spTree>
     <p:extLst>
       <p:ext uri="{BB962C8B-B14F-4D97-AF65-F5344CB8AC3E}">
@@ -24763,7 +18815,7 @@
 </p:sld>
 </file>
 
-<file path=ppt/slides/slide7.xml><?xml version="1.0" encoding="utf-8"?>
+<file path=ppt/slides/slide5.xml><?xml version="1.0" encoding="utf-8"?>
 <p:sld xmlns:a="http://schemas.openxmlformats.org/drawingml/2006/main" xmlns:r="http://schemas.openxmlformats.org/officeDocument/2006/relationships" xmlns:p="http://schemas.openxmlformats.org/presentationml/2006/main">
   <p:cSld>
     <p:spTree>
